--- a/Splay_Tree.pptx
+++ b/Splay_Tree.pptx
@@ -5,7 +5,7 @@
     <p:sldMasterId id="2147483648" r:id="rId1"/>
   </p:sldMasterIdLst>
   <p:notesMasterIdLst>
-    <p:notesMasterId r:id="rId32"/>
+    <p:notesMasterId r:id="rId33"/>
   </p:notesMasterIdLst>
   <p:sldIdLst>
     <p:sldId id="306" r:id="rId2"/>
@@ -30,14 +30,15 @@
     <p:sldId id="325" r:id="rId21"/>
     <p:sldId id="335" r:id="rId22"/>
     <p:sldId id="336" r:id="rId23"/>
-    <p:sldId id="338" r:id="rId24"/>
-    <p:sldId id="339" r:id="rId25"/>
-    <p:sldId id="322" r:id="rId26"/>
-    <p:sldId id="326" r:id="rId27"/>
-    <p:sldId id="342" r:id="rId28"/>
-    <p:sldId id="343" r:id="rId29"/>
-    <p:sldId id="323" r:id="rId30"/>
-    <p:sldId id="312" r:id="rId31"/>
+    <p:sldId id="339" r:id="rId24"/>
+    <p:sldId id="322" r:id="rId25"/>
+    <p:sldId id="326" r:id="rId26"/>
+    <p:sldId id="342" r:id="rId27"/>
+    <p:sldId id="343" r:id="rId28"/>
+    <p:sldId id="323" r:id="rId29"/>
+    <p:sldId id="312" r:id="rId30"/>
+    <p:sldId id="344" r:id="rId31"/>
+    <p:sldId id="345" r:id="rId32"/>
   </p:sldIdLst>
   <p:sldSz cx="12192000" cy="6858000"/>
   <p:notesSz cx="6858000" cy="9144000"/>
@@ -290,7 +291,7 @@
             <a:fld id="{031C363C-4E4E-4FEE-8EBE-062B808E9C16}" type="datetime1">
               <a:rPr lang="en-US"/>
               <a:pPr lvl="0"/>
-              <a:t>7/19/22</a:t>
+              <a:t>7/27/2022</a:t>
             </a:fld>
             <a:endParaRPr lang="en-US"/>
           </a:p>
@@ -727,7 +728,10 @@
           <a:bodyPr/>
           <a:lstStyle/>
           <a:p>
-            <a:endParaRPr lang="en-US" dirty="0"/>
+            <a:r>
+              <a:rPr lang="en-US" dirty="0"/>
+              <a:t>CARL</a:t>
+            </a:r>
           </a:p>
         </p:txBody>
       </p:sp>
@@ -749,6 +753,1274 @@
             <a:pPr lvl="0"/>
             <a:fld id="{22847C3A-B921-40BA-90EA-4B4DFF1624A0}" type="slidenum">
               <a:rPr lang="en-US" smtClean="0"/>
+              <a:t>1</a:t>
+            </a:fld>
+            <a:endParaRPr lang="en-US"/>
+          </a:p>
+        </p:txBody>
+      </p:sp>
+    </p:spTree>
+    <p:extLst>
+      <p:ext uri="{BB962C8B-B14F-4D97-AF65-F5344CB8AC3E}">
+        <p14:creationId xmlns:p14="http://schemas.microsoft.com/office/powerpoint/2010/main" val="257398978"/>
+      </p:ext>
+    </p:extLst>
+  </p:cSld>
+  <p:clrMapOvr>
+    <a:masterClrMapping/>
+  </p:clrMapOvr>
+</p:notes>
+</file>
+
+<file path=ppt/notesSlides/notesSlide10.xml><?xml version="1.0" encoding="utf-8"?>
+<p:notes xmlns:a="http://schemas.openxmlformats.org/drawingml/2006/main" xmlns:r="http://schemas.openxmlformats.org/officeDocument/2006/relationships" xmlns:p="http://schemas.openxmlformats.org/presentationml/2006/main">
+  <p:cSld>
+    <p:spTree>
+      <p:nvGrpSpPr>
+        <p:cNvPr id="1" name=""/>
+        <p:cNvGrpSpPr/>
+        <p:nvPr/>
+      </p:nvGrpSpPr>
+      <p:grpSpPr>
+        <a:xfrm>
+          <a:off x="0" y="0"/>
+          <a:ext cx="0" cy="0"/>
+          <a:chOff x="0" y="0"/>
+          <a:chExt cx="0" cy="0"/>
+        </a:xfrm>
+      </p:grpSpPr>
+      <p:sp>
+        <p:nvSpPr>
+          <p:cNvPr id="2" name="Slide Image Placeholder 1"/>
+          <p:cNvSpPr>
+            <a:spLocks noGrp="1" noRot="1" noChangeAspect="1"/>
+          </p:cNvSpPr>
+          <p:nvPr>
+            <p:ph type="sldImg"/>
+          </p:nvPr>
+        </p:nvSpPr>
+        <p:spPr>
+          <a:xfrm>
+            <a:off x="685800" y="1143000"/>
+            <a:ext cx="5486400" cy="3086100"/>
+          </a:xfrm>
+        </p:spPr>
+      </p:sp>
+      <p:sp>
+        <p:nvSpPr>
+          <p:cNvPr id="3" name="Notes Placeholder 2"/>
+          <p:cNvSpPr>
+            <a:spLocks noGrp="1"/>
+          </p:cNvSpPr>
+          <p:nvPr>
+            <p:ph type="body" idx="1"/>
+          </p:nvPr>
+        </p:nvSpPr>
+        <p:spPr/>
+        <p:txBody>
+          <a:bodyPr/>
+          <a:lstStyle/>
+          <a:p>
+            <a:r>
+              <a:rPr lang="en-US" dirty="0"/>
+              <a:t>CAMERON</a:t>
+            </a:r>
+          </a:p>
+        </p:txBody>
+      </p:sp>
+      <p:sp>
+        <p:nvSpPr>
+          <p:cNvPr id="4" name="Slide Number Placeholder 3"/>
+          <p:cNvSpPr>
+            <a:spLocks noGrp="1"/>
+          </p:cNvSpPr>
+          <p:nvPr>
+            <p:ph type="sldNum" sz="quarter" idx="5"/>
+          </p:nvPr>
+        </p:nvSpPr>
+        <p:spPr/>
+        <p:txBody>
+          <a:bodyPr/>
+          <a:lstStyle/>
+          <a:p>
+            <a:pPr lvl="0"/>
+            <a:fld id="{22847C3A-B921-40BA-90EA-4B4DFF1624A0}" type="slidenum">
+              <a:rPr lang="en-US" smtClean="0"/>
+              <a:t>10</a:t>
+            </a:fld>
+            <a:endParaRPr lang="en-US"/>
+          </a:p>
+        </p:txBody>
+      </p:sp>
+    </p:spTree>
+    <p:extLst>
+      <p:ext uri="{BB962C8B-B14F-4D97-AF65-F5344CB8AC3E}">
+        <p14:creationId xmlns:p14="http://schemas.microsoft.com/office/powerpoint/2010/main" val="4271530098"/>
+      </p:ext>
+    </p:extLst>
+  </p:cSld>
+  <p:clrMapOvr>
+    <a:masterClrMapping/>
+  </p:clrMapOvr>
+</p:notes>
+</file>
+
+<file path=ppt/notesSlides/notesSlide11.xml><?xml version="1.0" encoding="utf-8"?>
+<p:notes xmlns:a="http://schemas.openxmlformats.org/drawingml/2006/main" xmlns:r="http://schemas.openxmlformats.org/officeDocument/2006/relationships" xmlns:p="http://schemas.openxmlformats.org/presentationml/2006/main">
+  <p:cSld>
+    <p:spTree>
+      <p:nvGrpSpPr>
+        <p:cNvPr id="1" name=""/>
+        <p:cNvGrpSpPr/>
+        <p:nvPr/>
+      </p:nvGrpSpPr>
+      <p:grpSpPr>
+        <a:xfrm>
+          <a:off x="0" y="0"/>
+          <a:ext cx="0" cy="0"/>
+          <a:chOff x="0" y="0"/>
+          <a:chExt cx="0" cy="0"/>
+        </a:xfrm>
+      </p:grpSpPr>
+      <p:sp>
+        <p:nvSpPr>
+          <p:cNvPr id="2" name="Slide Image Placeholder 1"/>
+          <p:cNvSpPr>
+            <a:spLocks noGrp="1" noRot="1" noChangeAspect="1"/>
+          </p:cNvSpPr>
+          <p:nvPr>
+            <p:ph type="sldImg"/>
+          </p:nvPr>
+        </p:nvSpPr>
+        <p:spPr>
+          <a:xfrm>
+            <a:off x="685800" y="1143000"/>
+            <a:ext cx="5486400" cy="3086100"/>
+          </a:xfrm>
+        </p:spPr>
+      </p:sp>
+      <p:sp>
+        <p:nvSpPr>
+          <p:cNvPr id="3" name="Notes Placeholder 2"/>
+          <p:cNvSpPr>
+            <a:spLocks noGrp="1"/>
+          </p:cNvSpPr>
+          <p:nvPr>
+            <p:ph type="body" idx="1"/>
+          </p:nvPr>
+        </p:nvSpPr>
+        <p:spPr/>
+        <p:txBody>
+          <a:bodyPr/>
+          <a:lstStyle/>
+          <a:p>
+            <a:r>
+              <a:rPr lang="en-US" dirty="0"/>
+              <a:t>CAMERON</a:t>
+            </a:r>
+          </a:p>
+          <a:p>
+            <a:endParaRPr lang="en-US" dirty="0"/>
+          </a:p>
+          <a:p>
+            <a:r>
+              <a:rPr lang="en-US" dirty="0"/>
+              <a:t>The first of the simple rotations is the zig rotation, or a right rotation in its simplest form</a:t>
+            </a:r>
+          </a:p>
+          <a:p>
+            <a:endParaRPr lang="en-US" dirty="0"/>
+          </a:p>
+          <a:p>
+            <a:endParaRPr lang="en-US" dirty="0"/>
+          </a:p>
+        </p:txBody>
+      </p:sp>
+      <p:sp>
+        <p:nvSpPr>
+          <p:cNvPr id="4" name="Slide Number Placeholder 3"/>
+          <p:cNvSpPr>
+            <a:spLocks noGrp="1"/>
+          </p:cNvSpPr>
+          <p:nvPr>
+            <p:ph type="sldNum" sz="quarter" idx="5"/>
+          </p:nvPr>
+        </p:nvSpPr>
+        <p:spPr/>
+        <p:txBody>
+          <a:bodyPr/>
+          <a:lstStyle/>
+          <a:p>
+            <a:pPr lvl="0"/>
+            <a:fld id="{22847C3A-B921-40BA-90EA-4B4DFF1624A0}" type="slidenum">
+              <a:rPr lang="en-US" smtClean="0"/>
+              <a:t>11</a:t>
+            </a:fld>
+            <a:endParaRPr lang="en-US"/>
+          </a:p>
+        </p:txBody>
+      </p:sp>
+    </p:spTree>
+    <p:extLst>
+      <p:ext uri="{BB962C8B-B14F-4D97-AF65-F5344CB8AC3E}">
+        <p14:creationId xmlns:p14="http://schemas.microsoft.com/office/powerpoint/2010/main" val="1352431893"/>
+      </p:ext>
+    </p:extLst>
+  </p:cSld>
+  <p:clrMapOvr>
+    <a:masterClrMapping/>
+  </p:clrMapOvr>
+</p:notes>
+</file>
+
+<file path=ppt/notesSlides/notesSlide12.xml><?xml version="1.0" encoding="utf-8"?>
+<p:notes xmlns:a="http://schemas.openxmlformats.org/drawingml/2006/main" xmlns:r="http://schemas.openxmlformats.org/officeDocument/2006/relationships" xmlns:p="http://schemas.openxmlformats.org/presentationml/2006/main">
+  <p:cSld>
+    <p:spTree>
+      <p:nvGrpSpPr>
+        <p:cNvPr id="1" name=""/>
+        <p:cNvGrpSpPr/>
+        <p:nvPr/>
+      </p:nvGrpSpPr>
+      <p:grpSpPr>
+        <a:xfrm>
+          <a:off x="0" y="0"/>
+          <a:ext cx="0" cy="0"/>
+          <a:chOff x="0" y="0"/>
+          <a:chExt cx="0" cy="0"/>
+        </a:xfrm>
+      </p:grpSpPr>
+      <p:sp>
+        <p:nvSpPr>
+          <p:cNvPr id="2" name="Slide Image Placeholder 1"/>
+          <p:cNvSpPr>
+            <a:spLocks noGrp="1" noRot="1" noChangeAspect="1"/>
+          </p:cNvSpPr>
+          <p:nvPr>
+            <p:ph type="sldImg"/>
+          </p:nvPr>
+        </p:nvSpPr>
+        <p:spPr>
+          <a:xfrm>
+            <a:off x="685800" y="1143000"/>
+            <a:ext cx="5486400" cy="3086100"/>
+          </a:xfrm>
+        </p:spPr>
+      </p:sp>
+      <p:sp>
+        <p:nvSpPr>
+          <p:cNvPr id="3" name="Notes Placeholder 2"/>
+          <p:cNvSpPr>
+            <a:spLocks noGrp="1"/>
+          </p:cNvSpPr>
+          <p:nvPr>
+            <p:ph type="body" idx="1"/>
+          </p:nvPr>
+        </p:nvSpPr>
+        <p:spPr/>
+        <p:txBody>
+          <a:bodyPr/>
+          <a:lstStyle/>
+          <a:p>
+            <a:r>
+              <a:rPr lang="en-US" dirty="0"/>
+              <a:t>CAMERON</a:t>
+            </a:r>
+          </a:p>
+          <a:p>
+            <a:endParaRPr lang="en-US" dirty="0"/>
+          </a:p>
+          <a:p>
+            <a:r>
+              <a:rPr lang="en-US" dirty="0"/>
+              <a:t>The second simple rotation is a zag rotation, or a simple left rotation</a:t>
+            </a:r>
+          </a:p>
+          <a:p>
+            <a:endParaRPr lang="en-US" dirty="0"/>
+          </a:p>
+          <a:p>
+            <a:r>
+              <a:rPr lang="en-US" dirty="0"/>
+              <a:t>WHY?</a:t>
+            </a:r>
+          </a:p>
+          <a:p>
+            <a:endParaRPr lang="en-US" dirty="0"/>
+          </a:p>
+          <a:p>
+            <a:r>
+              <a:rPr lang="en-US" dirty="0"/>
+              <a:t>5 IS THE RIGHT CHILD OF 3</a:t>
+            </a:r>
+          </a:p>
+          <a:p>
+            <a:endParaRPr lang="en-US" dirty="0"/>
+          </a:p>
+          <a:p>
+            <a:r>
+              <a:rPr lang="en-US" dirty="0"/>
+              <a:t>EITHER A ZIG OR A ZAG DETERMINES THE COMPOSITION OF THE TREE</a:t>
+            </a:r>
+          </a:p>
+          <a:p>
+            <a:endParaRPr lang="en-US" dirty="0"/>
+          </a:p>
+          <a:p>
+            <a:r>
+              <a:rPr lang="en-US" dirty="0"/>
+              <a:t>And now Vincent will get into the more complex rotation sequences</a:t>
+            </a:r>
+          </a:p>
+        </p:txBody>
+      </p:sp>
+      <p:sp>
+        <p:nvSpPr>
+          <p:cNvPr id="4" name="Slide Number Placeholder 3"/>
+          <p:cNvSpPr>
+            <a:spLocks noGrp="1"/>
+          </p:cNvSpPr>
+          <p:nvPr>
+            <p:ph type="sldNum" sz="quarter" idx="5"/>
+          </p:nvPr>
+        </p:nvSpPr>
+        <p:spPr/>
+        <p:txBody>
+          <a:bodyPr/>
+          <a:lstStyle/>
+          <a:p>
+            <a:pPr lvl="0"/>
+            <a:fld id="{22847C3A-B921-40BA-90EA-4B4DFF1624A0}" type="slidenum">
+              <a:rPr lang="en-US" smtClean="0"/>
+              <a:t>12</a:t>
+            </a:fld>
+            <a:endParaRPr lang="en-US"/>
+          </a:p>
+        </p:txBody>
+      </p:sp>
+    </p:spTree>
+    <p:extLst>
+      <p:ext uri="{BB962C8B-B14F-4D97-AF65-F5344CB8AC3E}">
+        <p14:creationId xmlns:p14="http://schemas.microsoft.com/office/powerpoint/2010/main" val="4269831545"/>
+      </p:ext>
+    </p:extLst>
+  </p:cSld>
+  <p:clrMapOvr>
+    <a:masterClrMapping/>
+  </p:clrMapOvr>
+</p:notes>
+</file>
+
+<file path=ppt/notesSlides/notesSlide13.xml><?xml version="1.0" encoding="utf-8"?>
+<p:notes xmlns:a="http://schemas.openxmlformats.org/drawingml/2006/main" xmlns:r="http://schemas.openxmlformats.org/officeDocument/2006/relationships" xmlns:p="http://schemas.openxmlformats.org/presentationml/2006/main">
+  <p:cSld>
+    <p:spTree>
+      <p:nvGrpSpPr>
+        <p:cNvPr id="1" name=""/>
+        <p:cNvGrpSpPr/>
+        <p:nvPr/>
+      </p:nvGrpSpPr>
+      <p:grpSpPr>
+        <a:xfrm>
+          <a:off x="0" y="0"/>
+          <a:ext cx="0" cy="0"/>
+          <a:chOff x="0" y="0"/>
+          <a:chExt cx="0" cy="0"/>
+        </a:xfrm>
+      </p:grpSpPr>
+      <p:sp>
+        <p:nvSpPr>
+          <p:cNvPr id="2" name="Slide Image Placeholder 1"/>
+          <p:cNvSpPr>
+            <a:spLocks noGrp="1" noRot="1" noChangeAspect="1"/>
+          </p:cNvSpPr>
+          <p:nvPr>
+            <p:ph type="sldImg"/>
+          </p:nvPr>
+        </p:nvSpPr>
+        <p:spPr>
+          <a:xfrm>
+            <a:off x="685800" y="1143000"/>
+            <a:ext cx="5486400" cy="3086100"/>
+          </a:xfrm>
+        </p:spPr>
+      </p:sp>
+      <p:sp>
+        <p:nvSpPr>
+          <p:cNvPr id="3" name="Notes Placeholder 2"/>
+          <p:cNvSpPr>
+            <a:spLocks noGrp="1"/>
+          </p:cNvSpPr>
+          <p:nvPr>
+            <p:ph type="body" idx="1"/>
+          </p:nvPr>
+        </p:nvSpPr>
+        <p:spPr/>
+        <p:txBody>
+          <a:bodyPr/>
+          <a:lstStyle/>
+          <a:p>
+            <a:r>
+              <a:rPr lang="en-US" dirty="0"/>
+              <a:t>VINCENT</a:t>
+            </a:r>
+          </a:p>
+          <a:p>
+            <a:endParaRPr lang="en-US" dirty="0"/>
+          </a:p>
+          <a:p>
+            <a:r>
+              <a:rPr lang="en-US" dirty="0"/>
+              <a:t>WHY?</a:t>
+            </a:r>
+          </a:p>
+          <a:p>
+            <a:endParaRPr lang="en-US" dirty="0"/>
+          </a:p>
+          <a:p>
+            <a:r>
+              <a:rPr lang="en-US" dirty="0"/>
+              <a:t>2 IS THE LEFT CHILD OF A LEFT CHILD</a:t>
+            </a:r>
+          </a:p>
+        </p:txBody>
+      </p:sp>
+      <p:sp>
+        <p:nvSpPr>
+          <p:cNvPr id="4" name="Slide Number Placeholder 3"/>
+          <p:cNvSpPr>
+            <a:spLocks noGrp="1"/>
+          </p:cNvSpPr>
+          <p:nvPr>
+            <p:ph type="sldNum" sz="quarter" idx="5"/>
+          </p:nvPr>
+        </p:nvSpPr>
+        <p:spPr/>
+        <p:txBody>
+          <a:bodyPr/>
+          <a:lstStyle/>
+          <a:p>
+            <a:pPr lvl="0"/>
+            <a:fld id="{22847C3A-B921-40BA-90EA-4B4DFF1624A0}" type="slidenum">
+              <a:rPr lang="en-US" smtClean="0"/>
+              <a:t>13</a:t>
+            </a:fld>
+            <a:endParaRPr lang="en-US"/>
+          </a:p>
+        </p:txBody>
+      </p:sp>
+    </p:spTree>
+    <p:extLst>
+      <p:ext uri="{BB962C8B-B14F-4D97-AF65-F5344CB8AC3E}">
+        <p14:creationId xmlns:p14="http://schemas.microsoft.com/office/powerpoint/2010/main" val="3289921879"/>
+      </p:ext>
+    </p:extLst>
+  </p:cSld>
+  <p:clrMapOvr>
+    <a:masterClrMapping/>
+  </p:clrMapOvr>
+</p:notes>
+</file>
+
+<file path=ppt/notesSlides/notesSlide14.xml><?xml version="1.0" encoding="utf-8"?>
+<p:notes xmlns:a="http://schemas.openxmlformats.org/drawingml/2006/main" xmlns:r="http://schemas.openxmlformats.org/officeDocument/2006/relationships" xmlns:p="http://schemas.openxmlformats.org/presentationml/2006/main">
+  <p:cSld>
+    <p:spTree>
+      <p:nvGrpSpPr>
+        <p:cNvPr id="1" name=""/>
+        <p:cNvGrpSpPr/>
+        <p:nvPr/>
+      </p:nvGrpSpPr>
+      <p:grpSpPr>
+        <a:xfrm>
+          <a:off x="0" y="0"/>
+          <a:ext cx="0" cy="0"/>
+          <a:chOff x="0" y="0"/>
+          <a:chExt cx="0" cy="0"/>
+        </a:xfrm>
+      </p:grpSpPr>
+      <p:sp>
+        <p:nvSpPr>
+          <p:cNvPr id="2" name="Slide Image Placeholder 1"/>
+          <p:cNvSpPr>
+            <a:spLocks noGrp="1" noRot="1" noChangeAspect="1"/>
+          </p:cNvSpPr>
+          <p:nvPr>
+            <p:ph type="sldImg"/>
+          </p:nvPr>
+        </p:nvSpPr>
+        <p:spPr>
+          <a:xfrm>
+            <a:off x="685800" y="1143000"/>
+            <a:ext cx="5486400" cy="3086100"/>
+          </a:xfrm>
+        </p:spPr>
+      </p:sp>
+      <p:sp>
+        <p:nvSpPr>
+          <p:cNvPr id="3" name="Notes Placeholder 2"/>
+          <p:cNvSpPr>
+            <a:spLocks noGrp="1"/>
+          </p:cNvSpPr>
+          <p:nvPr>
+            <p:ph type="body" idx="1"/>
+          </p:nvPr>
+        </p:nvSpPr>
+        <p:spPr/>
+        <p:txBody>
+          <a:bodyPr/>
+          <a:lstStyle/>
+          <a:p>
+            <a:r>
+              <a:rPr lang="en-US" dirty="0"/>
+              <a:t>VINCENT</a:t>
+            </a:r>
+          </a:p>
+          <a:p>
+            <a:endParaRPr lang="en-US" dirty="0"/>
+          </a:p>
+          <a:p>
+            <a:r>
+              <a:rPr lang="en-US" dirty="0"/>
+              <a:t>WHY?</a:t>
+            </a:r>
+          </a:p>
+          <a:p>
+            <a:endParaRPr lang="en-US" dirty="0"/>
+          </a:p>
+          <a:p>
+            <a:r>
+              <a:rPr lang="en-US" dirty="0"/>
+              <a:t>6 IS THE RIGHT CHILD OF A RIGHT CHILD</a:t>
+            </a:r>
+          </a:p>
+        </p:txBody>
+      </p:sp>
+      <p:sp>
+        <p:nvSpPr>
+          <p:cNvPr id="4" name="Slide Number Placeholder 3"/>
+          <p:cNvSpPr>
+            <a:spLocks noGrp="1"/>
+          </p:cNvSpPr>
+          <p:nvPr>
+            <p:ph type="sldNum" sz="quarter" idx="5"/>
+          </p:nvPr>
+        </p:nvSpPr>
+        <p:spPr/>
+        <p:txBody>
+          <a:bodyPr/>
+          <a:lstStyle/>
+          <a:p>
+            <a:pPr lvl="0"/>
+            <a:fld id="{22847C3A-B921-40BA-90EA-4B4DFF1624A0}" type="slidenum">
+              <a:rPr lang="en-US" smtClean="0"/>
+              <a:t>14</a:t>
+            </a:fld>
+            <a:endParaRPr lang="en-US"/>
+          </a:p>
+        </p:txBody>
+      </p:sp>
+    </p:spTree>
+    <p:extLst>
+      <p:ext uri="{BB962C8B-B14F-4D97-AF65-F5344CB8AC3E}">
+        <p14:creationId xmlns:p14="http://schemas.microsoft.com/office/powerpoint/2010/main" val="3676499937"/>
+      </p:ext>
+    </p:extLst>
+  </p:cSld>
+  <p:clrMapOvr>
+    <a:masterClrMapping/>
+  </p:clrMapOvr>
+</p:notes>
+</file>
+
+<file path=ppt/notesSlides/notesSlide15.xml><?xml version="1.0" encoding="utf-8"?>
+<p:notes xmlns:a="http://schemas.openxmlformats.org/drawingml/2006/main" xmlns:r="http://schemas.openxmlformats.org/officeDocument/2006/relationships" xmlns:p="http://schemas.openxmlformats.org/presentationml/2006/main">
+  <p:cSld>
+    <p:spTree>
+      <p:nvGrpSpPr>
+        <p:cNvPr id="1" name=""/>
+        <p:cNvGrpSpPr/>
+        <p:nvPr/>
+      </p:nvGrpSpPr>
+      <p:grpSpPr>
+        <a:xfrm>
+          <a:off x="0" y="0"/>
+          <a:ext cx="0" cy="0"/>
+          <a:chOff x="0" y="0"/>
+          <a:chExt cx="0" cy="0"/>
+        </a:xfrm>
+      </p:grpSpPr>
+      <p:sp>
+        <p:nvSpPr>
+          <p:cNvPr id="2" name="Slide Image Placeholder 1"/>
+          <p:cNvSpPr>
+            <a:spLocks noGrp="1" noRot="1" noChangeAspect="1"/>
+          </p:cNvSpPr>
+          <p:nvPr>
+            <p:ph type="sldImg"/>
+          </p:nvPr>
+        </p:nvSpPr>
+        <p:spPr>
+          <a:xfrm>
+            <a:off x="685800" y="1143000"/>
+            <a:ext cx="5486400" cy="3086100"/>
+          </a:xfrm>
+        </p:spPr>
+      </p:sp>
+      <p:sp>
+        <p:nvSpPr>
+          <p:cNvPr id="3" name="Notes Placeholder 2"/>
+          <p:cNvSpPr>
+            <a:spLocks noGrp="1"/>
+          </p:cNvSpPr>
+          <p:nvPr>
+            <p:ph type="body" idx="1"/>
+          </p:nvPr>
+        </p:nvSpPr>
+        <p:spPr/>
+        <p:txBody>
+          <a:bodyPr/>
+          <a:lstStyle/>
+          <a:p>
+            <a:r>
+              <a:rPr lang="en-US" dirty="0"/>
+              <a:t>VINCENT</a:t>
+            </a:r>
+          </a:p>
+          <a:p>
+            <a:endParaRPr lang="en-US" dirty="0"/>
+          </a:p>
+          <a:p>
+            <a:r>
+              <a:rPr lang="en-US" dirty="0"/>
+              <a:t>WHY?</a:t>
+            </a:r>
+          </a:p>
+          <a:p>
+            <a:endParaRPr lang="en-US" dirty="0"/>
+          </a:p>
+          <a:p>
+            <a:r>
+              <a:rPr lang="en-US" dirty="0"/>
+              <a:t>4 IS THE LEFT CHILD OF A RIGHT CHILD</a:t>
+            </a:r>
+          </a:p>
+        </p:txBody>
+      </p:sp>
+      <p:sp>
+        <p:nvSpPr>
+          <p:cNvPr id="4" name="Slide Number Placeholder 3"/>
+          <p:cNvSpPr>
+            <a:spLocks noGrp="1"/>
+          </p:cNvSpPr>
+          <p:nvPr>
+            <p:ph type="sldNum" sz="quarter" idx="5"/>
+          </p:nvPr>
+        </p:nvSpPr>
+        <p:spPr/>
+        <p:txBody>
+          <a:bodyPr/>
+          <a:lstStyle/>
+          <a:p>
+            <a:pPr lvl="0"/>
+            <a:fld id="{22847C3A-B921-40BA-90EA-4B4DFF1624A0}" type="slidenum">
+              <a:rPr lang="en-US" smtClean="0"/>
+              <a:t>15</a:t>
+            </a:fld>
+            <a:endParaRPr lang="en-US"/>
+          </a:p>
+        </p:txBody>
+      </p:sp>
+    </p:spTree>
+    <p:extLst>
+      <p:ext uri="{BB962C8B-B14F-4D97-AF65-F5344CB8AC3E}">
+        <p14:creationId xmlns:p14="http://schemas.microsoft.com/office/powerpoint/2010/main" val="595828902"/>
+      </p:ext>
+    </p:extLst>
+  </p:cSld>
+  <p:clrMapOvr>
+    <a:masterClrMapping/>
+  </p:clrMapOvr>
+</p:notes>
+</file>
+
+<file path=ppt/notesSlides/notesSlide16.xml><?xml version="1.0" encoding="utf-8"?>
+<p:notes xmlns:a="http://schemas.openxmlformats.org/drawingml/2006/main" xmlns:r="http://schemas.openxmlformats.org/officeDocument/2006/relationships" xmlns:p="http://schemas.openxmlformats.org/presentationml/2006/main">
+  <p:cSld>
+    <p:spTree>
+      <p:nvGrpSpPr>
+        <p:cNvPr id="1" name=""/>
+        <p:cNvGrpSpPr/>
+        <p:nvPr/>
+      </p:nvGrpSpPr>
+      <p:grpSpPr>
+        <a:xfrm>
+          <a:off x="0" y="0"/>
+          <a:ext cx="0" cy="0"/>
+          <a:chOff x="0" y="0"/>
+          <a:chExt cx="0" cy="0"/>
+        </a:xfrm>
+      </p:grpSpPr>
+      <p:sp>
+        <p:nvSpPr>
+          <p:cNvPr id="2" name="Slide Image Placeholder 1"/>
+          <p:cNvSpPr>
+            <a:spLocks noGrp="1" noRot="1" noChangeAspect="1"/>
+          </p:cNvSpPr>
+          <p:nvPr>
+            <p:ph type="sldImg"/>
+          </p:nvPr>
+        </p:nvSpPr>
+        <p:spPr>
+          <a:xfrm>
+            <a:off x="685800" y="1143000"/>
+            <a:ext cx="5486400" cy="3086100"/>
+          </a:xfrm>
+        </p:spPr>
+      </p:sp>
+      <p:sp>
+        <p:nvSpPr>
+          <p:cNvPr id="3" name="Notes Placeholder 2"/>
+          <p:cNvSpPr>
+            <a:spLocks noGrp="1"/>
+          </p:cNvSpPr>
+          <p:nvPr>
+            <p:ph type="body" idx="1"/>
+          </p:nvPr>
+        </p:nvSpPr>
+        <p:spPr/>
+        <p:txBody>
+          <a:bodyPr/>
+          <a:lstStyle/>
+          <a:p>
+            <a:r>
+              <a:rPr lang="en-US" dirty="0"/>
+              <a:t>VINCENT</a:t>
+            </a:r>
+          </a:p>
+          <a:p>
+            <a:endParaRPr lang="en-US" dirty="0"/>
+          </a:p>
+          <a:p>
+            <a:pPr marL="0" marR="0" lvl="0" indent="0" algn="l" defTabSz="914400" rtl="0" eaLnBrk="1" fontAlgn="auto" latinLnBrk="0" hangingPunct="1">
+              <a:lnSpc>
+                <a:spcPct val="100000"/>
+              </a:lnSpc>
+              <a:spcBef>
+                <a:spcPts val="0"/>
+              </a:spcBef>
+              <a:spcAft>
+                <a:spcPts val="0"/>
+              </a:spcAft>
+              <a:buClrTx/>
+              <a:buSzTx/>
+              <a:buFontTx/>
+              <a:buNone/>
+              <a:tabLst/>
+              <a:defRPr/>
+            </a:pPr>
+            <a:r>
+              <a:rPr lang="en-US" dirty="0"/>
+              <a:t>4 IS THE LEFT CHILD OF A RIGHT CHILD</a:t>
+            </a:r>
+          </a:p>
+          <a:p>
+            <a:endParaRPr lang="en-US" dirty="0"/>
+          </a:p>
+        </p:txBody>
+      </p:sp>
+      <p:sp>
+        <p:nvSpPr>
+          <p:cNvPr id="4" name="Slide Number Placeholder 3"/>
+          <p:cNvSpPr>
+            <a:spLocks noGrp="1"/>
+          </p:cNvSpPr>
+          <p:nvPr>
+            <p:ph type="sldNum" sz="quarter" idx="5"/>
+          </p:nvPr>
+        </p:nvSpPr>
+        <p:spPr/>
+        <p:txBody>
+          <a:bodyPr/>
+          <a:lstStyle/>
+          <a:p>
+            <a:pPr lvl="0"/>
+            <a:fld id="{22847C3A-B921-40BA-90EA-4B4DFF1624A0}" type="slidenum">
+              <a:rPr lang="en-US" smtClean="0"/>
+              <a:t>16</a:t>
+            </a:fld>
+            <a:endParaRPr lang="en-US"/>
+          </a:p>
+        </p:txBody>
+      </p:sp>
+    </p:spTree>
+    <p:extLst>
+      <p:ext uri="{BB962C8B-B14F-4D97-AF65-F5344CB8AC3E}">
+        <p14:creationId xmlns:p14="http://schemas.microsoft.com/office/powerpoint/2010/main" val="3166901670"/>
+      </p:ext>
+    </p:extLst>
+  </p:cSld>
+  <p:clrMapOvr>
+    <a:masterClrMapping/>
+  </p:clrMapOvr>
+</p:notes>
+</file>
+
+<file path=ppt/notesSlides/notesSlide17.xml><?xml version="1.0" encoding="utf-8"?>
+<p:notes xmlns:a="http://schemas.openxmlformats.org/drawingml/2006/main" xmlns:r="http://schemas.openxmlformats.org/officeDocument/2006/relationships" xmlns:p="http://schemas.openxmlformats.org/presentationml/2006/main">
+  <p:cSld>
+    <p:spTree>
+      <p:nvGrpSpPr>
+        <p:cNvPr id="1" name=""/>
+        <p:cNvGrpSpPr/>
+        <p:nvPr/>
+      </p:nvGrpSpPr>
+      <p:grpSpPr>
+        <a:xfrm>
+          <a:off x="0" y="0"/>
+          <a:ext cx="0" cy="0"/>
+          <a:chOff x="0" y="0"/>
+          <a:chExt cx="0" cy="0"/>
+        </a:xfrm>
+      </p:grpSpPr>
+      <p:sp>
+        <p:nvSpPr>
+          <p:cNvPr id="2" name="Slide Image Placeholder 1"/>
+          <p:cNvSpPr>
+            <a:spLocks noGrp="1" noRot="1" noChangeAspect="1"/>
+          </p:cNvSpPr>
+          <p:nvPr>
+            <p:ph type="sldImg"/>
+          </p:nvPr>
+        </p:nvSpPr>
+        <p:spPr>
+          <a:xfrm>
+            <a:off x="685800" y="1143000"/>
+            <a:ext cx="5486400" cy="3086100"/>
+          </a:xfrm>
+        </p:spPr>
+      </p:sp>
+      <p:sp>
+        <p:nvSpPr>
+          <p:cNvPr id="3" name="Notes Placeholder 2"/>
+          <p:cNvSpPr>
+            <a:spLocks noGrp="1"/>
+          </p:cNvSpPr>
+          <p:nvPr>
+            <p:ph type="body" idx="1"/>
+          </p:nvPr>
+        </p:nvSpPr>
+        <p:spPr/>
+        <p:txBody>
+          <a:bodyPr/>
+          <a:lstStyle/>
+          <a:p>
+            <a:r>
+              <a:rPr lang="en-US" dirty="0"/>
+              <a:t>VINCENT</a:t>
+            </a:r>
+          </a:p>
+          <a:p>
+            <a:endParaRPr lang="en-US" dirty="0"/>
+          </a:p>
+          <a:p>
+            <a:r>
+              <a:rPr lang="en-US" dirty="0"/>
+              <a:t>4 IS THE RIGHT CHILD OF A LEFT CHILD</a:t>
+            </a:r>
+          </a:p>
+        </p:txBody>
+      </p:sp>
+      <p:sp>
+        <p:nvSpPr>
+          <p:cNvPr id="4" name="Slide Number Placeholder 3"/>
+          <p:cNvSpPr>
+            <a:spLocks noGrp="1"/>
+          </p:cNvSpPr>
+          <p:nvPr>
+            <p:ph type="sldNum" sz="quarter" idx="5"/>
+          </p:nvPr>
+        </p:nvSpPr>
+        <p:spPr/>
+        <p:txBody>
+          <a:bodyPr/>
+          <a:lstStyle/>
+          <a:p>
+            <a:pPr lvl="0"/>
+            <a:fld id="{22847C3A-B921-40BA-90EA-4B4DFF1624A0}" type="slidenum">
+              <a:rPr lang="en-US" smtClean="0"/>
+              <a:t>17</a:t>
+            </a:fld>
+            <a:endParaRPr lang="en-US"/>
+          </a:p>
+        </p:txBody>
+      </p:sp>
+    </p:spTree>
+    <p:extLst>
+      <p:ext uri="{BB962C8B-B14F-4D97-AF65-F5344CB8AC3E}">
+        <p14:creationId xmlns:p14="http://schemas.microsoft.com/office/powerpoint/2010/main" val="207333055"/>
+      </p:ext>
+    </p:extLst>
+  </p:cSld>
+  <p:clrMapOvr>
+    <a:masterClrMapping/>
+  </p:clrMapOvr>
+</p:notes>
+</file>
+
+<file path=ppt/notesSlides/notesSlide18.xml><?xml version="1.0" encoding="utf-8"?>
+<p:notes xmlns:a="http://schemas.openxmlformats.org/drawingml/2006/main" xmlns:r="http://schemas.openxmlformats.org/officeDocument/2006/relationships" xmlns:p="http://schemas.openxmlformats.org/presentationml/2006/main">
+  <p:cSld>
+    <p:spTree>
+      <p:nvGrpSpPr>
+        <p:cNvPr id="1" name=""/>
+        <p:cNvGrpSpPr/>
+        <p:nvPr/>
+      </p:nvGrpSpPr>
+      <p:grpSpPr>
+        <a:xfrm>
+          <a:off x="0" y="0"/>
+          <a:ext cx="0" cy="0"/>
+          <a:chOff x="0" y="0"/>
+          <a:chExt cx="0" cy="0"/>
+        </a:xfrm>
+      </p:grpSpPr>
+      <p:sp>
+        <p:nvSpPr>
+          <p:cNvPr id="2" name="Slide Image Placeholder 1"/>
+          <p:cNvSpPr>
+            <a:spLocks noGrp="1" noRot="1" noChangeAspect="1"/>
+          </p:cNvSpPr>
+          <p:nvPr>
+            <p:ph type="sldImg"/>
+          </p:nvPr>
+        </p:nvSpPr>
+        <p:spPr>
+          <a:xfrm>
+            <a:off x="685800" y="1143000"/>
+            <a:ext cx="5486400" cy="3086100"/>
+          </a:xfrm>
+        </p:spPr>
+      </p:sp>
+      <p:sp>
+        <p:nvSpPr>
+          <p:cNvPr id="3" name="Notes Placeholder 2"/>
+          <p:cNvSpPr>
+            <a:spLocks noGrp="1"/>
+          </p:cNvSpPr>
+          <p:nvPr>
+            <p:ph type="body" idx="1"/>
+          </p:nvPr>
+        </p:nvSpPr>
+        <p:spPr/>
+        <p:txBody>
+          <a:bodyPr/>
+          <a:lstStyle/>
+          <a:p>
+            <a:r>
+              <a:rPr lang="en-US" dirty="0"/>
+              <a:t>VINCENT</a:t>
+            </a:r>
+          </a:p>
+        </p:txBody>
+      </p:sp>
+      <p:sp>
+        <p:nvSpPr>
+          <p:cNvPr id="4" name="Slide Number Placeholder 3"/>
+          <p:cNvSpPr>
+            <a:spLocks noGrp="1"/>
+          </p:cNvSpPr>
+          <p:nvPr>
+            <p:ph type="sldNum" sz="quarter" idx="5"/>
+          </p:nvPr>
+        </p:nvSpPr>
+        <p:spPr/>
+        <p:txBody>
+          <a:bodyPr/>
+          <a:lstStyle/>
+          <a:p>
+            <a:pPr lvl="0"/>
+            <a:fld id="{22847C3A-B921-40BA-90EA-4B4DFF1624A0}" type="slidenum">
+              <a:rPr lang="en-US" smtClean="0"/>
+              <a:t>18</a:t>
+            </a:fld>
+            <a:endParaRPr lang="en-US"/>
+          </a:p>
+        </p:txBody>
+      </p:sp>
+    </p:spTree>
+    <p:extLst>
+      <p:ext uri="{BB962C8B-B14F-4D97-AF65-F5344CB8AC3E}">
+        <p14:creationId xmlns:p14="http://schemas.microsoft.com/office/powerpoint/2010/main" val="646656399"/>
+      </p:ext>
+    </p:extLst>
+  </p:cSld>
+  <p:clrMapOvr>
+    <a:masterClrMapping/>
+  </p:clrMapOvr>
+</p:notes>
+</file>
+
+<file path=ppt/notesSlides/notesSlide19.xml><?xml version="1.0" encoding="utf-8"?>
+<p:notes xmlns:a="http://schemas.openxmlformats.org/drawingml/2006/main" xmlns:r="http://schemas.openxmlformats.org/officeDocument/2006/relationships" xmlns:p="http://schemas.openxmlformats.org/presentationml/2006/main">
+  <p:cSld>
+    <p:spTree>
+      <p:nvGrpSpPr>
+        <p:cNvPr id="1" name=""/>
+        <p:cNvGrpSpPr/>
+        <p:nvPr/>
+      </p:nvGrpSpPr>
+      <p:grpSpPr>
+        <a:xfrm>
+          <a:off x="0" y="0"/>
+          <a:ext cx="0" cy="0"/>
+          <a:chOff x="0" y="0"/>
+          <a:chExt cx="0" cy="0"/>
+        </a:xfrm>
+      </p:grpSpPr>
+      <p:sp>
+        <p:nvSpPr>
+          <p:cNvPr id="2" name="Slide Image Placeholder 1"/>
+          <p:cNvSpPr>
+            <a:spLocks noGrp="1" noRot="1" noChangeAspect="1"/>
+          </p:cNvSpPr>
+          <p:nvPr>
+            <p:ph type="sldImg"/>
+          </p:nvPr>
+        </p:nvSpPr>
+        <p:spPr>
+          <a:xfrm>
+            <a:off x="685800" y="1143000"/>
+            <a:ext cx="5486400" cy="3086100"/>
+          </a:xfrm>
+        </p:spPr>
+      </p:sp>
+      <p:sp>
+        <p:nvSpPr>
+          <p:cNvPr id="3" name="Notes Placeholder 2"/>
+          <p:cNvSpPr>
+            <a:spLocks noGrp="1"/>
+          </p:cNvSpPr>
+          <p:nvPr>
+            <p:ph type="body" idx="1"/>
+          </p:nvPr>
+        </p:nvSpPr>
+        <p:spPr/>
+        <p:txBody>
+          <a:bodyPr/>
+          <a:lstStyle/>
+          <a:p>
+            <a:r>
+              <a:rPr lang="en-US" dirty="0"/>
+              <a:t>CARL</a:t>
+            </a:r>
+          </a:p>
+        </p:txBody>
+      </p:sp>
+      <p:sp>
+        <p:nvSpPr>
+          <p:cNvPr id="4" name="Slide Number Placeholder 3"/>
+          <p:cNvSpPr>
+            <a:spLocks noGrp="1"/>
+          </p:cNvSpPr>
+          <p:nvPr>
+            <p:ph type="sldNum" sz="quarter" idx="5"/>
+          </p:nvPr>
+        </p:nvSpPr>
+        <p:spPr/>
+        <p:txBody>
+          <a:bodyPr/>
+          <a:lstStyle/>
+          <a:p>
+            <a:pPr lvl="0"/>
+            <a:fld id="{22847C3A-B921-40BA-90EA-4B4DFF1624A0}" type="slidenum">
+              <a:rPr lang="en-US" smtClean="0"/>
+              <a:t>19</a:t>
+            </a:fld>
+            <a:endParaRPr lang="en-US"/>
+          </a:p>
+        </p:txBody>
+      </p:sp>
+    </p:spTree>
+    <p:extLst>
+      <p:ext uri="{BB962C8B-B14F-4D97-AF65-F5344CB8AC3E}">
+        <p14:creationId xmlns:p14="http://schemas.microsoft.com/office/powerpoint/2010/main" val="220272830"/>
+      </p:ext>
+    </p:extLst>
+  </p:cSld>
+  <p:clrMapOvr>
+    <a:masterClrMapping/>
+  </p:clrMapOvr>
+</p:notes>
+</file>
+
+<file path=ppt/notesSlides/notesSlide2.xml><?xml version="1.0" encoding="utf-8"?>
+<p:notes xmlns:a="http://schemas.openxmlformats.org/drawingml/2006/main" xmlns:r="http://schemas.openxmlformats.org/officeDocument/2006/relationships" xmlns:p="http://schemas.openxmlformats.org/presentationml/2006/main">
+  <p:cSld>
+    <p:spTree>
+      <p:nvGrpSpPr>
+        <p:cNvPr id="1" name=""/>
+        <p:cNvGrpSpPr/>
+        <p:nvPr/>
+      </p:nvGrpSpPr>
+      <p:grpSpPr>
+        <a:xfrm>
+          <a:off x="0" y="0"/>
+          <a:ext cx="0" cy="0"/>
+          <a:chOff x="0" y="0"/>
+          <a:chExt cx="0" cy="0"/>
+        </a:xfrm>
+      </p:grpSpPr>
+      <p:sp>
+        <p:nvSpPr>
+          <p:cNvPr id="2" name="Slide Image Placeholder 1"/>
+          <p:cNvSpPr>
+            <a:spLocks noGrp="1" noRot="1" noChangeAspect="1"/>
+          </p:cNvSpPr>
+          <p:nvPr>
+            <p:ph type="sldImg"/>
+          </p:nvPr>
+        </p:nvSpPr>
+        <p:spPr>
+          <a:xfrm>
+            <a:off x="685800" y="1143000"/>
+            <a:ext cx="5486400" cy="3086100"/>
+          </a:xfrm>
+        </p:spPr>
+      </p:sp>
+      <p:sp>
+        <p:nvSpPr>
+          <p:cNvPr id="3" name="Notes Placeholder 2"/>
+          <p:cNvSpPr>
+            <a:spLocks noGrp="1"/>
+          </p:cNvSpPr>
+          <p:nvPr>
+            <p:ph type="body" idx="1"/>
+          </p:nvPr>
+        </p:nvSpPr>
+        <p:spPr/>
+        <p:txBody>
+          <a:bodyPr/>
+          <a:lstStyle/>
+          <a:p>
+            <a:r>
+              <a:rPr lang="en-US" dirty="0"/>
+              <a:t>CARL</a:t>
+            </a:r>
+          </a:p>
+        </p:txBody>
+      </p:sp>
+      <p:sp>
+        <p:nvSpPr>
+          <p:cNvPr id="4" name="Slide Number Placeholder 3"/>
+          <p:cNvSpPr>
+            <a:spLocks noGrp="1"/>
+          </p:cNvSpPr>
+          <p:nvPr>
+            <p:ph type="sldNum" sz="quarter" idx="5"/>
+          </p:nvPr>
+        </p:nvSpPr>
+        <p:spPr/>
+        <p:txBody>
+          <a:bodyPr/>
+          <a:lstStyle/>
+          <a:p>
+            <a:pPr lvl="0"/>
+            <a:fld id="{22847C3A-B921-40BA-90EA-4B4DFF1624A0}" type="slidenum">
+              <a:rPr lang="en-US" smtClean="0"/>
+              <a:t>2</a:t>
+            </a:fld>
+            <a:endParaRPr lang="en-US"/>
+          </a:p>
+        </p:txBody>
+      </p:sp>
+    </p:spTree>
+    <p:extLst>
+      <p:ext uri="{BB962C8B-B14F-4D97-AF65-F5344CB8AC3E}">
+        <p14:creationId xmlns:p14="http://schemas.microsoft.com/office/powerpoint/2010/main" val="1061178355"/>
+      </p:ext>
+    </p:extLst>
+  </p:cSld>
+  <p:clrMapOvr>
+    <a:masterClrMapping/>
+  </p:clrMapOvr>
+</p:notes>
+</file>
+
+<file path=ppt/notesSlides/notesSlide20.xml><?xml version="1.0" encoding="utf-8"?>
+<p:notes xmlns:a="http://schemas.openxmlformats.org/drawingml/2006/main" xmlns:r="http://schemas.openxmlformats.org/officeDocument/2006/relationships" xmlns:p="http://schemas.openxmlformats.org/presentationml/2006/main">
+  <p:cSld>
+    <p:spTree>
+      <p:nvGrpSpPr>
+        <p:cNvPr id="1" name=""/>
+        <p:cNvGrpSpPr/>
+        <p:nvPr/>
+      </p:nvGrpSpPr>
+      <p:grpSpPr>
+        <a:xfrm>
+          <a:off x="0" y="0"/>
+          <a:ext cx="0" cy="0"/>
+          <a:chOff x="0" y="0"/>
+          <a:chExt cx="0" cy="0"/>
+        </a:xfrm>
+      </p:grpSpPr>
+      <p:sp>
+        <p:nvSpPr>
+          <p:cNvPr id="2" name="Slide Image Placeholder 1"/>
+          <p:cNvSpPr>
+            <a:spLocks noGrp="1" noRot="1" noChangeAspect="1"/>
+          </p:cNvSpPr>
+          <p:nvPr>
+            <p:ph type="sldImg"/>
+          </p:nvPr>
+        </p:nvSpPr>
+        <p:spPr>
+          <a:xfrm>
+            <a:off x="685800" y="1143000"/>
+            <a:ext cx="5486400" cy="3086100"/>
+          </a:xfrm>
+        </p:spPr>
+      </p:sp>
+      <p:sp>
+        <p:nvSpPr>
+          <p:cNvPr id="3" name="Notes Placeholder 2"/>
+          <p:cNvSpPr>
+            <a:spLocks noGrp="1"/>
+          </p:cNvSpPr>
+          <p:nvPr>
+            <p:ph type="body" idx="1"/>
+          </p:nvPr>
+        </p:nvSpPr>
+        <p:spPr/>
+        <p:txBody>
+          <a:bodyPr/>
+          <a:lstStyle/>
+          <a:p>
+            <a:r>
+              <a:rPr lang="en-US" dirty="0"/>
+              <a:t>CARL</a:t>
+            </a:r>
+          </a:p>
+        </p:txBody>
+      </p:sp>
+      <p:sp>
+        <p:nvSpPr>
+          <p:cNvPr id="4" name="Slide Number Placeholder 3"/>
+          <p:cNvSpPr>
+            <a:spLocks noGrp="1"/>
+          </p:cNvSpPr>
+          <p:nvPr>
+            <p:ph type="sldNum" sz="quarter" idx="5"/>
+          </p:nvPr>
+        </p:nvSpPr>
+        <p:spPr/>
+        <p:txBody>
+          <a:bodyPr/>
+          <a:lstStyle/>
+          <a:p>
+            <a:pPr lvl="0"/>
+            <a:fld id="{22847C3A-B921-40BA-90EA-4B4DFF1624A0}" type="slidenum">
+              <a:rPr lang="en-US" smtClean="0"/>
               <a:t>20</a:t>
             </a:fld>
             <a:endParaRPr lang="en-US"/>
@@ -759,6 +2031,1690 @@
     <p:extLst>
       <p:ext uri="{BB962C8B-B14F-4D97-AF65-F5344CB8AC3E}">
         <p14:creationId xmlns:p14="http://schemas.microsoft.com/office/powerpoint/2010/main" val="1097900257"/>
+      </p:ext>
+    </p:extLst>
+  </p:cSld>
+  <p:clrMapOvr>
+    <a:masterClrMapping/>
+  </p:clrMapOvr>
+</p:notes>
+</file>
+
+<file path=ppt/notesSlides/notesSlide21.xml><?xml version="1.0" encoding="utf-8"?>
+<p:notes xmlns:a="http://schemas.openxmlformats.org/drawingml/2006/main" xmlns:r="http://schemas.openxmlformats.org/officeDocument/2006/relationships" xmlns:p="http://schemas.openxmlformats.org/presentationml/2006/main">
+  <p:cSld>
+    <p:spTree>
+      <p:nvGrpSpPr>
+        <p:cNvPr id="1" name=""/>
+        <p:cNvGrpSpPr/>
+        <p:nvPr/>
+      </p:nvGrpSpPr>
+      <p:grpSpPr>
+        <a:xfrm>
+          <a:off x="0" y="0"/>
+          <a:ext cx="0" cy="0"/>
+          <a:chOff x="0" y="0"/>
+          <a:chExt cx="0" cy="0"/>
+        </a:xfrm>
+      </p:grpSpPr>
+      <p:sp>
+        <p:nvSpPr>
+          <p:cNvPr id="2" name="Slide Image Placeholder 1"/>
+          <p:cNvSpPr>
+            <a:spLocks noGrp="1" noRot="1" noChangeAspect="1"/>
+          </p:cNvSpPr>
+          <p:nvPr>
+            <p:ph type="sldImg"/>
+          </p:nvPr>
+        </p:nvSpPr>
+        <p:spPr>
+          <a:xfrm>
+            <a:off x="685800" y="1143000"/>
+            <a:ext cx="5486400" cy="3086100"/>
+          </a:xfrm>
+        </p:spPr>
+      </p:sp>
+      <p:sp>
+        <p:nvSpPr>
+          <p:cNvPr id="3" name="Notes Placeholder 2"/>
+          <p:cNvSpPr>
+            <a:spLocks noGrp="1"/>
+          </p:cNvSpPr>
+          <p:nvPr>
+            <p:ph type="body" idx="1"/>
+          </p:nvPr>
+        </p:nvSpPr>
+        <p:spPr/>
+        <p:txBody>
+          <a:bodyPr/>
+          <a:lstStyle/>
+          <a:p>
+            <a:r>
+              <a:rPr lang="en-US" dirty="0"/>
+              <a:t>CARL</a:t>
+            </a:r>
+          </a:p>
+        </p:txBody>
+      </p:sp>
+      <p:sp>
+        <p:nvSpPr>
+          <p:cNvPr id="4" name="Slide Number Placeholder 3"/>
+          <p:cNvSpPr>
+            <a:spLocks noGrp="1"/>
+          </p:cNvSpPr>
+          <p:nvPr>
+            <p:ph type="sldNum" sz="quarter" idx="5"/>
+          </p:nvPr>
+        </p:nvSpPr>
+        <p:spPr/>
+        <p:txBody>
+          <a:bodyPr/>
+          <a:lstStyle/>
+          <a:p>
+            <a:pPr lvl="0"/>
+            <a:fld id="{22847C3A-B921-40BA-90EA-4B4DFF1624A0}" type="slidenum">
+              <a:rPr lang="en-US" smtClean="0"/>
+              <a:t>21</a:t>
+            </a:fld>
+            <a:endParaRPr lang="en-US"/>
+          </a:p>
+        </p:txBody>
+      </p:sp>
+    </p:spTree>
+    <p:extLst>
+      <p:ext uri="{BB962C8B-B14F-4D97-AF65-F5344CB8AC3E}">
+        <p14:creationId xmlns:p14="http://schemas.microsoft.com/office/powerpoint/2010/main" val="3413062537"/>
+      </p:ext>
+    </p:extLst>
+  </p:cSld>
+  <p:clrMapOvr>
+    <a:masterClrMapping/>
+  </p:clrMapOvr>
+</p:notes>
+</file>
+
+<file path=ppt/notesSlides/notesSlide22.xml><?xml version="1.0" encoding="utf-8"?>
+<p:notes xmlns:a="http://schemas.openxmlformats.org/drawingml/2006/main" xmlns:r="http://schemas.openxmlformats.org/officeDocument/2006/relationships" xmlns:p="http://schemas.openxmlformats.org/presentationml/2006/main">
+  <p:cSld>
+    <p:spTree>
+      <p:nvGrpSpPr>
+        <p:cNvPr id="1" name=""/>
+        <p:cNvGrpSpPr/>
+        <p:nvPr/>
+      </p:nvGrpSpPr>
+      <p:grpSpPr>
+        <a:xfrm>
+          <a:off x="0" y="0"/>
+          <a:ext cx="0" cy="0"/>
+          <a:chOff x="0" y="0"/>
+          <a:chExt cx="0" cy="0"/>
+        </a:xfrm>
+      </p:grpSpPr>
+      <p:sp>
+        <p:nvSpPr>
+          <p:cNvPr id="2" name="Slide Image Placeholder 1"/>
+          <p:cNvSpPr>
+            <a:spLocks noGrp="1" noRot="1" noChangeAspect="1"/>
+          </p:cNvSpPr>
+          <p:nvPr>
+            <p:ph type="sldImg"/>
+          </p:nvPr>
+        </p:nvSpPr>
+        <p:spPr>
+          <a:xfrm>
+            <a:off x="685800" y="1143000"/>
+            <a:ext cx="5486400" cy="3086100"/>
+          </a:xfrm>
+        </p:spPr>
+      </p:sp>
+      <p:sp>
+        <p:nvSpPr>
+          <p:cNvPr id="3" name="Notes Placeholder 2"/>
+          <p:cNvSpPr>
+            <a:spLocks noGrp="1"/>
+          </p:cNvSpPr>
+          <p:nvPr>
+            <p:ph type="body" idx="1"/>
+          </p:nvPr>
+        </p:nvSpPr>
+        <p:spPr/>
+        <p:txBody>
+          <a:bodyPr/>
+          <a:lstStyle/>
+          <a:p>
+            <a:r>
+              <a:rPr lang="en-US" dirty="0"/>
+              <a:t>CARL</a:t>
+            </a:r>
+          </a:p>
+        </p:txBody>
+      </p:sp>
+      <p:sp>
+        <p:nvSpPr>
+          <p:cNvPr id="4" name="Slide Number Placeholder 3"/>
+          <p:cNvSpPr>
+            <a:spLocks noGrp="1"/>
+          </p:cNvSpPr>
+          <p:nvPr>
+            <p:ph type="sldNum" sz="quarter" idx="5"/>
+          </p:nvPr>
+        </p:nvSpPr>
+        <p:spPr/>
+        <p:txBody>
+          <a:bodyPr/>
+          <a:lstStyle/>
+          <a:p>
+            <a:pPr lvl="0"/>
+            <a:fld id="{22847C3A-B921-40BA-90EA-4B4DFF1624A0}" type="slidenum">
+              <a:rPr lang="en-US" smtClean="0"/>
+              <a:t>22</a:t>
+            </a:fld>
+            <a:endParaRPr lang="en-US"/>
+          </a:p>
+        </p:txBody>
+      </p:sp>
+    </p:spTree>
+    <p:extLst>
+      <p:ext uri="{BB962C8B-B14F-4D97-AF65-F5344CB8AC3E}">
+        <p14:creationId xmlns:p14="http://schemas.microsoft.com/office/powerpoint/2010/main" val="3386790358"/>
+      </p:ext>
+    </p:extLst>
+  </p:cSld>
+  <p:clrMapOvr>
+    <a:masterClrMapping/>
+  </p:clrMapOvr>
+</p:notes>
+</file>
+
+<file path=ppt/notesSlides/notesSlide23.xml><?xml version="1.0" encoding="utf-8"?>
+<p:notes xmlns:a="http://schemas.openxmlformats.org/drawingml/2006/main" xmlns:r="http://schemas.openxmlformats.org/officeDocument/2006/relationships" xmlns:p="http://schemas.openxmlformats.org/presentationml/2006/main">
+  <p:cSld>
+    <p:spTree>
+      <p:nvGrpSpPr>
+        <p:cNvPr id="1" name=""/>
+        <p:cNvGrpSpPr/>
+        <p:nvPr/>
+      </p:nvGrpSpPr>
+      <p:grpSpPr>
+        <a:xfrm>
+          <a:off x="0" y="0"/>
+          <a:ext cx="0" cy="0"/>
+          <a:chOff x="0" y="0"/>
+          <a:chExt cx="0" cy="0"/>
+        </a:xfrm>
+      </p:grpSpPr>
+      <p:sp>
+        <p:nvSpPr>
+          <p:cNvPr id="2" name="Slide Image Placeholder 1"/>
+          <p:cNvSpPr>
+            <a:spLocks noGrp="1" noRot="1" noChangeAspect="1"/>
+          </p:cNvSpPr>
+          <p:nvPr>
+            <p:ph type="sldImg"/>
+          </p:nvPr>
+        </p:nvSpPr>
+        <p:spPr>
+          <a:xfrm>
+            <a:off x="685800" y="1143000"/>
+            <a:ext cx="5486400" cy="3086100"/>
+          </a:xfrm>
+        </p:spPr>
+      </p:sp>
+      <p:sp>
+        <p:nvSpPr>
+          <p:cNvPr id="3" name="Notes Placeholder 2"/>
+          <p:cNvSpPr>
+            <a:spLocks noGrp="1"/>
+          </p:cNvSpPr>
+          <p:nvPr>
+            <p:ph type="body" idx="1"/>
+          </p:nvPr>
+        </p:nvSpPr>
+        <p:spPr/>
+        <p:txBody>
+          <a:bodyPr/>
+          <a:lstStyle/>
+          <a:p>
+            <a:r>
+              <a:rPr lang="en-US" dirty="0"/>
+              <a:t>DANIEL</a:t>
+            </a:r>
+          </a:p>
+        </p:txBody>
+      </p:sp>
+      <p:sp>
+        <p:nvSpPr>
+          <p:cNvPr id="4" name="Slide Number Placeholder 3"/>
+          <p:cNvSpPr>
+            <a:spLocks noGrp="1"/>
+          </p:cNvSpPr>
+          <p:nvPr>
+            <p:ph type="sldNum" sz="quarter" idx="5"/>
+          </p:nvPr>
+        </p:nvSpPr>
+        <p:spPr/>
+        <p:txBody>
+          <a:bodyPr/>
+          <a:lstStyle/>
+          <a:p>
+            <a:pPr lvl="0"/>
+            <a:fld id="{22847C3A-B921-40BA-90EA-4B4DFF1624A0}" type="slidenum">
+              <a:rPr lang="en-US" smtClean="0"/>
+              <a:t>23</a:t>
+            </a:fld>
+            <a:endParaRPr lang="en-US"/>
+          </a:p>
+        </p:txBody>
+      </p:sp>
+    </p:spTree>
+    <p:extLst>
+      <p:ext uri="{BB962C8B-B14F-4D97-AF65-F5344CB8AC3E}">
+        <p14:creationId xmlns:p14="http://schemas.microsoft.com/office/powerpoint/2010/main" val="1905783458"/>
+      </p:ext>
+    </p:extLst>
+  </p:cSld>
+  <p:clrMapOvr>
+    <a:masterClrMapping/>
+  </p:clrMapOvr>
+</p:notes>
+</file>
+
+<file path=ppt/notesSlides/notesSlide24.xml><?xml version="1.0" encoding="utf-8"?>
+<p:notes xmlns:a="http://schemas.openxmlformats.org/drawingml/2006/main" xmlns:r="http://schemas.openxmlformats.org/officeDocument/2006/relationships" xmlns:p="http://schemas.openxmlformats.org/presentationml/2006/main">
+  <p:cSld>
+    <p:spTree>
+      <p:nvGrpSpPr>
+        <p:cNvPr id="1" name=""/>
+        <p:cNvGrpSpPr/>
+        <p:nvPr/>
+      </p:nvGrpSpPr>
+      <p:grpSpPr>
+        <a:xfrm>
+          <a:off x="0" y="0"/>
+          <a:ext cx="0" cy="0"/>
+          <a:chOff x="0" y="0"/>
+          <a:chExt cx="0" cy="0"/>
+        </a:xfrm>
+      </p:grpSpPr>
+      <p:sp>
+        <p:nvSpPr>
+          <p:cNvPr id="2" name="Slide Image Placeholder 1"/>
+          <p:cNvSpPr>
+            <a:spLocks noGrp="1" noRot="1" noChangeAspect="1"/>
+          </p:cNvSpPr>
+          <p:nvPr>
+            <p:ph type="sldImg"/>
+          </p:nvPr>
+        </p:nvSpPr>
+        <p:spPr>
+          <a:xfrm>
+            <a:off x="685800" y="1143000"/>
+            <a:ext cx="5486400" cy="3086100"/>
+          </a:xfrm>
+        </p:spPr>
+      </p:sp>
+      <p:sp>
+        <p:nvSpPr>
+          <p:cNvPr id="3" name="Notes Placeholder 2"/>
+          <p:cNvSpPr>
+            <a:spLocks noGrp="1"/>
+          </p:cNvSpPr>
+          <p:nvPr>
+            <p:ph type="body" idx="1"/>
+          </p:nvPr>
+        </p:nvSpPr>
+        <p:spPr/>
+        <p:txBody>
+          <a:bodyPr/>
+          <a:lstStyle/>
+          <a:p>
+            <a:r>
+              <a:rPr lang="en-US" dirty="0"/>
+              <a:t>VINCENT</a:t>
+            </a:r>
+          </a:p>
+        </p:txBody>
+      </p:sp>
+      <p:sp>
+        <p:nvSpPr>
+          <p:cNvPr id="4" name="Slide Number Placeholder 3"/>
+          <p:cNvSpPr>
+            <a:spLocks noGrp="1"/>
+          </p:cNvSpPr>
+          <p:nvPr>
+            <p:ph type="sldNum" sz="quarter" idx="5"/>
+          </p:nvPr>
+        </p:nvSpPr>
+        <p:spPr/>
+        <p:txBody>
+          <a:bodyPr/>
+          <a:lstStyle/>
+          <a:p>
+            <a:pPr lvl="0"/>
+            <a:fld id="{22847C3A-B921-40BA-90EA-4B4DFF1624A0}" type="slidenum">
+              <a:rPr lang="en-US" smtClean="0"/>
+              <a:t>24</a:t>
+            </a:fld>
+            <a:endParaRPr lang="en-US"/>
+          </a:p>
+        </p:txBody>
+      </p:sp>
+    </p:spTree>
+    <p:extLst>
+      <p:ext uri="{BB962C8B-B14F-4D97-AF65-F5344CB8AC3E}">
+        <p14:creationId xmlns:p14="http://schemas.microsoft.com/office/powerpoint/2010/main" val="4207958497"/>
+      </p:ext>
+    </p:extLst>
+  </p:cSld>
+  <p:clrMapOvr>
+    <a:masterClrMapping/>
+  </p:clrMapOvr>
+</p:notes>
+</file>
+
+<file path=ppt/notesSlides/notesSlide25.xml><?xml version="1.0" encoding="utf-8"?>
+<p:notes xmlns:a="http://schemas.openxmlformats.org/drawingml/2006/main" xmlns:r="http://schemas.openxmlformats.org/officeDocument/2006/relationships" xmlns:p="http://schemas.openxmlformats.org/presentationml/2006/main">
+  <p:cSld>
+    <p:spTree>
+      <p:nvGrpSpPr>
+        <p:cNvPr id="1" name=""/>
+        <p:cNvGrpSpPr/>
+        <p:nvPr/>
+      </p:nvGrpSpPr>
+      <p:grpSpPr>
+        <a:xfrm>
+          <a:off x="0" y="0"/>
+          <a:ext cx="0" cy="0"/>
+          <a:chOff x="0" y="0"/>
+          <a:chExt cx="0" cy="0"/>
+        </a:xfrm>
+      </p:grpSpPr>
+      <p:sp>
+        <p:nvSpPr>
+          <p:cNvPr id="2" name="Slide Image Placeholder 1"/>
+          <p:cNvSpPr>
+            <a:spLocks noGrp="1" noRot="1" noChangeAspect="1"/>
+          </p:cNvSpPr>
+          <p:nvPr>
+            <p:ph type="sldImg"/>
+          </p:nvPr>
+        </p:nvSpPr>
+        <p:spPr>
+          <a:xfrm>
+            <a:off x="685800" y="1143000"/>
+            <a:ext cx="5486400" cy="3086100"/>
+          </a:xfrm>
+        </p:spPr>
+      </p:sp>
+      <p:sp>
+        <p:nvSpPr>
+          <p:cNvPr id="3" name="Notes Placeholder 2"/>
+          <p:cNvSpPr>
+            <a:spLocks noGrp="1"/>
+          </p:cNvSpPr>
+          <p:nvPr>
+            <p:ph type="body" idx="1"/>
+          </p:nvPr>
+        </p:nvSpPr>
+        <p:spPr/>
+        <p:txBody>
+          <a:bodyPr/>
+          <a:lstStyle/>
+          <a:p>
+            <a:r>
+              <a:rPr lang="en-US" dirty="0"/>
+              <a:t>VINCENT</a:t>
+            </a:r>
+          </a:p>
+          <a:p>
+            <a:endParaRPr lang="en-US" dirty="0"/>
+          </a:p>
+          <a:p>
+            <a:r>
+              <a:rPr lang="en-US" dirty="0"/>
+              <a:t>Can be used to implement a lookup table in a network router</a:t>
+            </a:r>
+          </a:p>
+          <a:p>
+            <a:endParaRPr lang="en-US" dirty="0"/>
+          </a:p>
+          <a:p>
+            <a:pPr algn="l" fontAlgn="base">
+              <a:buFont typeface="Arial" panose="020B0604020202020204" pitchFamily="34" charset="0"/>
+              <a:buChar char="•"/>
+            </a:pPr>
+            <a:r>
+              <a:rPr lang="en-US" b="0" i="0" dirty="0">
+                <a:solidFill>
+                  <a:srgbClr val="232629"/>
+                </a:solidFill>
+                <a:effectLst/>
+                <a:latin typeface="inherit"/>
+              </a:rPr>
+              <a:t>No overhead - if you allocate 10 MB to storage you get 10 MB worth of data without adjusting your run-times</a:t>
+            </a:r>
+          </a:p>
+          <a:p>
+            <a:pPr algn="l" fontAlgn="base">
+              <a:buFont typeface="Arial" panose="020B0604020202020204" pitchFamily="34" charset="0"/>
+              <a:buChar char="•"/>
+            </a:pPr>
+            <a:r>
+              <a:rPr lang="en-US" b="0" i="0" dirty="0">
+                <a:solidFill>
+                  <a:srgbClr val="232629"/>
+                </a:solidFill>
+                <a:effectLst/>
+                <a:latin typeface="inherit"/>
+              </a:rPr>
+              <a:t>Recent access preference - recent data is more easily accessed, and routers access more recent data frequently (new network nodes are likely to talk, and most networks are not used evenly)</a:t>
+            </a:r>
+          </a:p>
+          <a:p>
+            <a:pPr algn="l" fontAlgn="base">
+              <a:buFont typeface="Arial" panose="020B0604020202020204" pitchFamily="34" charset="0"/>
+              <a:buChar char="•"/>
+            </a:pPr>
+            <a:r>
+              <a:rPr lang="en-US" b="0" i="0" dirty="0">
+                <a:solidFill>
+                  <a:srgbClr val="232629"/>
+                </a:solidFill>
+                <a:effectLst/>
+                <a:latin typeface="inherit"/>
+              </a:rPr>
+              <a:t>Dups are fine - can be useful depending on what you are storing</a:t>
+            </a:r>
+          </a:p>
+          <a:p>
+            <a:pPr algn="l" fontAlgn="base">
+              <a:buFont typeface="Arial" panose="020B0604020202020204" pitchFamily="34" charset="0"/>
+              <a:buChar char="•"/>
+            </a:pPr>
+            <a:r>
+              <a:rPr lang="en-US" b="0" i="0" dirty="0">
+                <a:solidFill>
+                  <a:srgbClr val="232629"/>
+                </a:solidFill>
+                <a:effectLst/>
+                <a:latin typeface="inherit"/>
+              </a:rPr>
+              <a:t>Simple implementation - routers are typically run on fairly weak processors and are incredibly difficult to update, so simplicity is nice</a:t>
+            </a:r>
+          </a:p>
+          <a:p>
+            <a:endParaRPr lang="en-US" dirty="0"/>
+          </a:p>
+          <a:p>
+            <a:r>
+              <a:rPr lang="en-US" dirty="0"/>
+              <a:t>Some of these issues have been solved, and in many cases hash tables are used for networking</a:t>
+            </a:r>
+          </a:p>
+        </p:txBody>
+      </p:sp>
+      <p:sp>
+        <p:nvSpPr>
+          <p:cNvPr id="4" name="Slide Number Placeholder 3"/>
+          <p:cNvSpPr>
+            <a:spLocks noGrp="1"/>
+          </p:cNvSpPr>
+          <p:nvPr>
+            <p:ph type="sldNum" sz="quarter" idx="5"/>
+          </p:nvPr>
+        </p:nvSpPr>
+        <p:spPr/>
+        <p:txBody>
+          <a:bodyPr/>
+          <a:lstStyle/>
+          <a:p>
+            <a:pPr lvl="0"/>
+            <a:fld id="{22847C3A-B921-40BA-90EA-4B4DFF1624A0}" type="slidenum">
+              <a:rPr lang="en-US" smtClean="0"/>
+              <a:t>25</a:t>
+            </a:fld>
+            <a:endParaRPr lang="en-US"/>
+          </a:p>
+        </p:txBody>
+      </p:sp>
+    </p:spTree>
+    <p:extLst>
+      <p:ext uri="{BB962C8B-B14F-4D97-AF65-F5344CB8AC3E}">
+        <p14:creationId xmlns:p14="http://schemas.microsoft.com/office/powerpoint/2010/main" val="1026792666"/>
+      </p:ext>
+    </p:extLst>
+  </p:cSld>
+  <p:clrMapOvr>
+    <a:masterClrMapping/>
+  </p:clrMapOvr>
+</p:notes>
+</file>
+
+<file path=ppt/notesSlides/notesSlide26.xml><?xml version="1.0" encoding="utf-8"?>
+<p:notes xmlns:a="http://schemas.openxmlformats.org/drawingml/2006/main" xmlns:r="http://schemas.openxmlformats.org/officeDocument/2006/relationships" xmlns:p="http://schemas.openxmlformats.org/presentationml/2006/main">
+  <p:cSld>
+    <p:spTree>
+      <p:nvGrpSpPr>
+        <p:cNvPr id="1" name=""/>
+        <p:cNvGrpSpPr/>
+        <p:nvPr/>
+      </p:nvGrpSpPr>
+      <p:grpSpPr>
+        <a:xfrm>
+          <a:off x="0" y="0"/>
+          <a:ext cx="0" cy="0"/>
+          <a:chOff x="0" y="0"/>
+          <a:chExt cx="0" cy="0"/>
+        </a:xfrm>
+      </p:grpSpPr>
+      <p:sp>
+        <p:nvSpPr>
+          <p:cNvPr id="2" name="Slide Image Placeholder 1"/>
+          <p:cNvSpPr>
+            <a:spLocks noGrp="1" noRot="1" noChangeAspect="1"/>
+          </p:cNvSpPr>
+          <p:nvPr>
+            <p:ph type="sldImg"/>
+          </p:nvPr>
+        </p:nvSpPr>
+        <p:spPr>
+          <a:xfrm>
+            <a:off x="685800" y="1143000"/>
+            <a:ext cx="5486400" cy="3086100"/>
+          </a:xfrm>
+        </p:spPr>
+      </p:sp>
+      <p:sp>
+        <p:nvSpPr>
+          <p:cNvPr id="3" name="Notes Placeholder 2"/>
+          <p:cNvSpPr>
+            <a:spLocks noGrp="1"/>
+          </p:cNvSpPr>
+          <p:nvPr>
+            <p:ph type="body" idx="1"/>
+          </p:nvPr>
+        </p:nvSpPr>
+        <p:spPr/>
+        <p:txBody>
+          <a:bodyPr/>
+          <a:lstStyle/>
+          <a:p>
+            <a:r>
+              <a:rPr lang="en-US" dirty="0"/>
+              <a:t>VINCENT</a:t>
+            </a:r>
+          </a:p>
+        </p:txBody>
+      </p:sp>
+      <p:sp>
+        <p:nvSpPr>
+          <p:cNvPr id="4" name="Slide Number Placeholder 3"/>
+          <p:cNvSpPr>
+            <a:spLocks noGrp="1"/>
+          </p:cNvSpPr>
+          <p:nvPr>
+            <p:ph type="sldNum" sz="quarter" idx="5"/>
+          </p:nvPr>
+        </p:nvSpPr>
+        <p:spPr/>
+        <p:txBody>
+          <a:bodyPr/>
+          <a:lstStyle/>
+          <a:p>
+            <a:pPr lvl="0"/>
+            <a:fld id="{22847C3A-B921-40BA-90EA-4B4DFF1624A0}" type="slidenum">
+              <a:rPr lang="en-US" smtClean="0"/>
+              <a:t>26</a:t>
+            </a:fld>
+            <a:endParaRPr lang="en-US"/>
+          </a:p>
+        </p:txBody>
+      </p:sp>
+    </p:spTree>
+    <p:extLst>
+      <p:ext uri="{BB962C8B-B14F-4D97-AF65-F5344CB8AC3E}">
+        <p14:creationId xmlns:p14="http://schemas.microsoft.com/office/powerpoint/2010/main" val="1325912526"/>
+      </p:ext>
+    </p:extLst>
+  </p:cSld>
+  <p:clrMapOvr>
+    <a:masterClrMapping/>
+  </p:clrMapOvr>
+</p:notes>
+</file>
+
+<file path=ppt/notesSlides/notesSlide27.xml><?xml version="1.0" encoding="utf-8"?>
+<p:notes xmlns:a="http://schemas.openxmlformats.org/drawingml/2006/main" xmlns:r="http://schemas.openxmlformats.org/officeDocument/2006/relationships" xmlns:p="http://schemas.openxmlformats.org/presentationml/2006/main">
+  <p:cSld>
+    <p:spTree>
+      <p:nvGrpSpPr>
+        <p:cNvPr id="1" name=""/>
+        <p:cNvGrpSpPr/>
+        <p:nvPr/>
+      </p:nvGrpSpPr>
+      <p:grpSpPr>
+        <a:xfrm>
+          <a:off x="0" y="0"/>
+          <a:ext cx="0" cy="0"/>
+          <a:chOff x="0" y="0"/>
+          <a:chExt cx="0" cy="0"/>
+        </a:xfrm>
+      </p:grpSpPr>
+      <p:sp>
+        <p:nvSpPr>
+          <p:cNvPr id="2" name="Slide Image Placeholder 1"/>
+          <p:cNvSpPr>
+            <a:spLocks noGrp="1" noRot="1" noChangeAspect="1"/>
+          </p:cNvSpPr>
+          <p:nvPr>
+            <p:ph type="sldImg"/>
+          </p:nvPr>
+        </p:nvSpPr>
+        <p:spPr>
+          <a:xfrm>
+            <a:off x="685800" y="1143000"/>
+            <a:ext cx="5486400" cy="3086100"/>
+          </a:xfrm>
+        </p:spPr>
+      </p:sp>
+      <p:sp>
+        <p:nvSpPr>
+          <p:cNvPr id="3" name="Notes Placeholder 2"/>
+          <p:cNvSpPr>
+            <a:spLocks noGrp="1"/>
+          </p:cNvSpPr>
+          <p:nvPr>
+            <p:ph type="body" idx="1"/>
+          </p:nvPr>
+        </p:nvSpPr>
+        <p:spPr/>
+        <p:txBody>
+          <a:bodyPr/>
+          <a:lstStyle/>
+          <a:p>
+            <a:r>
+              <a:rPr lang="en-US" dirty="0"/>
+              <a:t>CAMERON</a:t>
+            </a:r>
+          </a:p>
+          <a:p>
+            <a:endParaRPr lang="en-US" dirty="0"/>
+          </a:p>
+          <a:p>
+            <a:r>
+              <a:rPr lang="en-US" dirty="0"/>
+              <a:t>One of the fastest types of binary search trees</a:t>
+            </a:r>
+          </a:p>
+          <a:p>
+            <a:endParaRPr lang="en-US" dirty="0"/>
+          </a:p>
+          <a:p>
+            <a:r>
+              <a:rPr lang="en-US" dirty="0"/>
+              <a:t>Takes advantage of Region of Interest – samples in a data set identified for a particular purpose</a:t>
+            </a:r>
+          </a:p>
+        </p:txBody>
+      </p:sp>
+      <p:sp>
+        <p:nvSpPr>
+          <p:cNvPr id="4" name="Slide Number Placeholder 3"/>
+          <p:cNvSpPr>
+            <a:spLocks noGrp="1"/>
+          </p:cNvSpPr>
+          <p:nvPr>
+            <p:ph type="sldNum" sz="quarter" idx="5"/>
+          </p:nvPr>
+        </p:nvSpPr>
+        <p:spPr/>
+        <p:txBody>
+          <a:bodyPr/>
+          <a:lstStyle/>
+          <a:p>
+            <a:pPr lvl="0"/>
+            <a:fld id="{22847C3A-B921-40BA-90EA-4B4DFF1624A0}" type="slidenum">
+              <a:rPr lang="en-US" smtClean="0"/>
+              <a:t>27</a:t>
+            </a:fld>
+            <a:endParaRPr lang="en-US"/>
+          </a:p>
+        </p:txBody>
+      </p:sp>
+    </p:spTree>
+    <p:extLst>
+      <p:ext uri="{BB962C8B-B14F-4D97-AF65-F5344CB8AC3E}">
+        <p14:creationId xmlns:p14="http://schemas.microsoft.com/office/powerpoint/2010/main" val="4258462731"/>
+      </p:ext>
+    </p:extLst>
+  </p:cSld>
+  <p:clrMapOvr>
+    <a:masterClrMapping/>
+  </p:clrMapOvr>
+</p:notes>
+</file>
+
+<file path=ppt/notesSlides/notesSlide28.xml><?xml version="1.0" encoding="utf-8"?>
+<p:notes xmlns:a="http://schemas.openxmlformats.org/drawingml/2006/main" xmlns:r="http://schemas.openxmlformats.org/officeDocument/2006/relationships" xmlns:p="http://schemas.openxmlformats.org/presentationml/2006/main">
+  <p:cSld>
+    <p:spTree>
+      <p:nvGrpSpPr>
+        <p:cNvPr id="1" name=""/>
+        <p:cNvGrpSpPr/>
+        <p:nvPr/>
+      </p:nvGrpSpPr>
+      <p:grpSpPr>
+        <a:xfrm>
+          <a:off x="0" y="0"/>
+          <a:ext cx="0" cy="0"/>
+          <a:chOff x="0" y="0"/>
+          <a:chExt cx="0" cy="0"/>
+        </a:xfrm>
+      </p:grpSpPr>
+      <p:sp>
+        <p:nvSpPr>
+          <p:cNvPr id="2" name="Slide Image Placeholder 1"/>
+          <p:cNvSpPr>
+            <a:spLocks noGrp="1" noRot="1" noChangeAspect="1"/>
+          </p:cNvSpPr>
+          <p:nvPr>
+            <p:ph type="sldImg"/>
+          </p:nvPr>
+        </p:nvSpPr>
+        <p:spPr>
+          <a:xfrm>
+            <a:off x="685800" y="1143000"/>
+            <a:ext cx="5486400" cy="3086100"/>
+          </a:xfrm>
+        </p:spPr>
+      </p:sp>
+      <p:sp>
+        <p:nvSpPr>
+          <p:cNvPr id="3" name="Notes Placeholder 2"/>
+          <p:cNvSpPr>
+            <a:spLocks noGrp="1"/>
+          </p:cNvSpPr>
+          <p:nvPr>
+            <p:ph type="body" idx="1"/>
+          </p:nvPr>
+        </p:nvSpPr>
+        <p:spPr/>
+        <p:txBody>
+          <a:bodyPr/>
+          <a:lstStyle/>
+          <a:p>
+            <a:r>
+              <a:rPr lang="en-US" dirty="0"/>
+              <a:t>CAMERON</a:t>
+            </a:r>
+          </a:p>
+        </p:txBody>
+      </p:sp>
+      <p:sp>
+        <p:nvSpPr>
+          <p:cNvPr id="4" name="Slide Number Placeholder 3"/>
+          <p:cNvSpPr>
+            <a:spLocks noGrp="1"/>
+          </p:cNvSpPr>
+          <p:nvPr>
+            <p:ph type="sldNum" sz="quarter" idx="5"/>
+          </p:nvPr>
+        </p:nvSpPr>
+        <p:spPr/>
+        <p:txBody>
+          <a:bodyPr/>
+          <a:lstStyle/>
+          <a:p>
+            <a:pPr lvl="0"/>
+            <a:fld id="{22847C3A-B921-40BA-90EA-4B4DFF1624A0}" type="slidenum">
+              <a:rPr lang="en-US" smtClean="0"/>
+              <a:t>28</a:t>
+            </a:fld>
+            <a:endParaRPr lang="en-US"/>
+          </a:p>
+        </p:txBody>
+      </p:sp>
+    </p:spTree>
+    <p:extLst>
+      <p:ext uri="{BB962C8B-B14F-4D97-AF65-F5344CB8AC3E}">
+        <p14:creationId xmlns:p14="http://schemas.microsoft.com/office/powerpoint/2010/main" val="1495695666"/>
+      </p:ext>
+    </p:extLst>
+  </p:cSld>
+  <p:clrMapOvr>
+    <a:masterClrMapping/>
+  </p:clrMapOvr>
+</p:notes>
+</file>
+
+<file path=ppt/notesSlides/notesSlide29.xml><?xml version="1.0" encoding="utf-8"?>
+<p:notes xmlns:a="http://schemas.openxmlformats.org/drawingml/2006/main" xmlns:r="http://schemas.openxmlformats.org/officeDocument/2006/relationships" xmlns:p="http://schemas.openxmlformats.org/presentationml/2006/main">
+  <p:cSld>
+    <p:spTree>
+      <p:nvGrpSpPr>
+        <p:cNvPr id="1" name=""/>
+        <p:cNvGrpSpPr/>
+        <p:nvPr/>
+      </p:nvGrpSpPr>
+      <p:grpSpPr>
+        <a:xfrm>
+          <a:off x="0" y="0"/>
+          <a:ext cx="0" cy="0"/>
+          <a:chOff x="0" y="0"/>
+          <a:chExt cx="0" cy="0"/>
+        </a:xfrm>
+      </p:grpSpPr>
+      <p:sp>
+        <p:nvSpPr>
+          <p:cNvPr id="2" name="Slide Image Placeholder 1"/>
+          <p:cNvSpPr>
+            <a:spLocks noGrp="1" noRot="1" noChangeAspect="1"/>
+          </p:cNvSpPr>
+          <p:nvPr>
+            <p:ph type="sldImg"/>
+          </p:nvPr>
+        </p:nvSpPr>
+        <p:spPr>
+          <a:xfrm>
+            <a:off x="685800" y="1143000"/>
+            <a:ext cx="5486400" cy="3086100"/>
+          </a:xfrm>
+        </p:spPr>
+      </p:sp>
+      <p:sp>
+        <p:nvSpPr>
+          <p:cNvPr id="3" name="Notes Placeholder 2"/>
+          <p:cNvSpPr>
+            <a:spLocks noGrp="1"/>
+          </p:cNvSpPr>
+          <p:nvPr>
+            <p:ph type="body" idx="1"/>
+          </p:nvPr>
+        </p:nvSpPr>
+        <p:spPr/>
+        <p:txBody>
+          <a:bodyPr/>
+          <a:lstStyle/>
+          <a:p>
+            <a:r>
+              <a:rPr lang="en-US" dirty="0"/>
+              <a:t>CAMERON</a:t>
+            </a:r>
+          </a:p>
+        </p:txBody>
+      </p:sp>
+      <p:sp>
+        <p:nvSpPr>
+          <p:cNvPr id="4" name="Slide Number Placeholder 3"/>
+          <p:cNvSpPr>
+            <a:spLocks noGrp="1"/>
+          </p:cNvSpPr>
+          <p:nvPr>
+            <p:ph type="sldNum" sz="quarter" idx="5"/>
+          </p:nvPr>
+        </p:nvSpPr>
+        <p:spPr/>
+        <p:txBody>
+          <a:bodyPr/>
+          <a:lstStyle/>
+          <a:p>
+            <a:pPr lvl="0"/>
+            <a:fld id="{22847C3A-B921-40BA-90EA-4B4DFF1624A0}" type="slidenum">
+              <a:rPr lang="en-US" smtClean="0"/>
+              <a:t>30</a:t>
+            </a:fld>
+            <a:endParaRPr lang="en-US"/>
+          </a:p>
+        </p:txBody>
+      </p:sp>
+    </p:spTree>
+    <p:extLst>
+      <p:ext uri="{BB962C8B-B14F-4D97-AF65-F5344CB8AC3E}">
+        <p14:creationId xmlns:p14="http://schemas.microsoft.com/office/powerpoint/2010/main" val="1017544143"/>
+      </p:ext>
+    </p:extLst>
+  </p:cSld>
+  <p:clrMapOvr>
+    <a:masterClrMapping/>
+  </p:clrMapOvr>
+</p:notes>
+</file>
+
+<file path=ppt/notesSlides/notesSlide3.xml><?xml version="1.0" encoding="utf-8"?>
+<p:notes xmlns:a="http://schemas.openxmlformats.org/drawingml/2006/main" xmlns:r="http://schemas.openxmlformats.org/officeDocument/2006/relationships" xmlns:p="http://schemas.openxmlformats.org/presentationml/2006/main">
+  <p:cSld>
+    <p:spTree>
+      <p:nvGrpSpPr>
+        <p:cNvPr id="1" name=""/>
+        <p:cNvGrpSpPr/>
+        <p:nvPr/>
+      </p:nvGrpSpPr>
+      <p:grpSpPr>
+        <a:xfrm>
+          <a:off x="0" y="0"/>
+          <a:ext cx="0" cy="0"/>
+          <a:chOff x="0" y="0"/>
+          <a:chExt cx="0" cy="0"/>
+        </a:xfrm>
+      </p:grpSpPr>
+      <p:sp>
+        <p:nvSpPr>
+          <p:cNvPr id="2" name="Slide Image Placeholder 1"/>
+          <p:cNvSpPr>
+            <a:spLocks noGrp="1" noRot="1" noChangeAspect="1"/>
+          </p:cNvSpPr>
+          <p:nvPr>
+            <p:ph type="sldImg"/>
+          </p:nvPr>
+        </p:nvSpPr>
+        <p:spPr>
+          <a:xfrm>
+            <a:off x="685800" y="1143000"/>
+            <a:ext cx="5486400" cy="3086100"/>
+          </a:xfrm>
+        </p:spPr>
+      </p:sp>
+      <p:sp>
+        <p:nvSpPr>
+          <p:cNvPr id="3" name="Notes Placeholder 2"/>
+          <p:cNvSpPr>
+            <a:spLocks noGrp="1"/>
+          </p:cNvSpPr>
+          <p:nvPr>
+            <p:ph type="body" idx="1"/>
+          </p:nvPr>
+        </p:nvSpPr>
+        <p:spPr/>
+        <p:txBody>
+          <a:bodyPr/>
+          <a:lstStyle/>
+          <a:p>
+            <a:r>
+              <a:rPr lang="en-US" dirty="0"/>
+              <a:t>DANIEL</a:t>
+            </a:r>
+          </a:p>
+        </p:txBody>
+      </p:sp>
+      <p:sp>
+        <p:nvSpPr>
+          <p:cNvPr id="4" name="Slide Number Placeholder 3"/>
+          <p:cNvSpPr>
+            <a:spLocks noGrp="1"/>
+          </p:cNvSpPr>
+          <p:nvPr>
+            <p:ph type="sldNum" sz="quarter" idx="5"/>
+          </p:nvPr>
+        </p:nvSpPr>
+        <p:spPr/>
+        <p:txBody>
+          <a:bodyPr/>
+          <a:lstStyle/>
+          <a:p>
+            <a:pPr lvl="0"/>
+            <a:fld id="{22847C3A-B921-40BA-90EA-4B4DFF1624A0}" type="slidenum">
+              <a:rPr lang="en-US" smtClean="0"/>
+              <a:t>3</a:t>
+            </a:fld>
+            <a:endParaRPr lang="en-US"/>
+          </a:p>
+        </p:txBody>
+      </p:sp>
+    </p:spTree>
+    <p:extLst>
+      <p:ext uri="{BB962C8B-B14F-4D97-AF65-F5344CB8AC3E}">
+        <p14:creationId xmlns:p14="http://schemas.microsoft.com/office/powerpoint/2010/main" val="1118734878"/>
+      </p:ext>
+    </p:extLst>
+  </p:cSld>
+  <p:clrMapOvr>
+    <a:masterClrMapping/>
+  </p:clrMapOvr>
+</p:notes>
+</file>
+
+<file path=ppt/notesSlides/notesSlide30.xml><?xml version="1.0" encoding="utf-8"?>
+<p:notes xmlns:a="http://schemas.openxmlformats.org/drawingml/2006/main" xmlns:r="http://schemas.openxmlformats.org/officeDocument/2006/relationships" xmlns:p="http://schemas.openxmlformats.org/presentationml/2006/main">
+  <p:cSld>
+    <p:spTree>
+      <p:nvGrpSpPr>
+        <p:cNvPr id="1" name=""/>
+        <p:cNvGrpSpPr/>
+        <p:nvPr/>
+      </p:nvGrpSpPr>
+      <p:grpSpPr>
+        <a:xfrm>
+          <a:off x="0" y="0"/>
+          <a:ext cx="0" cy="0"/>
+          <a:chOff x="0" y="0"/>
+          <a:chExt cx="0" cy="0"/>
+        </a:xfrm>
+      </p:grpSpPr>
+      <p:sp>
+        <p:nvSpPr>
+          <p:cNvPr id="2" name="Slide Image Placeholder 1"/>
+          <p:cNvSpPr>
+            <a:spLocks noGrp="1" noRot="1" noChangeAspect="1"/>
+          </p:cNvSpPr>
+          <p:nvPr>
+            <p:ph type="sldImg"/>
+          </p:nvPr>
+        </p:nvSpPr>
+        <p:spPr>
+          <a:xfrm>
+            <a:off x="685800" y="1143000"/>
+            <a:ext cx="5486400" cy="3086100"/>
+          </a:xfrm>
+        </p:spPr>
+      </p:sp>
+      <p:sp>
+        <p:nvSpPr>
+          <p:cNvPr id="3" name="Notes Placeholder 2"/>
+          <p:cNvSpPr>
+            <a:spLocks noGrp="1"/>
+          </p:cNvSpPr>
+          <p:nvPr>
+            <p:ph type="body" idx="1"/>
+          </p:nvPr>
+        </p:nvSpPr>
+        <p:spPr/>
+        <p:txBody>
+          <a:bodyPr/>
+          <a:lstStyle/>
+          <a:p>
+            <a:r>
+              <a:rPr lang="en-US" dirty="0"/>
+              <a:t>CAMERON</a:t>
+            </a:r>
+          </a:p>
+        </p:txBody>
+      </p:sp>
+      <p:sp>
+        <p:nvSpPr>
+          <p:cNvPr id="4" name="Slide Number Placeholder 3"/>
+          <p:cNvSpPr>
+            <a:spLocks noGrp="1"/>
+          </p:cNvSpPr>
+          <p:nvPr>
+            <p:ph type="sldNum" sz="quarter" idx="5"/>
+          </p:nvPr>
+        </p:nvSpPr>
+        <p:spPr/>
+        <p:txBody>
+          <a:bodyPr/>
+          <a:lstStyle/>
+          <a:p>
+            <a:pPr lvl="0"/>
+            <a:fld id="{22847C3A-B921-40BA-90EA-4B4DFF1624A0}" type="slidenum">
+              <a:rPr lang="en-US" smtClean="0"/>
+              <a:t>31</a:t>
+            </a:fld>
+            <a:endParaRPr lang="en-US"/>
+          </a:p>
+        </p:txBody>
+      </p:sp>
+    </p:spTree>
+    <p:extLst>
+      <p:ext uri="{BB962C8B-B14F-4D97-AF65-F5344CB8AC3E}">
+        <p14:creationId xmlns:p14="http://schemas.microsoft.com/office/powerpoint/2010/main" val="4195639317"/>
+      </p:ext>
+    </p:extLst>
+  </p:cSld>
+  <p:clrMapOvr>
+    <a:masterClrMapping/>
+  </p:clrMapOvr>
+</p:notes>
+</file>
+
+<file path=ppt/notesSlides/notesSlide4.xml><?xml version="1.0" encoding="utf-8"?>
+<p:notes xmlns:a="http://schemas.openxmlformats.org/drawingml/2006/main" xmlns:r="http://schemas.openxmlformats.org/officeDocument/2006/relationships" xmlns:p="http://schemas.openxmlformats.org/presentationml/2006/main">
+  <p:cSld>
+    <p:spTree>
+      <p:nvGrpSpPr>
+        <p:cNvPr id="1" name=""/>
+        <p:cNvGrpSpPr/>
+        <p:nvPr/>
+      </p:nvGrpSpPr>
+      <p:grpSpPr>
+        <a:xfrm>
+          <a:off x="0" y="0"/>
+          <a:ext cx="0" cy="0"/>
+          <a:chOff x="0" y="0"/>
+          <a:chExt cx="0" cy="0"/>
+        </a:xfrm>
+      </p:grpSpPr>
+      <p:sp>
+        <p:nvSpPr>
+          <p:cNvPr id="2" name="Slide Image Placeholder 1"/>
+          <p:cNvSpPr>
+            <a:spLocks noGrp="1" noRot="1" noChangeAspect="1"/>
+          </p:cNvSpPr>
+          <p:nvPr>
+            <p:ph type="sldImg"/>
+          </p:nvPr>
+        </p:nvSpPr>
+        <p:spPr>
+          <a:xfrm>
+            <a:off x="685800" y="1143000"/>
+            <a:ext cx="5486400" cy="3086100"/>
+          </a:xfrm>
+        </p:spPr>
+      </p:sp>
+      <p:sp>
+        <p:nvSpPr>
+          <p:cNvPr id="3" name="Notes Placeholder 2"/>
+          <p:cNvSpPr>
+            <a:spLocks noGrp="1"/>
+          </p:cNvSpPr>
+          <p:nvPr>
+            <p:ph type="body" idx="1"/>
+          </p:nvPr>
+        </p:nvSpPr>
+        <p:spPr/>
+        <p:txBody>
+          <a:bodyPr/>
+          <a:lstStyle/>
+          <a:p>
+            <a:r>
+              <a:rPr lang="en-US" dirty="0"/>
+              <a:t>DANIEL</a:t>
+            </a:r>
+          </a:p>
+        </p:txBody>
+      </p:sp>
+      <p:sp>
+        <p:nvSpPr>
+          <p:cNvPr id="4" name="Slide Number Placeholder 3"/>
+          <p:cNvSpPr>
+            <a:spLocks noGrp="1"/>
+          </p:cNvSpPr>
+          <p:nvPr>
+            <p:ph type="sldNum" sz="quarter" idx="5"/>
+          </p:nvPr>
+        </p:nvSpPr>
+        <p:spPr/>
+        <p:txBody>
+          <a:bodyPr/>
+          <a:lstStyle/>
+          <a:p>
+            <a:pPr lvl="0"/>
+            <a:fld id="{22847C3A-B921-40BA-90EA-4B4DFF1624A0}" type="slidenum">
+              <a:rPr lang="en-US" smtClean="0"/>
+              <a:t>4</a:t>
+            </a:fld>
+            <a:endParaRPr lang="en-US"/>
+          </a:p>
+        </p:txBody>
+      </p:sp>
+    </p:spTree>
+    <p:extLst>
+      <p:ext uri="{BB962C8B-B14F-4D97-AF65-F5344CB8AC3E}">
+        <p14:creationId xmlns:p14="http://schemas.microsoft.com/office/powerpoint/2010/main" val="6191948"/>
+      </p:ext>
+    </p:extLst>
+  </p:cSld>
+  <p:clrMapOvr>
+    <a:masterClrMapping/>
+  </p:clrMapOvr>
+</p:notes>
+</file>
+
+<file path=ppt/notesSlides/notesSlide5.xml><?xml version="1.0" encoding="utf-8"?>
+<p:notes xmlns:a="http://schemas.openxmlformats.org/drawingml/2006/main" xmlns:r="http://schemas.openxmlformats.org/officeDocument/2006/relationships" xmlns:p="http://schemas.openxmlformats.org/presentationml/2006/main">
+  <p:cSld>
+    <p:spTree>
+      <p:nvGrpSpPr>
+        <p:cNvPr id="1" name=""/>
+        <p:cNvGrpSpPr/>
+        <p:nvPr/>
+      </p:nvGrpSpPr>
+      <p:grpSpPr>
+        <a:xfrm>
+          <a:off x="0" y="0"/>
+          <a:ext cx="0" cy="0"/>
+          <a:chOff x="0" y="0"/>
+          <a:chExt cx="0" cy="0"/>
+        </a:xfrm>
+      </p:grpSpPr>
+      <p:sp>
+        <p:nvSpPr>
+          <p:cNvPr id="2" name="Slide Image Placeholder 1"/>
+          <p:cNvSpPr>
+            <a:spLocks noGrp="1" noRot="1" noChangeAspect="1"/>
+          </p:cNvSpPr>
+          <p:nvPr>
+            <p:ph type="sldImg"/>
+          </p:nvPr>
+        </p:nvSpPr>
+        <p:spPr>
+          <a:xfrm>
+            <a:off x="685800" y="1143000"/>
+            <a:ext cx="5486400" cy="3086100"/>
+          </a:xfrm>
+        </p:spPr>
+      </p:sp>
+      <p:sp>
+        <p:nvSpPr>
+          <p:cNvPr id="3" name="Notes Placeholder 2"/>
+          <p:cNvSpPr>
+            <a:spLocks noGrp="1"/>
+          </p:cNvSpPr>
+          <p:nvPr>
+            <p:ph type="body" idx="1"/>
+          </p:nvPr>
+        </p:nvSpPr>
+        <p:spPr/>
+        <p:txBody>
+          <a:bodyPr/>
+          <a:lstStyle/>
+          <a:p>
+            <a:r>
+              <a:rPr lang="en-US" dirty="0"/>
+              <a:t>DANIEL</a:t>
+            </a:r>
+          </a:p>
+        </p:txBody>
+      </p:sp>
+      <p:sp>
+        <p:nvSpPr>
+          <p:cNvPr id="4" name="Slide Number Placeholder 3"/>
+          <p:cNvSpPr>
+            <a:spLocks noGrp="1"/>
+          </p:cNvSpPr>
+          <p:nvPr>
+            <p:ph type="sldNum" sz="quarter" idx="5"/>
+          </p:nvPr>
+        </p:nvSpPr>
+        <p:spPr/>
+        <p:txBody>
+          <a:bodyPr/>
+          <a:lstStyle/>
+          <a:p>
+            <a:pPr lvl="0"/>
+            <a:fld id="{22847C3A-B921-40BA-90EA-4B4DFF1624A0}" type="slidenum">
+              <a:rPr lang="en-US" smtClean="0"/>
+              <a:t>5</a:t>
+            </a:fld>
+            <a:endParaRPr lang="en-US"/>
+          </a:p>
+        </p:txBody>
+      </p:sp>
+    </p:spTree>
+    <p:extLst>
+      <p:ext uri="{BB962C8B-B14F-4D97-AF65-F5344CB8AC3E}">
+        <p14:creationId xmlns:p14="http://schemas.microsoft.com/office/powerpoint/2010/main" val="2444545710"/>
+      </p:ext>
+    </p:extLst>
+  </p:cSld>
+  <p:clrMapOvr>
+    <a:masterClrMapping/>
+  </p:clrMapOvr>
+</p:notes>
+</file>
+
+<file path=ppt/notesSlides/notesSlide6.xml><?xml version="1.0" encoding="utf-8"?>
+<p:notes xmlns:a="http://schemas.openxmlformats.org/drawingml/2006/main" xmlns:r="http://schemas.openxmlformats.org/officeDocument/2006/relationships" xmlns:p="http://schemas.openxmlformats.org/presentationml/2006/main">
+  <p:cSld>
+    <p:spTree>
+      <p:nvGrpSpPr>
+        <p:cNvPr id="1" name=""/>
+        <p:cNvGrpSpPr/>
+        <p:nvPr/>
+      </p:nvGrpSpPr>
+      <p:grpSpPr>
+        <a:xfrm>
+          <a:off x="0" y="0"/>
+          <a:ext cx="0" cy="0"/>
+          <a:chOff x="0" y="0"/>
+          <a:chExt cx="0" cy="0"/>
+        </a:xfrm>
+      </p:grpSpPr>
+      <p:sp>
+        <p:nvSpPr>
+          <p:cNvPr id="2" name="Slide Image Placeholder 1"/>
+          <p:cNvSpPr>
+            <a:spLocks noGrp="1" noRot="1" noChangeAspect="1"/>
+          </p:cNvSpPr>
+          <p:nvPr>
+            <p:ph type="sldImg"/>
+          </p:nvPr>
+        </p:nvSpPr>
+        <p:spPr>
+          <a:xfrm>
+            <a:off x="685800" y="1143000"/>
+            <a:ext cx="5486400" cy="3086100"/>
+          </a:xfrm>
+        </p:spPr>
+      </p:sp>
+      <p:sp>
+        <p:nvSpPr>
+          <p:cNvPr id="3" name="Notes Placeholder 2"/>
+          <p:cNvSpPr>
+            <a:spLocks noGrp="1"/>
+          </p:cNvSpPr>
+          <p:nvPr>
+            <p:ph type="body" idx="1"/>
+          </p:nvPr>
+        </p:nvSpPr>
+        <p:spPr/>
+        <p:txBody>
+          <a:bodyPr/>
+          <a:lstStyle/>
+          <a:p>
+            <a:r>
+              <a:rPr lang="en-US" dirty="0"/>
+              <a:t>DANIEL</a:t>
+            </a:r>
+          </a:p>
+        </p:txBody>
+      </p:sp>
+      <p:sp>
+        <p:nvSpPr>
+          <p:cNvPr id="4" name="Slide Number Placeholder 3"/>
+          <p:cNvSpPr>
+            <a:spLocks noGrp="1"/>
+          </p:cNvSpPr>
+          <p:nvPr>
+            <p:ph type="sldNum" sz="quarter" idx="5"/>
+          </p:nvPr>
+        </p:nvSpPr>
+        <p:spPr/>
+        <p:txBody>
+          <a:bodyPr/>
+          <a:lstStyle/>
+          <a:p>
+            <a:pPr lvl="0"/>
+            <a:fld id="{22847C3A-B921-40BA-90EA-4B4DFF1624A0}" type="slidenum">
+              <a:rPr lang="en-US" smtClean="0"/>
+              <a:t>6</a:t>
+            </a:fld>
+            <a:endParaRPr lang="en-US"/>
+          </a:p>
+        </p:txBody>
+      </p:sp>
+    </p:spTree>
+    <p:extLst>
+      <p:ext uri="{BB962C8B-B14F-4D97-AF65-F5344CB8AC3E}">
+        <p14:creationId xmlns:p14="http://schemas.microsoft.com/office/powerpoint/2010/main" val="1792557292"/>
+      </p:ext>
+    </p:extLst>
+  </p:cSld>
+  <p:clrMapOvr>
+    <a:masterClrMapping/>
+  </p:clrMapOvr>
+</p:notes>
+</file>
+
+<file path=ppt/notesSlides/notesSlide7.xml><?xml version="1.0" encoding="utf-8"?>
+<p:notes xmlns:a="http://schemas.openxmlformats.org/drawingml/2006/main" xmlns:r="http://schemas.openxmlformats.org/officeDocument/2006/relationships" xmlns:p="http://schemas.openxmlformats.org/presentationml/2006/main">
+  <p:cSld>
+    <p:spTree>
+      <p:nvGrpSpPr>
+        <p:cNvPr id="1" name=""/>
+        <p:cNvGrpSpPr/>
+        <p:nvPr/>
+      </p:nvGrpSpPr>
+      <p:grpSpPr>
+        <a:xfrm>
+          <a:off x="0" y="0"/>
+          <a:ext cx="0" cy="0"/>
+          <a:chOff x="0" y="0"/>
+          <a:chExt cx="0" cy="0"/>
+        </a:xfrm>
+      </p:grpSpPr>
+      <p:sp>
+        <p:nvSpPr>
+          <p:cNvPr id="2" name="Slide Image Placeholder 1"/>
+          <p:cNvSpPr>
+            <a:spLocks noGrp="1" noRot="1" noChangeAspect="1"/>
+          </p:cNvSpPr>
+          <p:nvPr>
+            <p:ph type="sldImg"/>
+          </p:nvPr>
+        </p:nvSpPr>
+        <p:spPr>
+          <a:xfrm>
+            <a:off x="685800" y="1143000"/>
+            <a:ext cx="5486400" cy="3086100"/>
+          </a:xfrm>
+        </p:spPr>
+      </p:sp>
+      <p:sp>
+        <p:nvSpPr>
+          <p:cNvPr id="3" name="Notes Placeholder 2"/>
+          <p:cNvSpPr>
+            <a:spLocks noGrp="1"/>
+          </p:cNvSpPr>
+          <p:nvPr>
+            <p:ph type="body" idx="1"/>
+          </p:nvPr>
+        </p:nvSpPr>
+        <p:spPr/>
+        <p:txBody>
+          <a:bodyPr/>
+          <a:lstStyle/>
+          <a:p>
+            <a:r>
+              <a:rPr lang="en-US" dirty="0"/>
+              <a:t>DANIEL</a:t>
+            </a:r>
+          </a:p>
+        </p:txBody>
+      </p:sp>
+      <p:sp>
+        <p:nvSpPr>
+          <p:cNvPr id="4" name="Slide Number Placeholder 3"/>
+          <p:cNvSpPr>
+            <a:spLocks noGrp="1"/>
+          </p:cNvSpPr>
+          <p:nvPr>
+            <p:ph type="sldNum" sz="quarter" idx="5"/>
+          </p:nvPr>
+        </p:nvSpPr>
+        <p:spPr/>
+        <p:txBody>
+          <a:bodyPr/>
+          <a:lstStyle/>
+          <a:p>
+            <a:pPr lvl="0"/>
+            <a:fld id="{22847C3A-B921-40BA-90EA-4B4DFF1624A0}" type="slidenum">
+              <a:rPr lang="en-US" smtClean="0"/>
+              <a:t>7</a:t>
+            </a:fld>
+            <a:endParaRPr lang="en-US"/>
+          </a:p>
+        </p:txBody>
+      </p:sp>
+    </p:spTree>
+    <p:extLst>
+      <p:ext uri="{BB962C8B-B14F-4D97-AF65-F5344CB8AC3E}">
+        <p14:creationId xmlns:p14="http://schemas.microsoft.com/office/powerpoint/2010/main" val="397242925"/>
+      </p:ext>
+    </p:extLst>
+  </p:cSld>
+  <p:clrMapOvr>
+    <a:masterClrMapping/>
+  </p:clrMapOvr>
+</p:notes>
+</file>
+
+<file path=ppt/notesSlides/notesSlide8.xml><?xml version="1.0" encoding="utf-8"?>
+<p:notes xmlns:a="http://schemas.openxmlformats.org/drawingml/2006/main" xmlns:r="http://schemas.openxmlformats.org/officeDocument/2006/relationships" xmlns:p="http://schemas.openxmlformats.org/presentationml/2006/main">
+  <p:cSld>
+    <p:spTree>
+      <p:nvGrpSpPr>
+        <p:cNvPr id="1" name=""/>
+        <p:cNvGrpSpPr/>
+        <p:nvPr/>
+      </p:nvGrpSpPr>
+      <p:grpSpPr>
+        <a:xfrm>
+          <a:off x="0" y="0"/>
+          <a:ext cx="0" cy="0"/>
+          <a:chOff x="0" y="0"/>
+          <a:chExt cx="0" cy="0"/>
+        </a:xfrm>
+      </p:grpSpPr>
+      <p:sp>
+        <p:nvSpPr>
+          <p:cNvPr id="2" name="Slide Image Placeholder 1"/>
+          <p:cNvSpPr>
+            <a:spLocks noGrp="1" noRot="1" noChangeAspect="1"/>
+          </p:cNvSpPr>
+          <p:nvPr>
+            <p:ph type="sldImg"/>
+          </p:nvPr>
+        </p:nvSpPr>
+        <p:spPr>
+          <a:xfrm>
+            <a:off x="685800" y="1143000"/>
+            <a:ext cx="5486400" cy="3086100"/>
+          </a:xfrm>
+        </p:spPr>
+      </p:sp>
+      <p:sp>
+        <p:nvSpPr>
+          <p:cNvPr id="3" name="Notes Placeholder 2"/>
+          <p:cNvSpPr>
+            <a:spLocks noGrp="1"/>
+          </p:cNvSpPr>
+          <p:nvPr>
+            <p:ph type="body" idx="1"/>
+          </p:nvPr>
+        </p:nvSpPr>
+        <p:spPr/>
+        <p:txBody>
+          <a:bodyPr/>
+          <a:lstStyle/>
+          <a:p>
+            <a:r>
+              <a:rPr lang="en-US" dirty="0"/>
+              <a:t>CAMERON</a:t>
+            </a:r>
+          </a:p>
+        </p:txBody>
+      </p:sp>
+      <p:sp>
+        <p:nvSpPr>
+          <p:cNvPr id="4" name="Slide Number Placeholder 3"/>
+          <p:cNvSpPr>
+            <a:spLocks noGrp="1"/>
+          </p:cNvSpPr>
+          <p:nvPr>
+            <p:ph type="sldNum" sz="quarter" idx="5"/>
+          </p:nvPr>
+        </p:nvSpPr>
+        <p:spPr/>
+        <p:txBody>
+          <a:bodyPr/>
+          <a:lstStyle/>
+          <a:p>
+            <a:pPr lvl="0"/>
+            <a:fld id="{22847C3A-B921-40BA-90EA-4B4DFF1624A0}" type="slidenum">
+              <a:rPr lang="en-US" smtClean="0"/>
+              <a:t>8</a:t>
+            </a:fld>
+            <a:endParaRPr lang="en-US"/>
+          </a:p>
+        </p:txBody>
+      </p:sp>
+    </p:spTree>
+    <p:extLst>
+      <p:ext uri="{BB962C8B-B14F-4D97-AF65-F5344CB8AC3E}">
+        <p14:creationId xmlns:p14="http://schemas.microsoft.com/office/powerpoint/2010/main" val="2025635492"/>
+      </p:ext>
+    </p:extLst>
+  </p:cSld>
+  <p:clrMapOvr>
+    <a:masterClrMapping/>
+  </p:clrMapOvr>
+</p:notes>
+</file>
+
+<file path=ppt/notesSlides/notesSlide9.xml><?xml version="1.0" encoding="utf-8"?>
+<p:notes xmlns:a="http://schemas.openxmlformats.org/drawingml/2006/main" xmlns:r="http://schemas.openxmlformats.org/officeDocument/2006/relationships" xmlns:p="http://schemas.openxmlformats.org/presentationml/2006/main">
+  <p:cSld>
+    <p:spTree>
+      <p:nvGrpSpPr>
+        <p:cNvPr id="1" name=""/>
+        <p:cNvGrpSpPr/>
+        <p:nvPr/>
+      </p:nvGrpSpPr>
+      <p:grpSpPr>
+        <a:xfrm>
+          <a:off x="0" y="0"/>
+          <a:ext cx="0" cy="0"/>
+          <a:chOff x="0" y="0"/>
+          <a:chExt cx="0" cy="0"/>
+        </a:xfrm>
+      </p:grpSpPr>
+      <p:sp>
+        <p:nvSpPr>
+          <p:cNvPr id="2" name="Slide Image Placeholder 1"/>
+          <p:cNvSpPr>
+            <a:spLocks noGrp="1" noRot="1" noChangeAspect="1"/>
+          </p:cNvSpPr>
+          <p:nvPr>
+            <p:ph type="sldImg"/>
+          </p:nvPr>
+        </p:nvSpPr>
+        <p:spPr>
+          <a:xfrm>
+            <a:off x="685800" y="1143000"/>
+            <a:ext cx="5486400" cy="3086100"/>
+          </a:xfrm>
+        </p:spPr>
+      </p:sp>
+      <p:sp>
+        <p:nvSpPr>
+          <p:cNvPr id="3" name="Notes Placeholder 2"/>
+          <p:cNvSpPr>
+            <a:spLocks noGrp="1"/>
+          </p:cNvSpPr>
+          <p:nvPr>
+            <p:ph type="body" idx="1"/>
+          </p:nvPr>
+        </p:nvSpPr>
+        <p:spPr/>
+        <p:txBody>
+          <a:bodyPr/>
+          <a:lstStyle/>
+          <a:p>
+            <a:r>
+              <a:rPr lang="en-US" dirty="0"/>
+              <a:t>CAMERON</a:t>
+            </a:r>
+          </a:p>
+        </p:txBody>
+      </p:sp>
+      <p:sp>
+        <p:nvSpPr>
+          <p:cNvPr id="4" name="Slide Number Placeholder 3"/>
+          <p:cNvSpPr>
+            <a:spLocks noGrp="1"/>
+          </p:cNvSpPr>
+          <p:nvPr>
+            <p:ph type="sldNum" sz="quarter" idx="5"/>
+          </p:nvPr>
+        </p:nvSpPr>
+        <p:spPr/>
+        <p:txBody>
+          <a:bodyPr/>
+          <a:lstStyle/>
+          <a:p>
+            <a:pPr lvl="0"/>
+            <a:fld id="{22847C3A-B921-40BA-90EA-4B4DFF1624A0}" type="slidenum">
+              <a:rPr lang="en-US" smtClean="0"/>
+              <a:t>9</a:t>
+            </a:fld>
+            <a:endParaRPr lang="en-US"/>
+          </a:p>
+        </p:txBody>
+      </p:sp>
+    </p:spTree>
+    <p:extLst>
+      <p:ext uri="{BB962C8B-B14F-4D97-AF65-F5344CB8AC3E}">
+        <p14:creationId xmlns:p14="http://schemas.microsoft.com/office/powerpoint/2010/main" val="2330532675"/>
       </p:ext>
     </p:extLst>
   </p:cSld>
@@ -12983,7 +15939,7 @@
           <p:nvPr/>
         </p:nvPicPr>
         <p:blipFill>
-          <a:blip r:embed="rId2">
+          <a:blip r:embed="rId3">
             <a:extLst>
               <a:ext uri="{28A0092B-C50C-407E-A947-70E740481C1C}">
                 <a14:useLocalDpi xmlns:a14="http://schemas.microsoft.com/office/drawing/2010/main" val="0"/>
@@ -13019,7 +15975,7 @@
           <p:nvPr/>
         </p:nvPicPr>
         <p:blipFill>
-          <a:blip r:embed="rId3">
+          <a:blip r:embed="rId4">
             <a:extLst>
               <a:ext uri="{28A0092B-C50C-407E-A947-70E740481C1C}">
                 <a14:useLocalDpi xmlns:a14="http://schemas.microsoft.com/office/drawing/2010/main" val="0"/>
@@ -13282,10 +16238,10 @@
           <p:nvPr/>
         </p:nvPicPr>
         <p:blipFill>
-          <a:blip r:embed="rId4">
+          <a:blip r:embed="rId5">
             <a:extLst>
               <a:ext uri="{96DAC541-7B7A-43D3-8B79-37D633B846F1}">
-                <asvg:svgBlip xmlns:asvg="http://schemas.microsoft.com/office/drawing/2016/SVG/main" r:embed="rId5"/>
+                <asvg:svgBlip xmlns:asvg="http://schemas.microsoft.com/office/drawing/2016/SVG/main" r:embed="rId6"/>
               </a:ext>
             </a:extLst>
           </a:blip>
@@ -13563,7 +16519,7 @@
           <p:nvPr/>
         </p:nvPicPr>
         <p:blipFill>
-          <a:blip r:embed="rId2">
+          <a:blip r:embed="rId3">
             <a:extLst>
               <a:ext uri="{28A0092B-C50C-407E-A947-70E740481C1C}">
                 <a14:useLocalDpi xmlns:a14="http://schemas.microsoft.com/office/drawing/2010/main" val="0"/>
@@ -13599,7 +16555,7 @@
           <p:nvPr/>
         </p:nvPicPr>
         <p:blipFill>
-          <a:blip r:embed="rId3">
+          <a:blip r:embed="rId4">
             <a:extLst>
               <a:ext uri="{28A0092B-C50C-407E-A947-70E740481C1C}">
                 <a14:useLocalDpi xmlns:a14="http://schemas.microsoft.com/office/drawing/2010/main" val="0"/>
@@ -13739,10 +16695,10 @@
           <p:nvPr/>
         </p:nvPicPr>
         <p:blipFill>
-          <a:blip r:embed="rId4">
+          <a:blip r:embed="rId5">
             <a:extLst>
               <a:ext uri="{96DAC541-7B7A-43D3-8B79-37D633B846F1}">
-                <asvg:svgBlip xmlns:asvg="http://schemas.microsoft.com/office/drawing/2016/SVG/main" r:embed="rId5"/>
+                <asvg:svgBlip xmlns:asvg="http://schemas.microsoft.com/office/drawing/2016/SVG/main" r:embed="rId6"/>
               </a:ext>
             </a:extLst>
           </a:blip>
@@ -14012,7 +16968,7 @@
           <p:nvPr/>
         </p:nvPicPr>
         <p:blipFill>
-          <a:blip r:embed="rId2">
+          <a:blip r:embed="rId3">
             <a:extLst>
               <a:ext uri="{28A0092B-C50C-407E-A947-70E740481C1C}">
                 <a14:useLocalDpi xmlns:a14="http://schemas.microsoft.com/office/drawing/2010/main" val="0"/>
@@ -14048,7 +17004,7 @@
           <p:nvPr/>
         </p:nvPicPr>
         <p:blipFill>
-          <a:blip r:embed="rId3">
+          <a:blip r:embed="rId4">
             <a:extLst>
               <a:ext uri="{28A0092B-C50C-407E-A947-70E740481C1C}">
                 <a14:useLocalDpi xmlns:a14="http://schemas.microsoft.com/office/drawing/2010/main" val="0"/>
@@ -14188,10 +17144,10 @@
           <p:nvPr/>
         </p:nvPicPr>
         <p:blipFill>
-          <a:blip r:embed="rId4">
+          <a:blip r:embed="rId5">
             <a:extLst>
               <a:ext uri="{96DAC541-7B7A-43D3-8B79-37D633B846F1}">
-                <asvg:svgBlip xmlns:asvg="http://schemas.microsoft.com/office/drawing/2016/SVG/main" r:embed="rId5"/>
+                <asvg:svgBlip xmlns:asvg="http://schemas.microsoft.com/office/drawing/2016/SVG/main" r:embed="rId6"/>
               </a:ext>
             </a:extLst>
           </a:blip>
@@ -14224,10 +17180,10 @@
           <p:nvPr/>
         </p:nvPicPr>
         <p:blipFill>
-          <a:blip r:embed="rId4">
+          <a:blip r:embed="rId5">
             <a:extLst>
               <a:ext uri="{96DAC541-7B7A-43D3-8B79-37D633B846F1}">
-                <asvg:svgBlip xmlns:asvg="http://schemas.microsoft.com/office/drawing/2016/SVG/main" r:embed="rId5"/>
+                <asvg:svgBlip xmlns:asvg="http://schemas.microsoft.com/office/drawing/2016/SVG/main" r:embed="rId6"/>
               </a:ext>
             </a:extLst>
           </a:blip>
@@ -14521,7 +17477,7 @@
           <p:nvPr/>
         </p:nvPicPr>
         <p:blipFill>
-          <a:blip r:embed="rId2">
+          <a:blip r:embed="rId3">
             <a:extLst>
               <a:ext uri="{28A0092B-C50C-407E-A947-70E740481C1C}">
                 <a14:useLocalDpi xmlns:a14="http://schemas.microsoft.com/office/drawing/2010/main" val="0"/>
@@ -14557,7 +17513,7 @@
           <p:nvPr/>
         </p:nvPicPr>
         <p:blipFill>
-          <a:blip r:embed="rId3">
+          <a:blip r:embed="rId4">
             <a:extLst>
               <a:ext uri="{28A0092B-C50C-407E-A947-70E740481C1C}">
                 <a14:useLocalDpi xmlns:a14="http://schemas.microsoft.com/office/drawing/2010/main" val="0"/>
@@ -14697,10 +17653,10 @@
           <p:nvPr/>
         </p:nvPicPr>
         <p:blipFill>
-          <a:blip r:embed="rId4">
+          <a:blip r:embed="rId5">
             <a:extLst>
               <a:ext uri="{96DAC541-7B7A-43D3-8B79-37D633B846F1}">
-                <asvg:svgBlip xmlns:asvg="http://schemas.microsoft.com/office/drawing/2016/SVG/main" r:embed="rId5"/>
+                <asvg:svgBlip xmlns:asvg="http://schemas.microsoft.com/office/drawing/2016/SVG/main" r:embed="rId6"/>
               </a:ext>
             </a:extLst>
           </a:blip>
@@ -14733,10 +17689,10 @@
           <p:nvPr/>
         </p:nvPicPr>
         <p:blipFill>
-          <a:blip r:embed="rId4">
+          <a:blip r:embed="rId5">
             <a:extLst>
               <a:ext uri="{96DAC541-7B7A-43D3-8B79-37D633B846F1}">
-                <asvg:svgBlip xmlns:asvg="http://schemas.microsoft.com/office/drawing/2016/SVG/main" r:embed="rId5"/>
+                <asvg:svgBlip xmlns:asvg="http://schemas.microsoft.com/office/drawing/2016/SVG/main" r:embed="rId6"/>
               </a:ext>
             </a:extLst>
           </a:blip>
@@ -15024,7 +17980,7 @@
           <p:nvPr/>
         </p:nvPicPr>
         <p:blipFill>
-          <a:blip r:embed="rId2">
+          <a:blip r:embed="rId3">
             <a:extLst>
               <a:ext uri="{28A0092B-C50C-407E-A947-70E740481C1C}">
                 <a14:useLocalDpi xmlns:a14="http://schemas.microsoft.com/office/drawing/2010/main" val="0"/>
@@ -15060,7 +18016,7 @@
           <p:nvPr/>
         </p:nvPicPr>
         <p:blipFill>
-          <a:blip r:embed="rId3">
+          <a:blip r:embed="rId4">
             <a:extLst>
               <a:ext uri="{28A0092B-C50C-407E-A947-70E740481C1C}">
                 <a14:useLocalDpi xmlns:a14="http://schemas.microsoft.com/office/drawing/2010/main" val="0"/>
@@ -15361,10 +18317,10 @@
           <p:nvPr/>
         </p:nvPicPr>
         <p:blipFill>
-          <a:blip r:embed="rId4">
+          <a:blip r:embed="rId5">
             <a:extLst>
               <a:ext uri="{96DAC541-7B7A-43D3-8B79-37D633B846F1}">
-                <asvg:svgBlip xmlns:asvg="http://schemas.microsoft.com/office/drawing/2016/SVG/main" r:embed="rId5"/>
+                <asvg:svgBlip xmlns:asvg="http://schemas.microsoft.com/office/drawing/2016/SVG/main" r:embed="rId6"/>
               </a:ext>
             </a:extLst>
           </a:blip>
@@ -15549,7 +18505,7 @@
           <p:nvPr/>
         </p:nvPicPr>
         <p:blipFill>
-          <a:blip r:embed="rId2">
+          <a:blip r:embed="rId3">
             <a:extLst>
               <a:ext uri="{28A0092B-C50C-407E-A947-70E740481C1C}">
                 <a14:useLocalDpi xmlns:a14="http://schemas.microsoft.com/office/drawing/2010/main" val="0"/>
@@ -15585,7 +18541,7 @@
           <p:nvPr/>
         </p:nvPicPr>
         <p:blipFill>
-          <a:blip r:embed="rId3">
+          <a:blip r:embed="rId4">
             <a:extLst>
               <a:ext uri="{28A0092B-C50C-407E-A947-70E740481C1C}">
                 <a14:useLocalDpi xmlns:a14="http://schemas.microsoft.com/office/drawing/2010/main" val="0"/>
@@ -15829,10 +18785,10 @@
           <p:nvPr/>
         </p:nvPicPr>
         <p:blipFill>
-          <a:blip r:embed="rId4">
+          <a:blip r:embed="rId5">
             <a:extLst>
               <a:ext uri="{96DAC541-7B7A-43D3-8B79-37D633B846F1}">
-                <asvg:svgBlip xmlns:asvg="http://schemas.microsoft.com/office/drawing/2016/SVG/main" r:embed="rId5"/>
+                <asvg:svgBlip xmlns:asvg="http://schemas.microsoft.com/office/drawing/2016/SVG/main" r:embed="rId6"/>
               </a:ext>
             </a:extLst>
           </a:blip>
@@ -16261,7 +19217,7 @@
           <p:nvPr/>
         </p:nvPicPr>
         <p:blipFill>
-          <a:blip r:embed="rId2">
+          <a:blip r:embed="rId3">
             <a:extLst>
               <a:ext uri="{28A0092B-C50C-407E-A947-70E740481C1C}">
                 <a14:useLocalDpi xmlns:a14="http://schemas.microsoft.com/office/drawing/2010/main" val="0"/>
@@ -16297,7 +19253,7 @@
           <p:nvPr/>
         </p:nvPicPr>
         <p:blipFill>
-          <a:blip r:embed="rId3">
+          <a:blip r:embed="rId4">
             <a:extLst>
               <a:ext uri="{28A0092B-C50C-407E-A947-70E740481C1C}">
                 <a14:useLocalDpi xmlns:a14="http://schemas.microsoft.com/office/drawing/2010/main" val="0"/>
@@ -16437,10 +19393,10 @@
           <p:nvPr/>
         </p:nvPicPr>
         <p:blipFill>
-          <a:blip r:embed="rId4">
+          <a:blip r:embed="rId5">
             <a:extLst>
               <a:ext uri="{96DAC541-7B7A-43D3-8B79-37D633B846F1}">
-                <asvg:svgBlip xmlns:asvg="http://schemas.microsoft.com/office/drawing/2016/SVG/main" r:embed="rId5"/>
+                <asvg:svgBlip xmlns:asvg="http://schemas.microsoft.com/office/drawing/2016/SVG/main" r:embed="rId6"/>
               </a:ext>
             </a:extLst>
           </a:blip>
@@ -16643,10 +19599,10 @@
           <p:nvPr/>
         </p:nvPicPr>
         <p:blipFill>
-          <a:blip r:embed="rId2">
+          <a:blip r:embed="rId3">
             <a:extLst>
               <a:ext uri="{96DAC541-7B7A-43D3-8B79-37D633B846F1}">
-                <asvg:svgBlip xmlns:asvg="http://schemas.microsoft.com/office/drawing/2016/SVG/main" r:embed="rId3"/>
+                <asvg:svgBlip xmlns:asvg="http://schemas.microsoft.com/office/drawing/2016/SVG/main" r:embed="rId4"/>
               </a:ext>
             </a:extLst>
           </a:blip>
@@ -16770,7 +19726,7 @@
           <p:nvPr/>
         </p:nvPicPr>
         <p:blipFill>
-          <a:blip r:embed="rId4">
+          <a:blip r:embed="rId5">
             <a:extLst>
               <a:ext uri="{28A0092B-C50C-407E-A947-70E740481C1C}">
                 <a14:useLocalDpi xmlns:a14="http://schemas.microsoft.com/office/drawing/2010/main" val="0"/>
@@ -16806,7 +19762,7 @@
           <p:nvPr/>
         </p:nvPicPr>
         <p:blipFill>
-          <a:blip r:embed="rId5">
+          <a:blip r:embed="rId6">
             <a:extLst>
               <a:ext uri="{28A0092B-C50C-407E-A947-70E740481C1C}">
                 <a14:useLocalDpi xmlns:a14="http://schemas.microsoft.com/office/drawing/2010/main" val="0"/>
@@ -16998,10 +19954,10 @@
           <p:nvPr/>
         </p:nvPicPr>
         <p:blipFill>
-          <a:blip r:embed="rId6">
+          <a:blip r:embed="rId7">
             <a:extLst>
               <a:ext uri="{96DAC541-7B7A-43D3-8B79-37D633B846F1}">
-                <asvg:svgBlip xmlns:asvg="http://schemas.microsoft.com/office/drawing/2016/SVG/main" r:embed="rId7"/>
+                <asvg:svgBlip xmlns:asvg="http://schemas.microsoft.com/office/drawing/2016/SVG/main" r:embed="rId8"/>
               </a:ext>
             </a:extLst>
           </a:blip>
@@ -17207,7 +20163,7 @@
           </p:nvPr>
         </p:nvPicPr>
         <p:blipFill>
-          <a:blip r:embed="rId2"/>
+          <a:blip r:embed="rId3"/>
           <a:srcRect/>
           <a:stretch>
             <a:fillRect/>
@@ -18001,10 +20957,10 @@
           <p:nvPr/>
         </p:nvPicPr>
         <p:blipFill>
-          <a:blip r:embed="rId2">
+          <a:blip r:embed="rId3">
             <a:extLst>
               <a:ext uri="{96DAC541-7B7A-43D3-8B79-37D633B846F1}">
-                <asvg:svgBlip xmlns:asvg="http://schemas.microsoft.com/office/drawing/2016/SVG/main" r:embed="rId3"/>
+                <asvg:svgBlip xmlns:asvg="http://schemas.microsoft.com/office/drawing/2016/SVG/main" r:embed="rId4"/>
               </a:ext>
             </a:extLst>
           </a:blip>
@@ -18528,7 +21484,7 @@
 
 <file path=ppt/slides/slide23.xml><?xml version="1.0" encoding="utf-8"?>
 <p:sld xmlns:a="http://schemas.openxmlformats.org/drawingml/2006/main" xmlns:r="http://schemas.openxmlformats.org/officeDocument/2006/relationships" xmlns:p="http://schemas.openxmlformats.org/presentationml/2006/main">
-  <p:cSld name="Slide83">
+  <p:cSld name="Slide84">
     <p:spTree>
       <p:nvGrpSpPr>
         <p:cNvPr id="1" name=""/>
@@ -18548,7 +21504,7 @@
           <p:cNvPr id="4" name="Slide Number Placeholder 3">
             <a:extLst>
               <a:ext uri="{FF2B5EF4-FFF2-40B4-BE49-F238E27FC236}">
-                <a16:creationId xmlns:a16="http://schemas.microsoft.com/office/drawing/2014/main" id="{F5148D83-E9B0-A325-B218-CC3BFA622BD0}"/>
+                <a16:creationId xmlns:a16="http://schemas.microsoft.com/office/drawing/2014/main" id="{9F1538B6-8023-4FC3-CDE4-9DEB51FF7382}"/>
               </a:ext>
             </a:extLst>
           </p:cNvPr>
@@ -18565,7 +21521,7 @@
           <a:lstStyle/>
           <a:p>
             <a:pPr lvl="0"/>
-            <a:fld id="{8BF1129D-3E38-4D23-8704-A33A809F10F7}" type="slidenum">
+            <a:fld id="{BD3F52DB-BDA7-4CDC-85BB-6A8E2499BA83}" type="slidenum">
               <a:rPr lang="en-US"/>
               <a:t>23</a:t>
             </a:fld>
@@ -18578,7 +21534,7 @@
           <p:cNvPr id="5" name="Title 3">
             <a:extLst>
               <a:ext uri="{FF2B5EF4-FFF2-40B4-BE49-F238E27FC236}">
-                <a16:creationId xmlns:a16="http://schemas.microsoft.com/office/drawing/2014/main" id="{2E17FC4D-55E4-2580-CCD9-9D85DC88B30F}"/>
+                <a16:creationId xmlns:a16="http://schemas.microsoft.com/office/drawing/2014/main" id="{3E9E7DEF-A252-9A01-89CC-17525D0B16A7}"/>
               </a:ext>
             </a:extLst>
           </p:cNvPr>
@@ -18641,7 +21597,7 @@
           <p:cNvPr id="6" name="Content Placeholder 2">
             <a:extLst>
               <a:ext uri="{FF2B5EF4-FFF2-40B4-BE49-F238E27FC236}">
-                <a16:creationId xmlns:a16="http://schemas.microsoft.com/office/drawing/2014/main" id="{A2CC5088-7E16-B492-B80A-F4C0CEC36CD2}"/>
+                <a16:creationId xmlns:a16="http://schemas.microsoft.com/office/drawing/2014/main" id="{ECBE9A0A-2E0E-7A3E-9FA1-ECD2260A254D}"/>
               </a:ext>
             </a:extLst>
           </p:cNvPr>
@@ -18876,7 +21832,7 @@
           <p:cNvPr id="9" name="Rectangle: Rounded Corners 8">
             <a:extLst>
               <a:ext uri="{FF2B5EF4-FFF2-40B4-BE49-F238E27FC236}">
-                <a16:creationId xmlns:a16="http://schemas.microsoft.com/office/drawing/2014/main" id="{67A08148-A54E-737D-2E35-2E70B82940AE}"/>
+                <a16:creationId xmlns:a16="http://schemas.microsoft.com/office/drawing/2014/main" id="{D9635DC1-C571-69FA-E7E2-E6192E8C280F}"/>
               </a:ext>
             </a:extLst>
           </p:cNvPr>
@@ -18885,12 +21841,18 @@
         </p:nvSpPr>
         <p:spPr>
           <a:xfrm>
-            <a:off x="2630565" y="2021605"/>
-            <a:ext cx="3382392" cy="1575581"/>
+            <a:off x="1933113" y="3522226"/>
+            <a:ext cx="8325774" cy="799024"/>
           </a:xfrm>
           <a:prstGeom prst="roundRect">
             <a:avLst/>
           </a:prstGeom>
+          <a:solidFill>
+            <a:schemeClr val="accent2">
+              <a:lumMod val="60000"/>
+              <a:lumOff val="40000"/>
+            </a:schemeClr>
+          </a:solidFill>
           <a:ln>
             <a:noFill/>
           </a:ln>
@@ -18915,10 +21877,14 @@
           <a:bodyPr rtlCol="0" anchor="ctr"/>
           <a:lstStyle/>
           <a:p>
-            <a:pPr algn="ctr"/>
-            <a:r>
-              <a:rPr lang="en-US" dirty="0"/>
-              <a:t>More local adjustments during search operations, since searching always starts from the root node and traverses based on key comparisons.</a:t>
+            <a:pPr lvl="0" algn="ctr"/>
+            <a:r>
+              <a:rPr lang="en-US" dirty="0">
+                <a:solidFill>
+                  <a:schemeClr val="tx1"/>
+                </a:solidFill>
+              </a:rPr>
+              <a:t>The main disadvantage of splay trees is that the height of a splay tree can be linear.</a:t>
             </a:r>
           </a:p>
         </p:txBody>
@@ -18928,7 +21894,7 @@
           <p:cNvPr id="10" name="Rectangle: Rounded Corners 9">
             <a:extLst>
               <a:ext uri="{FF2B5EF4-FFF2-40B4-BE49-F238E27FC236}">
-                <a16:creationId xmlns:a16="http://schemas.microsoft.com/office/drawing/2014/main" id="{73FA30BD-4A53-FE63-6D3E-4F42528EBE36}"/>
+                <a16:creationId xmlns:a16="http://schemas.microsoft.com/office/drawing/2014/main" id="{2356FA88-6EAA-122B-DD57-08A988465D43}"/>
               </a:ext>
             </a:extLst>
           </p:cNvPr>
@@ -18937,18 +21903,12 @@
         </p:nvSpPr>
         <p:spPr>
           <a:xfrm>
-            <a:off x="6221902" y="4326804"/>
-            <a:ext cx="3382392" cy="1575581"/>
+            <a:off x="1933113" y="4722405"/>
+            <a:ext cx="8325774" cy="950692"/>
           </a:xfrm>
           <a:prstGeom prst="roundRect">
             <a:avLst/>
           </a:prstGeom>
-          <a:solidFill>
-            <a:schemeClr val="accent2">
-              <a:lumMod val="60000"/>
-              <a:lumOff val="40000"/>
-            </a:schemeClr>
-          </a:solidFill>
           <a:ln>
             <a:noFill/>
           </a:ln>
@@ -18973,14 +21933,122 @@
           <a:bodyPr rtlCol="0" anchor="ctr"/>
           <a:lstStyle/>
           <a:p>
-            <a:pPr algn="ctr"/>
-            <a:r>
-              <a:rPr lang="en-US" dirty="0">
-                <a:solidFill>
-                  <a:schemeClr val="tx1"/>
-                </a:solidFill>
-              </a:rPr>
-              <a:t>Individual operations can be expensive, which is a drawback for real-time applications.</a:t>
+            <a:pPr lvl="0" algn="ctr"/>
+            <a:r>
+              <a:rPr lang="en-US" dirty="0"/>
+              <a:t>After accessing all </a:t>
+            </a:r>
+            <a:r>
+              <a:rPr lang="en-US" i="1" dirty="0"/>
+              <a:t>n</a:t>
+            </a:r>
+            <a:r>
+              <a:rPr lang="en-US" dirty="0"/>
+              <a:t> elements in non-decreasing order, Since the height of a tree corresponds to the worst-case access time, this means that the actual cost of an operation can be slow.</a:t>
+            </a:r>
+          </a:p>
+        </p:txBody>
+      </p:sp>
+      <p:sp>
+        <p:nvSpPr>
+          <p:cNvPr id="11" name="Rectangle: Rounded Corners 10">
+            <a:extLst>
+              <a:ext uri="{FF2B5EF4-FFF2-40B4-BE49-F238E27FC236}">
+                <a16:creationId xmlns:a16="http://schemas.microsoft.com/office/drawing/2014/main" id="{87F57C50-C711-171C-28C4-73EAB1C9270E}"/>
+              </a:ext>
+            </a:extLst>
+          </p:cNvPr>
+          <p:cNvSpPr/>
+          <p:nvPr/>
+        </p:nvSpPr>
+        <p:spPr>
+          <a:xfrm>
+            <a:off x="1933113" y="1674979"/>
+            <a:ext cx="8325774" cy="799024"/>
+          </a:xfrm>
+          <a:prstGeom prst="roundRect">
+            <a:avLst/>
+          </a:prstGeom>
+          <a:ln>
+            <a:noFill/>
+          </a:ln>
+        </p:spPr>
+        <p:style>
+          <a:lnRef idx="2">
+            <a:schemeClr val="accent1">
+              <a:shade val="50000"/>
+            </a:schemeClr>
+          </a:lnRef>
+          <a:fillRef idx="1">
+            <a:schemeClr val="accent1"/>
+          </a:fillRef>
+          <a:effectRef idx="0">
+            <a:schemeClr val="accent1"/>
+          </a:effectRef>
+          <a:fontRef idx="minor">
+            <a:schemeClr val="lt1"/>
+          </a:fontRef>
+        </p:style>
+        <p:txBody>
+          <a:bodyPr rtlCol="0" anchor="ctr"/>
+          <a:lstStyle/>
+          <a:p>
+            <a:pPr lvl="0" algn="ctr"/>
+            <a:r>
+              <a:rPr lang="en-US" dirty="0"/>
+              <a:t>Splay trees can change even when they are accessed in a read-only manner. This complicates the use of splay trees in a multi-threaded environment.</a:t>
+            </a:r>
+          </a:p>
+        </p:txBody>
+      </p:sp>
+      <p:sp>
+        <p:nvSpPr>
+          <p:cNvPr id="12" name="Rectangle: Rounded Corners 11">
+            <a:extLst>
+              <a:ext uri="{FF2B5EF4-FFF2-40B4-BE49-F238E27FC236}">
+                <a16:creationId xmlns:a16="http://schemas.microsoft.com/office/drawing/2014/main" id="{7EB0ED5F-068B-4492-68ED-37B853659D88}"/>
+              </a:ext>
+            </a:extLst>
+          </p:cNvPr>
+          <p:cNvSpPr/>
+          <p:nvPr/>
+        </p:nvSpPr>
+        <p:spPr>
+          <a:xfrm>
+            <a:off x="2973464" y="2497960"/>
+            <a:ext cx="6245071" cy="557683"/>
+          </a:xfrm>
+          <a:prstGeom prst="roundRect">
+            <a:avLst/>
+          </a:prstGeom>
+          <a:ln>
+            <a:noFill/>
+          </a:ln>
+        </p:spPr>
+        <p:style>
+          <a:lnRef idx="2">
+            <a:schemeClr val="accent1">
+              <a:shade val="50000"/>
+            </a:schemeClr>
+          </a:lnRef>
+          <a:fillRef idx="1">
+            <a:schemeClr val="accent1"/>
+          </a:fillRef>
+          <a:effectRef idx="0">
+            <a:schemeClr val="accent1"/>
+          </a:effectRef>
+          <a:fontRef idx="minor">
+            <a:schemeClr val="lt1"/>
+          </a:fontRef>
+        </p:style>
+        <p:txBody>
+          <a:bodyPr rtlCol="0" anchor="ctr"/>
+          <a:lstStyle/>
+          <a:p>
+            <a:pPr lvl="0" algn="ctr"/>
+            <a:r>
+              <a:rPr lang="en-US" sz="1400" dirty="0"/>
+              <a:t>Specifically, extra management is needed if multiple threads are allowed to perform search operations.</a:t>
             </a:r>
           </a:p>
         </p:txBody>
@@ -18995,7 +22063,7 @@
 
 <file path=ppt/slides/slide24.xml><?xml version="1.0" encoding="utf-8"?>
 <p:sld xmlns:a="http://schemas.openxmlformats.org/drawingml/2006/main" xmlns:r="http://schemas.openxmlformats.org/officeDocument/2006/relationships" xmlns:p="http://schemas.openxmlformats.org/presentationml/2006/main">
-  <p:cSld name="Slide84">
+  <p:cSld name="Slide67">
     <p:spTree>
       <p:nvGrpSpPr>
         <p:cNvPr id="1" name=""/>
@@ -19012,10 +22080,70 @@
       </p:grpSpPr>
       <p:sp>
         <p:nvSpPr>
-          <p:cNvPr id="4" name="Slide Number Placeholder 3">
-            <a:extLst>
-              <a:ext uri="{FF2B5EF4-FFF2-40B4-BE49-F238E27FC236}">
-                <a16:creationId xmlns:a16="http://schemas.microsoft.com/office/drawing/2014/main" id="{9F1538B6-8023-4FC3-CDE4-9DEB51FF7382}"/>
+          <p:cNvPr id="2" name="Title 1">
+            <a:extLst>
+              <a:ext uri="{FF2B5EF4-FFF2-40B4-BE49-F238E27FC236}">
+                <a16:creationId xmlns:a16="http://schemas.microsoft.com/office/drawing/2014/main" id="{545D0934-D4F5-4084-B2FE-CD0097891939}"/>
+              </a:ext>
+            </a:extLst>
+          </p:cNvPr>
+          <p:cNvSpPr txBox="1">
+            <a:spLocks noGrp="1"/>
+          </p:cNvSpPr>
+          <p:nvPr>
+            <p:ph type="ctrTitle"/>
+          </p:nvPr>
+        </p:nvSpPr>
+        <p:spPr>
+          <a:xfrm>
+            <a:off x="1524003" y="1177811"/>
+            <a:ext cx="9144000" cy="2340864"/>
+          </a:xfrm>
+        </p:spPr>
+        <p:txBody>
+          <a:bodyPr/>
+          <a:lstStyle/>
+          <a:p>
+            <a:pPr lvl="0"/>
+            <a:r>
+              <a:rPr lang="en-US" spc="400"/>
+              <a:t>Use Cases</a:t>
+            </a:r>
+            <a:endParaRPr lang="en-US"/>
+          </a:p>
+        </p:txBody>
+      </p:sp>
+    </p:spTree>
+  </p:cSld>
+  <p:clrMapOvr>
+    <a:masterClrMapping/>
+  </p:clrMapOvr>
+</p:sld>
+</file>
+
+<file path=ppt/slides/slide25.xml><?xml version="1.0" encoding="utf-8"?>
+<p:sld xmlns:a="http://schemas.openxmlformats.org/drawingml/2006/main" xmlns:r="http://schemas.openxmlformats.org/officeDocument/2006/relationships" xmlns:p="http://schemas.openxmlformats.org/presentationml/2006/main">
+  <p:cSld name="Slide71">
+    <p:spTree>
+      <p:nvGrpSpPr>
+        <p:cNvPr id="1" name=""/>
+        <p:cNvGrpSpPr/>
+        <p:nvPr/>
+      </p:nvGrpSpPr>
+      <p:grpSpPr>
+        <a:xfrm>
+          <a:off x="0" y="0"/>
+          <a:ext cx="0" cy="0"/>
+          <a:chOff x="0" y="0"/>
+          <a:chExt cx="0" cy="0"/>
+        </a:xfrm>
+      </p:grpSpPr>
+      <p:sp>
+        <p:nvSpPr>
+          <p:cNvPr id="3" name="Slide Number Placeholder 5">
+            <a:extLst>
+              <a:ext uri="{FF2B5EF4-FFF2-40B4-BE49-F238E27FC236}">
+                <a16:creationId xmlns:a16="http://schemas.microsoft.com/office/drawing/2014/main" id="{484CE063-A5C7-AD71-EF36-6E7A0E87262A}"/>
               </a:ext>
             </a:extLst>
           </p:cNvPr>
@@ -19032,11 +22160,57 @@
           <a:lstStyle/>
           <a:p>
             <a:pPr lvl="0"/>
-            <a:fld id="{BD3F52DB-BDA7-4CDC-85BB-6A8E2499BA83}" type="slidenum">
-              <a:rPr lang="en-US"/>
-              <a:t>24</a:t>
+            <a:fld id="{5E79FA7B-31D9-40A2-975B-A3A4545E369B}" type="slidenum">
+              <a:rPr lang="en-US">
+                <a:solidFill>
+                  <a:srgbClr val="243FFF"/>
+                </a:solidFill>
+              </a:rPr>
+              <a:t>25</a:t>
             </a:fld>
-            <a:endParaRPr lang="en-US"/>
+            <a:endParaRPr lang="en-US">
+              <a:solidFill>
+                <a:srgbClr val="243FFF"/>
+              </a:solidFill>
+            </a:endParaRPr>
+          </a:p>
+        </p:txBody>
+      </p:sp>
+      <p:sp>
+        <p:nvSpPr>
+          <p:cNvPr id="4" name="Content Placeholder 2">
+            <a:extLst>
+              <a:ext uri="{FF2B5EF4-FFF2-40B4-BE49-F238E27FC236}">
+                <a16:creationId xmlns:a16="http://schemas.microsoft.com/office/drawing/2014/main" id="{E0CF1485-D04A-D980-9361-E10F6C03FC75}"/>
+              </a:ext>
+            </a:extLst>
+          </p:cNvPr>
+          <p:cNvSpPr txBox="1">
+            <a:spLocks noGrp="1"/>
+          </p:cNvSpPr>
+          <p:nvPr>
+            <p:ph idx="1"/>
+          </p:nvPr>
+        </p:nvSpPr>
+        <p:spPr>
+          <a:xfrm>
+            <a:off x="4566453" y="831328"/>
+            <a:ext cx="3059094" cy="500323"/>
+          </a:xfrm>
+        </p:spPr>
+        <p:txBody>
+          <a:bodyPr>
+            <a:normAutofit/>
+          </a:bodyPr>
+          <a:lstStyle/>
+          <a:p>
+            <a:pPr marL="0" lvl="0" indent="0">
+              <a:buNone/>
+            </a:pPr>
+            <a:r>
+              <a:rPr lang="en-US" dirty="0"/>
+              <a:t>Network Routers</a:t>
+            </a:r>
           </a:p>
         </p:txBody>
       </p:sp>
@@ -19045,7 +22219,7 @@
           <p:cNvPr id="5" name="Title 3">
             <a:extLst>
               <a:ext uri="{FF2B5EF4-FFF2-40B4-BE49-F238E27FC236}">
-                <a16:creationId xmlns:a16="http://schemas.microsoft.com/office/drawing/2014/main" id="{3E9E7DEF-A252-9A01-89CC-17525D0B16A7}"/>
+                <a16:creationId xmlns:a16="http://schemas.microsoft.com/office/drawing/2014/main" id="{9AA977A7-87EC-5F3B-DE48-75BE1818FEEC}"/>
               </a:ext>
             </a:extLst>
           </p:cNvPr>
@@ -19091,6 +22265,15 @@
               </a:defRPr>
             </a:pPr>
             <a:r>
+              <a:rPr lang="en-US" sz="1200" dirty="0">
+                <a:solidFill>
+                  <a:srgbClr val="000000"/>
+                </a:solidFill>
+                <a:latin typeface="Univers"/>
+              </a:rPr>
+              <a:t>4</a:t>
+            </a:r>
+            <a:r>
               <a:rPr lang="en-US" sz="1200" b="0" i="0" u="none" strike="noStrike" kern="1200" cap="none" spc="0" baseline="0" dirty="0">
                 <a:solidFill>
                   <a:srgbClr val="000000"/>
@@ -19098,468 +22281,78 @@
                 <a:uFillTx/>
                 <a:latin typeface="Univers"/>
               </a:rPr>
-              <a:t>3. Time Complexity</a:t>
-            </a:r>
-          </a:p>
-        </p:txBody>
-      </p:sp>
-      <p:sp>
-        <p:nvSpPr>
-          <p:cNvPr id="6" name="Content Placeholder 2">
-            <a:extLst>
-              <a:ext uri="{FF2B5EF4-FFF2-40B4-BE49-F238E27FC236}">
-                <a16:creationId xmlns:a16="http://schemas.microsoft.com/office/drawing/2014/main" id="{ECBE9A0A-2E0E-7A3E-9FA1-ECD2260A254D}"/>
-              </a:ext>
-            </a:extLst>
-          </p:cNvPr>
-          <p:cNvSpPr txBox="1">
-            <a:spLocks/>
-          </p:cNvSpPr>
+              <a:t>. Use cases</a:t>
+            </a:r>
+          </a:p>
+        </p:txBody>
+      </p:sp>
+      <p:pic>
+        <p:nvPicPr>
+          <p:cNvPr id="9" name="Picture 8" descr="Diagram&#10;&#10;Description automatically generated">
+            <a:extLst>
+              <a:ext uri="{FF2B5EF4-FFF2-40B4-BE49-F238E27FC236}">
+                <a16:creationId xmlns:a16="http://schemas.microsoft.com/office/drawing/2014/main" id="{AE51EB8C-5978-2EB4-6A1E-74B16FA904CD}"/>
+              </a:ext>
+            </a:extLst>
+          </p:cNvPr>
+          <p:cNvPicPr>
+            <a:picLocks noChangeAspect="1"/>
+          </p:cNvPicPr>
           <p:nvPr/>
-        </p:nvSpPr>
-        <p:spPr>
-          <a:xfrm>
-            <a:off x="838203" y="955615"/>
-            <a:ext cx="10515600" cy="606855"/>
+        </p:nvPicPr>
+        <p:blipFill>
+          <a:blip r:embed="rId3">
+            <a:extLst>
+              <a:ext uri="{28A0092B-C50C-407E-A947-70E740481C1C}">
+                <a14:useLocalDpi xmlns:a14="http://schemas.microsoft.com/office/drawing/2010/main" val="0"/>
+              </a:ext>
+            </a:extLst>
+          </a:blip>
+          <a:stretch>
+            <a:fillRect/>
+          </a:stretch>
+        </p:blipFill>
+        <p:spPr>
+          <a:xfrm>
+            <a:off x="2175028" y="1527320"/>
+            <a:ext cx="8586481" cy="4370519"/>
+          </a:xfrm>
+          <a:prstGeom prst="rect">
+            <a:avLst/>
+          </a:prstGeom>
+        </p:spPr>
+      </p:pic>
+      <p:sp>
+        <p:nvSpPr>
+          <p:cNvPr id="10" name="TextBox 9">
+            <a:extLst>
+              <a:ext uri="{FF2B5EF4-FFF2-40B4-BE49-F238E27FC236}">
+                <a16:creationId xmlns:a16="http://schemas.microsoft.com/office/drawing/2014/main" id="{A22C4CBC-88B8-05F2-0690-EBD215F4A1E3}"/>
+              </a:ext>
+            </a:extLst>
+          </p:cNvPr>
+          <p:cNvSpPr txBox="1"/>
+          <p:nvPr/>
+        </p:nvSpPr>
+        <p:spPr>
+          <a:xfrm>
+            <a:off x="4495612" y="6397690"/>
+            <a:ext cx="3945311" cy="261610"/>
           </a:xfrm>
           <a:prstGeom prst="rect">
             <a:avLst/>
           </a:prstGeom>
           <a:noFill/>
-          <a:ln>
-            <a:noFill/>
-          </a:ln>
-        </p:spPr>
-        <p:txBody>
-          <a:bodyPr vert="horz" wrap="square" lIns="91440" tIns="45720" rIns="91440" bIns="45720" anchor="t" anchorCtr="0" compatLnSpc="1">
-            <a:normAutofit/>
+        </p:spPr>
+        <p:txBody>
+          <a:bodyPr wrap="none" rtlCol="0">
+            <a:spAutoFit/>
           </a:bodyPr>
-          <a:lstStyle>
-            <a:lvl1pPr marL="228600" marR="0" lvl="0" indent="-228600" algn="l" defTabSz="914400" rtl="0" fontAlgn="auto" hangingPunct="1">
-              <a:lnSpc>
-                <a:spcPct val="90000"/>
-              </a:lnSpc>
-              <a:spcBef>
-                <a:spcPts val="1000"/>
-              </a:spcBef>
-              <a:spcAft>
-                <a:spcPts val="0"/>
-              </a:spcAft>
-              <a:buSzPct val="100000"/>
-              <a:buFont typeface="Arial" pitchFamily="34"/>
-              <a:buChar char="•"/>
-              <a:tabLst/>
-              <a:defRPr lang="en-US" sz="2800" b="0" i="0" u="none" strike="noStrike" kern="1200" cap="none" spc="0" baseline="0">
-                <a:solidFill>
-                  <a:srgbClr val="000000"/>
-                </a:solidFill>
-                <a:uFillTx/>
-                <a:latin typeface="Univers"/>
-              </a:defRPr>
-            </a:lvl1pPr>
-            <a:lvl2pPr marL="685800" marR="0" lvl="1" indent="-228600" algn="l" defTabSz="914400" rtl="0" fontAlgn="auto" hangingPunct="1">
-              <a:lnSpc>
-                <a:spcPct val="90000"/>
-              </a:lnSpc>
-              <a:spcBef>
-                <a:spcPts val="500"/>
-              </a:spcBef>
-              <a:spcAft>
-                <a:spcPts val="0"/>
-              </a:spcAft>
-              <a:buSzPct val="100000"/>
-              <a:buFont typeface="Arial" pitchFamily="34"/>
-              <a:buChar char="•"/>
-              <a:tabLst/>
-              <a:defRPr lang="en-US" sz="2400" b="0" i="0" u="none" strike="noStrike" kern="1200" cap="none" spc="0" baseline="0">
-                <a:solidFill>
-                  <a:srgbClr val="000000"/>
-                </a:solidFill>
-                <a:uFillTx/>
-                <a:latin typeface="Univers"/>
-              </a:defRPr>
-            </a:lvl2pPr>
-            <a:lvl3pPr marL="1143000" marR="0" lvl="2" indent="-228600" algn="l" defTabSz="914400" rtl="0" fontAlgn="auto" hangingPunct="1">
-              <a:lnSpc>
-                <a:spcPct val="90000"/>
-              </a:lnSpc>
-              <a:spcBef>
-                <a:spcPts val="500"/>
-              </a:spcBef>
-              <a:spcAft>
-                <a:spcPts val="0"/>
-              </a:spcAft>
-              <a:buSzPct val="100000"/>
-              <a:buFont typeface="Arial" pitchFamily="34"/>
-              <a:buChar char="•"/>
-              <a:tabLst/>
-              <a:defRPr lang="en-US" sz="2000" b="0" i="0" u="none" strike="noStrike" kern="1200" cap="none" spc="0" baseline="0">
-                <a:solidFill>
-                  <a:srgbClr val="000000"/>
-                </a:solidFill>
-                <a:uFillTx/>
-                <a:latin typeface="Univers"/>
-              </a:defRPr>
-            </a:lvl3pPr>
-            <a:lvl4pPr marL="1600200" marR="0" lvl="3" indent="-228600" algn="l" defTabSz="914400" rtl="0" fontAlgn="auto" hangingPunct="1">
-              <a:lnSpc>
-                <a:spcPct val="90000"/>
-              </a:lnSpc>
-              <a:spcBef>
-                <a:spcPts val="500"/>
-              </a:spcBef>
-              <a:spcAft>
-                <a:spcPts val="0"/>
-              </a:spcAft>
-              <a:buSzPct val="100000"/>
-              <a:buFont typeface="Arial" pitchFamily="34"/>
-              <a:buChar char="•"/>
-              <a:tabLst/>
-              <a:defRPr lang="en-US" sz="1800" b="0" i="0" u="none" strike="noStrike" kern="1200" cap="none" spc="0" baseline="0">
-                <a:solidFill>
-                  <a:srgbClr val="000000"/>
-                </a:solidFill>
-                <a:uFillTx/>
-                <a:latin typeface="Univers"/>
-              </a:defRPr>
-            </a:lvl4pPr>
-            <a:lvl5pPr marL="2057400" marR="0" lvl="4" indent="-228600" algn="l" defTabSz="914400" rtl="0" fontAlgn="auto" hangingPunct="1">
-              <a:lnSpc>
-                <a:spcPct val="90000"/>
-              </a:lnSpc>
-              <a:spcBef>
-                <a:spcPts val="500"/>
-              </a:spcBef>
-              <a:spcAft>
-                <a:spcPts val="0"/>
-              </a:spcAft>
-              <a:buSzPct val="100000"/>
-              <a:buFont typeface="Arial" pitchFamily="34"/>
-              <a:buChar char="•"/>
-              <a:tabLst/>
-              <a:defRPr lang="en-US" sz="1800" b="0" i="0" u="none" strike="noStrike" kern="1200" cap="none" spc="0" baseline="0">
-                <a:solidFill>
-                  <a:srgbClr val="000000"/>
-                </a:solidFill>
-                <a:uFillTx/>
-                <a:latin typeface="Univers"/>
-              </a:defRPr>
-            </a:lvl5pPr>
-            <a:lvl6pPr marL="2514600" indent="-228600" algn="l" defTabSz="914400" rtl="0" eaLnBrk="1" latinLnBrk="0" hangingPunct="1">
-              <a:lnSpc>
-                <a:spcPct val="90000"/>
-              </a:lnSpc>
-              <a:spcBef>
-                <a:spcPts val="500"/>
-              </a:spcBef>
-              <a:buFont typeface="Arial" panose="020B0604020202020204" pitchFamily="34" charset="0"/>
-              <a:buChar char="•"/>
-              <a:defRPr sz="1800" kern="1200">
-                <a:solidFill>
-                  <a:schemeClr val="tx1"/>
-                </a:solidFill>
-                <a:latin typeface="+mn-lt"/>
-                <a:ea typeface="+mn-ea"/>
-                <a:cs typeface="+mn-cs"/>
-              </a:defRPr>
-            </a:lvl6pPr>
-            <a:lvl7pPr marL="2971800" indent="-228600" algn="l" defTabSz="914400" rtl="0" eaLnBrk="1" latinLnBrk="0" hangingPunct="1">
-              <a:lnSpc>
-                <a:spcPct val="90000"/>
-              </a:lnSpc>
-              <a:spcBef>
-                <a:spcPts val="500"/>
-              </a:spcBef>
-              <a:buFont typeface="Arial" panose="020B0604020202020204" pitchFamily="34" charset="0"/>
-              <a:buChar char="•"/>
-              <a:defRPr sz="1800" kern="1200">
-                <a:solidFill>
-                  <a:schemeClr val="tx1"/>
-                </a:solidFill>
-                <a:latin typeface="+mn-lt"/>
-                <a:ea typeface="+mn-ea"/>
-                <a:cs typeface="+mn-cs"/>
-              </a:defRPr>
-            </a:lvl7pPr>
-            <a:lvl8pPr marL="3429000" indent="-228600" algn="l" defTabSz="914400" rtl="0" eaLnBrk="1" latinLnBrk="0" hangingPunct="1">
-              <a:lnSpc>
-                <a:spcPct val="90000"/>
-              </a:lnSpc>
-              <a:spcBef>
-                <a:spcPts val="500"/>
-              </a:spcBef>
-              <a:buFont typeface="Arial" panose="020B0604020202020204" pitchFamily="34" charset="0"/>
-              <a:buChar char="•"/>
-              <a:defRPr sz="1800" kern="1200">
-                <a:solidFill>
-                  <a:schemeClr val="tx1"/>
-                </a:solidFill>
-                <a:latin typeface="+mn-lt"/>
-                <a:ea typeface="+mn-ea"/>
-                <a:cs typeface="+mn-cs"/>
-              </a:defRPr>
-            </a:lvl8pPr>
-            <a:lvl9pPr marL="3886200" indent="-228600" algn="l" defTabSz="914400" rtl="0" eaLnBrk="1" latinLnBrk="0" hangingPunct="1">
-              <a:lnSpc>
-                <a:spcPct val="90000"/>
-              </a:lnSpc>
-              <a:spcBef>
-                <a:spcPts val="500"/>
-              </a:spcBef>
-              <a:buFont typeface="Arial" panose="020B0604020202020204" pitchFamily="34" charset="0"/>
-              <a:buChar char="•"/>
-              <a:defRPr sz="1800" kern="1200">
-                <a:solidFill>
-                  <a:schemeClr val="tx1"/>
-                </a:solidFill>
-                <a:latin typeface="+mn-lt"/>
-                <a:ea typeface="+mn-ea"/>
-                <a:cs typeface="+mn-cs"/>
-              </a:defRPr>
-            </a:lvl9pPr>
-          </a:lstStyle>
-          <a:p>
-            <a:pPr marL="0" indent="0" algn="ctr">
-              <a:buFont typeface="Arial" pitchFamily="34"/>
-              <a:buNone/>
-            </a:pPr>
-            <a:r>
-              <a:rPr lang="en-US" sz="2400" dirty="0"/>
-              <a:t>Time Complexity </a:t>
-            </a:r>
-            <a:r>
-              <a:rPr lang="en-US" sz="2400" dirty="0">
-                <a:solidFill>
-                  <a:srgbClr val="C00000"/>
-                </a:solidFill>
-              </a:rPr>
-              <a:t>Disadvantages</a:t>
-            </a:r>
-          </a:p>
-        </p:txBody>
-      </p:sp>
-      <p:sp>
-        <p:nvSpPr>
-          <p:cNvPr id="9" name="Rectangle: Rounded Corners 8">
-            <a:extLst>
-              <a:ext uri="{FF2B5EF4-FFF2-40B4-BE49-F238E27FC236}">
-                <a16:creationId xmlns:a16="http://schemas.microsoft.com/office/drawing/2014/main" id="{D9635DC1-C571-69FA-E7E2-E6192E8C280F}"/>
-              </a:ext>
-            </a:extLst>
-          </p:cNvPr>
-          <p:cNvSpPr/>
-          <p:nvPr/>
-        </p:nvSpPr>
-        <p:spPr>
-          <a:xfrm>
-            <a:off x="1933113" y="3522226"/>
-            <a:ext cx="8325774" cy="799024"/>
-          </a:xfrm>
-          <a:prstGeom prst="roundRect">
-            <a:avLst/>
-          </a:prstGeom>
-          <a:solidFill>
-            <a:schemeClr val="accent2">
-              <a:lumMod val="60000"/>
-              <a:lumOff val="40000"/>
-            </a:schemeClr>
-          </a:solidFill>
-          <a:ln>
-            <a:noFill/>
-          </a:ln>
-        </p:spPr>
-        <p:style>
-          <a:lnRef idx="2">
-            <a:schemeClr val="accent1">
-              <a:shade val="50000"/>
-            </a:schemeClr>
-          </a:lnRef>
-          <a:fillRef idx="1">
-            <a:schemeClr val="accent1"/>
-          </a:fillRef>
-          <a:effectRef idx="0">
-            <a:schemeClr val="accent1"/>
-          </a:effectRef>
-          <a:fontRef idx="minor">
-            <a:schemeClr val="lt1"/>
-          </a:fontRef>
-        </p:style>
-        <p:txBody>
-          <a:bodyPr rtlCol="0" anchor="ctr"/>
           <a:lstStyle/>
           <a:p>
-            <a:pPr lvl="0" algn="ctr"/>
-            <a:r>
-              <a:rPr lang="en-US" dirty="0">
-                <a:solidFill>
-                  <a:schemeClr val="tx1"/>
-                </a:solidFill>
-              </a:rPr>
-              <a:t>The main disadvantage of splay trees is that the height of a splay tree can be linear.</a:t>
-            </a:r>
-          </a:p>
-        </p:txBody>
-      </p:sp>
-      <p:sp>
-        <p:nvSpPr>
-          <p:cNvPr id="10" name="Rectangle: Rounded Corners 9">
-            <a:extLst>
-              <a:ext uri="{FF2B5EF4-FFF2-40B4-BE49-F238E27FC236}">
-                <a16:creationId xmlns:a16="http://schemas.microsoft.com/office/drawing/2014/main" id="{2356FA88-6EAA-122B-DD57-08A988465D43}"/>
-              </a:ext>
-            </a:extLst>
-          </p:cNvPr>
-          <p:cNvSpPr/>
-          <p:nvPr/>
-        </p:nvSpPr>
-        <p:spPr>
-          <a:xfrm>
-            <a:off x="1933113" y="4722405"/>
-            <a:ext cx="8325774" cy="950692"/>
-          </a:xfrm>
-          <a:prstGeom prst="roundRect">
-            <a:avLst/>
-          </a:prstGeom>
-          <a:ln>
-            <a:noFill/>
-          </a:ln>
-        </p:spPr>
-        <p:style>
-          <a:lnRef idx="2">
-            <a:schemeClr val="accent1">
-              <a:shade val="50000"/>
-            </a:schemeClr>
-          </a:lnRef>
-          <a:fillRef idx="1">
-            <a:schemeClr val="accent1"/>
-          </a:fillRef>
-          <a:effectRef idx="0">
-            <a:schemeClr val="accent1"/>
-          </a:effectRef>
-          <a:fontRef idx="minor">
-            <a:schemeClr val="lt1"/>
-          </a:fontRef>
-        </p:style>
-        <p:txBody>
-          <a:bodyPr rtlCol="0" anchor="ctr"/>
-          <a:lstStyle/>
-          <a:p>
-            <a:pPr lvl="0" algn="ctr"/>
-            <a:r>
-              <a:rPr lang="en-US" dirty="0"/>
-              <a:t>After accessing all </a:t>
-            </a:r>
-            <a:r>
-              <a:rPr lang="en-US" i="1" dirty="0"/>
-              <a:t>n</a:t>
-            </a:r>
-            <a:r>
-              <a:rPr lang="en-US" dirty="0"/>
-              <a:t> elements in non-decreasing order, Since the height of a tree corresponds to the worst-case access time, this means that the actual cost of an operation can be slow.</a:t>
-            </a:r>
-          </a:p>
-        </p:txBody>
-      </p:sp>
-      <p:sp>
-        <p:nvSpPr>
-          <p:cNvPr id="11" name="Rectangle: Rounded Corners 10">
-            <a:extLst>
-              <a:ext uri="{FF2B5EF4-FFF2-40B4-BE49-F238E27FC236}">
-                <a16:creationId xmlns:a16="http://schemas.microsoft.com/office/drawing/2014/main" id="{87F57C50-C711-171C-28C4-73EAB1C9270E}"/>
-              </a:ext>
-            </a:extLst>
-          </p:cNvPr>
-          <p:cNvSpPr/>
-          <p:nvPr/>
-        </p:nvSpPr>
-        <p:spPr>
-          <a:xfrm>
-            <a:off x="1933113" y="1674979"/>
-            <a:ext cx="8325774" cy="799024"/>
-          </a:xfrm>
-          <a:prstGeom prst="roundRect">
-            <a:avLst/>
-          </a:prstGeom>
-          <a:ln>
-            <a:noFill/>
-          </a:ln>
-        </p:spPr>
-        <p:style>
-          <a:lnRef idx="2">
-            <a:schemeClr val="accent1">
-              <a:shade val="50000"/>
-            </a:schemeClr>
-          </a:lnRef>
-          <a:fillRef idx="1">
-            <a:schemeClr val="accent1"/>
-          </a:fillRef>
-          <a:effectRef idx="0">
-            <a:schemeClr val="accent1"/>
-          </a:effectRef>
-          <a:fontRef idx="minor">
-            <a:schemeClr val="lt1"/>
-          </a:fontRef>
-        </p:style>
-        <p:txBody>
-          <a:bodyPr rtlCol="0" anchor="ctr"/>
-          <a:lstStyle/>
-          <a:p>
-            <a:pPr lvl="0" algn="ctr"/>
-            <a:r>
-              <a:rPr lang="en-US" dirty="0"/>
-              <a:t>Splay trees can change even when they are accessed in a read-only manner. This complicates the use of splay trees in a multi-threaded environment.</a:t>
-            </a:r>
-          </a:p>
-        </p:txBody>
-      </p:sp>
-      <p:sp>
-        <p:nvSpPr>
-          <p:cNvPr id="12" name="Rectangle: Rounded Corners 11">
-            <a:extLst>
-              <a:ext uri="{FF2B5EF4-FFF2-40B4-BE49-F238E27FC236}">
-                <a16:creationId xmlns:a16="http://schemas.microsoft.com/office/drawing/2014/main" id="{7EB0ED5F-068B-4492-68ED-37B853659D88}"/>
-              </a:ext>
-            </a:extLst>
-          </p:cNvPr>
-          <p:cNvSpPr/>
-          <p:nvPr/>
-        </p:nvSpPr>
-        <p:spPr>
-          <a:xfrm>
-            <a:off x="2973464" y="2497960"/>
-            <a:ext cx="6245071" cy="557683"/>
-          </a:xfrm>
-          <a:prstGeom prst="roundRect">
-            <a:avLst/>
-          </a:prstGeom>
-          <a:ln>
-            <a:noFill/>
-          </a:ln>
-        </p:spPr>
-        <p:style>
-          <a:lnRef idx="2">
-            <a:schemeClr val="accent1">
-              <a:shade val="50000"/>
-            </a:schemeClr>
-          </a:lnRef>
-          <a:fillRef idx="1">
-            <a:schemeClr val="accent1"/>
-          </a:fillRef>
-          <a:effectRef idx="0">
-            <a:schemeClr val="accent1"/>
-          </a:effectRef>
-          <a:fontRef idx="minor">
-            <a:schemeClr val="lt1"/>
-          </a:fontRef>
-        </p:style>
-        <p:txBody>
-          <a:bodyPr rtlCol="0" anchor="ctr"/>
-          <a:lstStyle/>
-          <a:p>
-            <a:pPr lvl="0" algn="ctr"/>
-            <a:r>
-              <a:rPr lang="en-US" sz="1400" dirty="0"/>
-              <a:t>Specifically, extra management is needed if multiple threads are allowed to perform search operations.</a:t>
+            <a:r>
+              <a:rPr lang="en-US" sz="1100" i="1" dirty="0"/>
+              <a:t>https://www.edrawsoft.com/article/home-network-diagram.html</a:t>
             </a:r>
           </a:p>
         </p:txBody>
@@ -19572,9 +22365,9 @@
 </p:sld>
 </file>
 
-<file path=ppt/slides/slide25.xml><?xml version="1.0" encoding="utf-8"?>
+<file path=ppt/slides/slide26.xml><?xml version="1.0" encoding="utf-8"?>
 <p:sld xmlns:a="http://schemas.openxmlformats.org/drawingml/2006/main" xmlns:r="http://schemas.openxmlformats.org/officeDocument/2006/relationships" xmlns:p="http://schemas.openxmlformats.org/presentationml/2006/main">
-  <p:cSld name="Slide67">
+  <p:cSld>
     <p:spTree>
       <p:nvGrpSpPr>
         <p:cNvPr id="1" name=""/>
@@ -19591,66 +22384,6 @@
       </p:grpSpPr>
       <p:sp>
         <p:nvSpPr>
-          <p:cNvPr id="2" name="Title 1">
-            <a:extLst>
-              <a:ext uri="{FF2B5EF4-FFF2-40B4-BE49-F238E27FC236}">
-                <a16:creationId xmlns:a16="http://schemas.microsoft.com/office/drawing/2014/main" id="{545D0934-D4F5-4084-B2FE-CD0097891939}"/>
-              </a:ext>
-            </a:extLst>
-          </p:cNvPr>
-          <p:cNvSpPr txBox="1">
-            <a:spLocks noGrp="1"/>
-          </p:cNvSpPr>
-          <p:nvPr>
-            <p:ph type="ctrTitle"/>
-          </p:nvPr>
-        </p:nvSpPr>
-        <p:spPr>
-          <a:xfrm>
-            <a:off x="1524003" y="1177811"/>
-            <a:ext cx="9144000" cy="2340864"/>
-          </a:xfrm>
-        </p:spPr>
-        <p:txBody>
-          <a:bodyPr/>
-          <a:lstStyle/>
-          <a:p>
-            <a:pPr lvl="0"/>
-            <a:r>
-              <a:rPr lang="en-US" spc="400"/>
-              <a:t>Use Cases</a:t>
-            </a:r>
-            <a:endParaRPr lang="en-US"/>
-          </a:p>
-        </p:txBody>
-      </p:sp>
-    </p:spTree>
-  </p:cSld>
-  <p:clrMapOvr>
-    <a:masterClrMapping/>
-  </p:clrMapOvr>
-</p:sld>
-</file>
-
-<file path=ppt/slides/slide26.xml><?xml version="1.0" encoding="utf-8"?>
-<p:sld xmlns:a="http://schemas.openxmlformats.org/drawingml/2006/main" xmlns:r="http://schemas.openxmlformats.org/officeDocument/2006/relationships" xmlns:p="http://schemas.openxmlformats.org/presentationml/2006/main">
-  <p:cSld name="Slide71">
-    <p:spTree>
-      <p:nvGrpSpPr>
-        <p:cNvPr id="1" name=""/>
-        <p:cNvGrpSpPr/>
-        <p:nvPr/>
-      </p:nvGrpSpPr>
-      <p:grpSpPr>
-        <a:xfrm>
-          <a:off x="0" y="0"/>
-          <a:ext cx="0" cy="0"/>
-          <a:chOff x="0" y="0"/>
-          <a:chExt cx="0" cy="0"/>
-        </a:xfrm>
-      </p:grpSpPr>
-      <p:sp>
-        <p:nvSpPr>
           <p:cNvPr id="3" name="Slide Number Placeholder 5">
             <a:extLst>
               <a:ext uri="{FF2B5EF4-FFF2-40B4-BE49-F238E27FC236}">
@@ -19689,48 +22422,10 @@
       </p:sp>
       <p:sp>
         <p:nvSpPr>
-          <p:cNvPr id="4" name="Content Placeholder 2">
-            <a:extLst>
-              <a:ext uri="{FF2B5EF4-FFF2-40B4-BE49-F238E27FC236}">
-                <a16:creationId xmlns:a16="http://schemas.microsoft.com/office/drawing/2014/main" id="{E0CF1485-D04A-D980-9361-E10F6C03FC75}"/>
-              </a:ext>
-            </a:extLst>
-          </p:cNvPr>
-          <p:cNvSpPr txBox="1">
-            <a:spLocks noGrp="1"/>
-          </p:cNvSpPr>
-          <p:nvPr>
-            <p:ph idx="1"/>
-          </p:nvPr>
-        </p:nvSpPr>
-        <p:spPr>
-          <a:xfrm>
-            <a:off x="4566453" y="831328"/>
-            <a:ext cx="3059094" cy="500323"/>
-          </a:xfrm>
-        </p:spPr>
-        <p:txBody>
-          <a:bodyPr>
-            <a:normAutofit/>
-          </a:bodyPr>
-          <a:lstStyle/>
-          <a:p>
-            <a:pPr marL="0" lvl="0" indent="0">
-              <a:buNone/>
-            </a:pPr>
-            <a:r>
-              <a:rPr lang="en-US" dirty="0"/>
-              <a:t>Network Routers</a:t>
-            </a:r>
-          </a:p>
-        </p:txBody>
-      </p:sp>
-      <p:sp>
-        <p:nvSpPr>
-          <p:cNvPr id="5" name="Title 3">
-            <a:extLst>
-              <a:ext uri="{FF2B5EF4-FFF2-40B4-BE49-F238E27FC236}">
-                <a16:creationId xmlns:a16="http://schemas.microsoft.com/office/drawing/2014/main" id="{9AA977A7-87EC-5F3B-DE48-75BE1818FEEC}"/>
+          <p:cNvPr id="7" name="Title 3">
+            <a:extLst>
+              <a:ext uri="{FF2B5EF4-FFF2-40B4-BE49-F238E27FC236}">
+                <a16:creationId xmlns:a16="http://schemas.microsoft.com/office/drawing/2014/main" id="{DCAE3721-3B02-56AD-FC17-B08B3D76F8F0}"/>
               </a:ext>
             </a:extLst>
           </p:cNvPr>
@@ -19797,63 +22492,154 @@
           </a:p>
         </p:txBody>
       </p:sp>
+      <p:sp>
+        <p:nvSpPr>
+          <p:cNvPr id="14" name="Content Placeholder 13">
+            <a:extLst>
+              <a:ext uri="{FF2B5EF4-FFF2-40B4-BE49-F238E27FC236}">
+                <a16:creationId xmlns:a16="http://schemas.microsoft.com/office/drawing/2014/main" id="{253B76E1-75FD-2C1A-4ABD-C3DE26AD5EF4}"/>
+              </a:ext>
+            </a:extLst>
+          </p:cNvPr>
+          <p:cNvSpPr>
+            <a:spLocks noGrp="1"/>
+          </p:cNvSpPr>
+          <p:nvPr>
+            <p:ph idx="1"/>
+          </p:nvPr>
+        </p:nvSpPr>
+        <p:spPr>
+          <a:xfrm>
+            <a:off x="838203" y="878889"/>
+            <a:ext cx="5766783" cy="5166804"/>
+          </a:xfrm>
+        </p:spPr>
+        <p:txBody>
+          <a:bodyPr>
+            <a:normAutofit lnSpcReduction="10000"/>
+          </a:bodyPr>
+          <a:lstStyle/>
+          <a:p>
+            <a:r>
+              <a:rPr lang="en-US" sz="2400" dirty="0"/>
+              <a:t>Implementation of caches</a:t>
+            </a:r>
+          </a:p>
+          <a:p>
+            <a:endParaRPr lang="en-US" sz="2400" dirty="0"/>
+          </a:p>
+          <a:p>
+            <a:r>
+              <a:rPr lang="en-US" sz="2400" dirty="0"/>
+              <a:t>Memory allocators</a:t>
+            </a:r>
+          </a:p>
+          <a:p>
+            <a:endParaRPr lang="en-US" sz="2400" dirty="0"/>
+          </a:p>
+          <a:p>
+            <a:r>
+              <a:rPr lang="en-US" sz="2400" dirty="0"/>
+              <a:t>Garbage collectors</a:t>
+            </a:r>
+          </a:p>
+          <a:p>
+            <a:endParaRPr lang="en-US" sz="2400" dirty="0"/>
+          </a:p>
+          <a:p>
+            <a:r>
+              <a:rPr lang="en-US" sz="2400" dirty="0"/>
+              <a:t>Data compression</a:t>
+            </a:r>
+          </a:p>
+          <a:p>
+            <a:endParaRPr lang="en-US" sz="2400" dirty="0"/>
+          </a:p>
+          <a:p>
+            <a:r>
+              <a:rPr lang="en-US" sz="2400" dirty="0"/>
+              <a:t>Ropes (replacement of string used for long text strings)</a:t>
+            </a:r>
+          </a:p>
+          <a:p>
+            <a:endParaRPr lang="en-US" sz="2400" dirty="0"/>
+          </a:p>
+          <a:p>
+            <a:r>
+              <a:rPr lang="en-US" sz="2400" dirty="0"/>
+              <a:t>Windows (in the virtual memory, networking, and file system code)</a:t>
+            </a:r>
+          </a:p>
+        </p:txBody>
+      </p:sp>
       <p:pic>
         <p:nvPicPr>
-          <p:cNvPr id="9" name="Picture 8" descr="Diagram&#10;&#10;Description automatically generated">
-            <a:extLst>
-              <a:ext uri="{FF2B5EF4-FFF2-40B4-BE49-F238E27FC236}">
-                <a16:creationId xmlns:a16="http://schemas.microsoft.com/office/drawing/2014/main" id="{AE51EB8C-5978-2EB4-6A1E-74B16FA904CD}"/>
+          <p:cNvPr id="1026" name="Picture 2" descr="L2 Cache - an overview | ScienceDirect Topics">
+            <a:extLst>
+              <a:ext uri="{FF2B5EF4-FFF2-40B4-BE49-F238E27FC236}">
+                <a16:creationId xmlns:a16="http://schemas.microsoft.com/office/drawing/2014/main" id="{705B2A5C-9BA8-957B-603D-3DEAFADAE81A}"/>
               </a:ext>
             </a:extLst>
           </p:cNvPr>
           <p:cNvPicPr>
-            <a:picLocks noChangeAspect="1"/>
+            <a:picLocks noChangeAspect="1" noChangeArrowheads="1"/>
           </p:cNvPicPr>
           <p:nvPr/>
         </p:nvPicPr>
         <p:blipFill>
-          <a:blip r:embed="rId2">
+          <a:blip r:embed="rId3">
             <a:extLst>
               <a:ext uri="{28A0092B-C50C-407E-A947-70E740481C1C}">
                 <a14:useLocalDpi xmlns:a14="http://schemas.microsoft.com/office/drawing/2010/main" val="0"/>
               </a:ext>
             </a:extLst>
           </a:blip>
+          <a:srcRect/>
           <a:stretch>
             <a:fillRect/>
           </a:stretch>
         </p:blipFill>
-        <p:spPr>
-          <a:xfrm>
-            <a:off x="2175028" y="1527320"/>
-            <a:ext cx="8586481" cy="4370519"/>
-          </a:xfrm>
-          <a:prstGeom prst="rect">
-            <a:avLst/>
-          </a:prstGeom>
-        </p:spPr>
-      </p:pic>
-      <p:sp>
-        <p:nvSpPr>
-          <p:cNvPr id="10" name="TextBox 9">
-            <a:extLst>
-              <a:ext uri="{FF2B5EF4-FFF2-40B4-BE49-F238E27FC236}">
-                <a16:creationId xmlns:a16="http://schemas.microsoft.com/office/drawing/2014/main" id="{A22C4CBC-88B8-05F2-0690-EBD215F4A1E3}"/>
-              </a:ext>
-            </a:extLst>
-          </p:cNvPr>
-          <p:cNvSpPr txBox="1"/>
-          <p:nvPr/>
-        </p:nvSpPr>
-        <p:spPr>
-          <a:xfrm>
-            <a:off x="4495612" y="6397690"/>
-            <a:ext cx="3945311" cy="261610"/>
+        <p:spPr bwMode="auto">
+          <a:xfrm>
+            <a:off x="9031549" y="996103"/>
+            <a:ext cx="2085975" cy="1971675"/>
           </a:xfrm>
           <a:prstGeom prst="rect">
             <a:avLst/>
           </a:prstGeom>
           <a:noFill/>
+          <a:extLst>
+            <a:ext uri="{909E8E84-426E-40DD-AFC4-6F175D3DCCD1}">
+              <a14:hiddenFill xmlns:a14="http://schemas.microsoft.com/office/drawing/2010/main">
+                <a:solidFill>
+                  <a:srgbClr val="FFFFFF"/>
+                </a:solidFill>
+              </a14:hiddenFill>
+            </a:ext>
+          </a:extLst>
+        </p:spPr>
+      </p:pic>
+      <p:sp>
+        <p:nvSpPr>
+          <p:cNvPr id="16" name="TextBox 15">
+            <a:extLst>
+              <a:ext uri="{FF2B5EF4-FFF2-40B4-BE49-F238E27FC236}">
+                <a16:creationId xmlns:a16="http://schemas.microsoft.com/office/drawing/2014/main" id="{6D109355-5E33-A1BD-061B-4838C0C475E5}"/>
+              </a:ext>
+            </a:extLst>
+          </p:cNvPr>
+          <p:cNvSpPr txBox="1"/>
+          <p:nvPr/>
+        </p:nvSpPr>
+        <p:spPr>
+          <a:xfrm>
+            <a:off x="2233268" y="6397690"/>
+            <a:ext cx="3183885" cy="261610"/>
+          </a:xfrm>
+          <a:prstGeom prst="rect">
+            <a:avLst/>
+          </a:prstGeom>
+          <a:noFill/>
         </p:spPr>
         <p:txBody>
           <a:bodyPr wrap="none" rtlCol="0">
@@ -19862,13 +22648,102 @@
           <a:lstStyle/>
           <a:p>
             <a:r>
-              <a:rPr lang="en-US" sz="1100" i="1" dirty="0"/>
-              <a:t>https://www.edrawsoft.com/article/home-network-diagram.html</a:t>
-            </a:r>
+              <a:rPr lang="fr-FR" sz="1100" i="1" dirty="0"/>
+              <a:t>sciencedirect.com/topics/computer-science/l2-cache</a:t>
+            </a:r>
+            <a:endParaRPr lang="en-US" sz="1100" i="1" dirty="0"/>
+          </a:p>
+        </p:txBody>
+      </p:sp>
+      <p:pic>
+        <p:nvPicPr>
+          <p:cNvPr id="1028" name="Picture 4" descr="CitizenChoice">
+            <a:extLst>
+              <a:ext uri="{FF2B5EF4-FFF2-40B4-BE49-F238E27FC236}">
+                <a16:creationId xmlns:a16="http://schemas.microsoft.com/office/drawing/2014/main" id="{88E2E2C9-4B50-CA1C-7B38-5642782CF4D6}"/>
+              </a:ext>
+            </a:extLst>
+          </p:cNvPr>
+          <p:cNvPicPr>
+            <a:picLocks noChangeAspect="1" noChangeArrowheads="1"/>
+          </p:cNvPicPr>
+          <p:nvPr/>
+        </p:nvPicPr>
+        <p:blipFill>
+          <a:blip r:embed="rId4">
+            <a:extLst>
+              <a:ext uri="{28A0092B-C50C-407E-A947-70E740481C1C}">
+                <a14:useLocalDpi xmlns:a14="http://schemas.microsoft.com/office/drawing/2010/main" val="0"/>
+              </a:ext>
+            </a:extLst>
+          </a:blip>
+          <a:srcRect/>
+          <a:stretch>
+            <a:fillRect/>
+          </a:stretch>
+        </p:blipFill>
+        <p:spPr bwMode="auto">
+          <a:xfrm>
+            <a:off x="7100517" y="3485876"/>
+            <a:ext cx="3333750" cy="2105025"/>
+          </a:xfrm>
+          <a:prstGeom prst="rect">
+            <a:avLst/>
+          </a:prstGeom>
+          <a:noFill/>
+          <a:extLst>
+            <a:ext uri="{909E8E84-426E-40DD-AFC4-6F175D3DCCD1}">
+              <a14:hiddenFill xmlns:a14="http://schemas.microsoft.com/office/drawing/2010/main">
+                <a:solidFill>
+                  <a:srgbClr val="FFFFFF"/>
+                </a:solidFill>
+              </a14:hiddenFill>
+            </a:ext>
+          </a:extLst>
+        </p:spPr>
+      </p:pic>
+      <p:sp>
+        <p:nvSpPr>
+          <p:cNvPr id="18" name="TextBox 17">
+            <a:extLst>
+              <a:ext uri="{FF2B5EF4-FFF2-40B4-BE49-F238E27FC236}">
+                <a16:creationId xmlns:a16="http://schemas.microsoft.com/office/drawing/2014/main" id="{AC7A99A2-1C85-8024-F338-02A4172686E9}"/>
+              </a:ext>
+            </a:extLst>
+          </p:cNvPr>
+          <p:cNvSpPr txBox="1"/>
+          <p:nvPr/>
+        </p:nvSpPr>
+        <p:spPr>
+          <a:xfrm>
+            <a:off x="5343020" y="6397690"/>
+            <a:ext cx="5636479" cy="261610"/>
+          </a:xfrm>
+          <a:prstGeom prst="rect">
+            <a:avLst/>
+          </a:prstGeom>
+          <a:noFill/>
+        </p:spPr>
+        <p:txBody>
+          <a:bodyPr wrap="none" rtlCol="0">
+            <a:spAutoFit/>
+          </a:bodyPr>
+          <a:lstStyle/>
+          <a:p>
+            <a:r>
+              <a:rPr lang="fr-FR" sz="1100" i="1" dirty="0"/>
+              <a:t>https://citizenchoice.in/course/computer-networks-theory/Chapter%205/9-data-compression-1</a:t>
+            </a:r>
+            <a:endParaRPr lang="en-US" sz="1100" i="1" dirty="0"/>
           </a:p>
         </p:txBody>
       </p:sp>
     </p:spTree>
+    <p:extLst>
+      <p:ext uri="{BB962C8B-B14F-4D97-AF65-F5344CB8AC3E}">
+        <p14:creationId xmlns:p14="http://schemas.microsoft.com/office/powerpoint/2010/main" val="4239459898"/>
+      </p:ext>
+    </p:extLst>
   </p:cSld>
   <p:clrMapOvr>
     <a:masterClrMapping/>
@@ -19922,392 +22797,6 @@
                 </a:solidFill>
               </a:rPr>
               <a:t>27</a:t>
-            </a:fld>
-            <a:endParaRPr lang="en-US">
-              <a:solidFill>
-                <a:srgbClr val="243FFF"/>
-              </a:solidFill>
-            </a:endParaRPr>
-          </a:p>
-        </p:txBody>
-      </p:sp>
-      <p:sp>
-        <p:nvSpPr>
-          <p:cNvPr id="7" name="Title 3">
-            <a:extLst>
-              <a:ext uri="{FF2B5EF4-FFF2-40B4-BE49-F238E27FC236}">
-                <a16:creationId xmlns:a16="http://schemas.microsoft.com/office/drawing/2014/main" id="{DCAE3721-3B02-56AD-FC17-B08B3D76F8F0}"/>
-              </a:ext>
-            </a:extLst>
-          </p:cNvPr>
-          <p:cNvSpPr txBox="1"/>
-          <p:nvPr/>
-        </p:nvSpPr>
-        <p:spPr>
-          <a:xfrm>
-            <a:off x="1015065" y="6418521"/>
-            <a:ext cx="2678046" cy="240779"/>
-          </a:xfrm>
-          <a:prstGeom prst="rect">
-            <a:avLst/>
-          </a:prstGeom>
-          <a:noFill/>
-          <a:ln cap="flat">
-            <a:noFill/>
-          </a:ln>
-        </p:spPr>
-        <p:txBody>
-          <a:bodyPr vert="horz" wrap="square" lIns="91440" tIns="45720" rIns="91440" bIns="45720" anchor="ctr" anchorCtr="0" compatLnSpc="1">
-            <a:normAutofit fontScale="92500" lnSpcReduction="10000"/>
-          </a:bodyPr>
-          <a:lstStyle/>
-          <a:p>
-            <a:pPr marL="0" marR="0" lvl="0" indent="0" algn="l" defTabSz="914400" rtl="0" fontAlgn="auto" hangingPunct="1">
-              <a:lnSpc>
-                <a:spcPct val="90000"/>
-              </a:lnSpc>
-              <a:spcBef>
-                <a:spcPts val="0"/>
-              </a:spcBef>
-              <a:spcAft>
-                <a:spcPts val="0"/>
-              </a:spcAft>
-              <a:buNone/>
-              <a:tabLst/>
-              <a:defRPr sz="1800" b="0" i="0" u="none" strike="noStrike" kern="0" cap="none" spc="0" baseline="0">
-                <a:solidFill>
-                  <a:srgbClr val="000000"/>
-                </a:solidFill>
-                <a:uFillTx/>
-              </a:defRPr>
-            </a:pPr>
-            <a:r>
-              <a:rPr lang="en-US" sz="1200" dirty="0">
-                <a:solidFill>
-                  <a:srgbClr val="000000"/>
-                </a:solidFill>
-                <a:latin typeface="Univers"/>
-              </a:rPr>
-              <a:t>4</a:t>
-            </a:r>
-            <a:r>
-              <a:rPr lang="en-US" sz="1200" b="0" i="0" u="none" strike="noStrike" kern="1200" cap="none" spc="0" baseline="0" dirty="0">
-                <a:solidFill>
-                  <a:srgbClr val="000000"/>
-                </a:solidFill>
-                <a:uFillTx/>
-                <a:latin typeface="Univers"/>
-              </a:rPr>
-              <a:t>. Use cases</a:t>
-            </a:r>
-          </a:p>
-        </p:txBody>
-      </p:sp>
-      <p:sp>
-        <p:nvSpPr>
-          <p:cNvPr id="14" name="Content Placeholder 13">
-            <a:extLst>
-              <a:ext uri="{FF2B5EF4-FFF2-40B4-BE49-F238E27FC236}">
-                <a16:creationId xmlns:a16="http://schemas.microsoft.com/office/drawing/2014/main" id="{253B76E1-75FD-2C1A-4ABD-C3DE26AD5EF4}"/>
-              </a:ext>
-            </a:extLst>
-          </p:cNvPr>
-          <p:cNvSpPr>
-            <a:spLocks noGrp="1"/>
-          </p:cNvSpPr>
-          <p:nvPr>
-            <p:ph idx="1"/>
-          </p:nvPr>
-        </p:nvSpPr>
-        <p:spPr>
-          <a:xfrm>
-            <a:off x="838203" y="878889"/>
-            <a:ext cx="5766783" cy="5166804"/>
-          </a:xfrm>
-        </p:spPr>
-        <p:txBody>
-          <a:bodyPr>
-            <a:normAutofit lnSpcReduction="10000"/>
-          </a:bodyPr>
-          <a:lstStyle/>
-          <a:p>
-            <a:r>
-              <a:rPr lang="en-US" sz="2400" dirty="0"/>
-              <a:t>Implementation of caches</a:t>
-            </a:r>
-          </a:p>
-          <a:p>
-            <a:endParaRPr lang="en-US" sz="2400" dirty="0"/>
-          </a:p>
-          <a:p>
-            <a:r>
-              <a:rPr lang="en-US" sz="2400" dirty="0"/>
-              <a:t>Memory allocators</a:t>
-            </a:r>
-          </a:p>
-          <a:p>
-            <a:endParaRPr lang="en-US" sz="2400" dirty="0"/>
-          </a:p>
-          <a:p>
-            <a:r>
-              <a:rPr lang="en-US" sz="2400" dirty="0"/>
-              <a:t>Garbage collectors</a:t>
-            </a:r>
-          </a:p>
-          <a:p>
-            <a:endParaRPr lang="en-US" sz="2400" dirty="0"/>
-          </a:p>
-          <a:p>
-            <a:r>
-              <a:rPr lang="en-US" sz="2400" dirty="0"/>
-              <a:t>Data compression</a:t>
-            </a:r>
-          </a:p>
-          <a:p>
-            <a:endParaRPr lang="en-US" sz="2400" dirty="0"/>
-          </a:p>
-          <a:p>
-            <a:r>
-              <a:rPr lang="en-US" sz="2400" dirty="0"/>
-              <a:t>Ropes (replacement of string used for long text strings)</a:t>
-            </a:r>
-          </a:p>
-          <a:p>
-            <a:endParaRPr lang="en-US" sz="2400" dirty="0"/>
-          </a:p>
-          <a:p>
-            <a:r>
-              <a:rPr lang="en-US" sz="2400" dirty="0"/>
-              <a:t>Windows (in the virtual memory, networking, and file system code)</a:t>
-            </a:r>
-          </a:p>
-        </p:txBody>
-      </p:sp>
-      <p:pic>
-        <p:nvPicPr>
-          <p:cNvPr id="1026" name="Picture 2" descr="L2 Cache - an overview | ScienceDirect Topics">
-            <a:extLst>
-              <a:ext uri="{FF2B5EF4-FFF2-40B4-BE49-F238E27FC236}">
-                <a16:creationId xmlns:a16="http://schemas.microsoft.com/office/drawing/2014/main" id="{705B2A5C-9BA8-957B-603D-3DEAFADAE81A}"/>
-              </a:ext>
-            </a:extLst>
-          </p:cNvPr>
-          <p:cNvPicPr>
-            <a:picLocks noChangeAspect="1" noChangeArrowheads="1"/>
-          </p:cNvPicPr>
-          <p:nvPr/>
-        </p:nvPicPr>
-        <p:blipFill>
-          <a:blip r:embed="rId2">
-            <a:extLst>
-              <a:ext uri="{28A0092B-C50C-407E-A947-70E740481C1C}">
-                <a14:useLocalDpi xmlns:a14="http://schemas.microsoft.com/office/drawing/2010/main" val="0"/>
-              </a:ext>
-            </a:extLst>
-          </a:blip>
-          <a:srcRect/>
-          <a:stretch>
-            <a:fillRect/>
-          </a:stretch>
-        </p:blipFill>
-        <p:spPr bwMode="auto">
-          <a:xfrm>
-            <a:off x="9031549" y="996103"/>
-            <a:ext cx="2085975" cy="1971675"/>
-          </a:xfrm>
-          <a:prstGeom prst="rect">
-            <a:avLst/>
-          </a:prstGeom>
-          <a:noFill/>
-          <a:extLst>
-            <a:ext uri="{909E8E84-426E-40DD-AFC4-6F175D3DCCD1}">
-              <a14:hiddenFill xmlns:a14="http://schemas.microsoft.com/office/drawing/2010/main">
-                <a:solidFill>
-                  <a:srgbClr val="FFFFFF"/>
-                </a:solidFill>
-              </a14:hiddenFill>
-            </a:ext>
-          </a:extLst>
-        </p:spPr>
-      </p:pic>
-      <p:sp>
-        <p:nvSpPr>
-          <p:cNvPr id="16" name="TextBox 15">
-            <a:extLst>
-              <a:ext uri="{FF2B5EF4-FFF2-40B4-BE49-F238E27FC236}">
-                <a16:creationId xmlns:a16="http://schemas.microsoft.com/office/drawing/2014/main" id="{6D109355-5E33-A1BD-061B-4838C0C475E5}"/>
-              </a:ext>
-            </a:extLst>
-          </p:cNvPr>
-          <p:cNvSpPr txBox="1"/>
-          <p:nvPr/>
-        </p:nvSpPr>
-        <p:spPr>
-          <a:xfrm>
-            <a:off x="2233268" y="6397690"/>
-            <a:ext cx="3183885" cy="261610"/>
-          </a:xfrm>
-          <a:prstGeom prst="rect">
-            <a:avLst/>
-          </a:prstGeom>
-          <a:noFill/>
-        </p:spPr>
-        <p:txBody>
-          <a:bodyPr wrap="none" rtlCol="0">
-            <a:spAutoFit/>
-          </a:bodyPr>
-          <a:lstStyle/>
-          <a:p>
-            <a:r>
-              <a:rPr lang="fr-FR" sz="1100" i="1" dirty="0"/>
-              <a:t>sciencedirect.com/topics/computer-science/l2-cache</a:t>
-            </a:r>
-            <a:endParaRPr lang="en-US" sz="1100" i="1" dirty="0"/>
-          </a:p>
-        </p:txBody>
-      </p:sp>
-      <p:pic>
-        <p:nvPicPr>
-          <p:cNvPr id="1028" name="Picture 4" descr="CitizenChoice">
-            <a:extLst>
-              <a:ext uri="{FF2B5EF4-FFF2-40B4-BE49-F238E27FC236}">
-                <a16:creationId xmlns:a16="http://schemas.microsoft.com/office/drawing/2014/main" id="{88E2E2C9-4B50-CA1C-7B38-5642782CF4D6}"/>
-              </a:ext>
-            </a:extLst>
-          </p:cNvPr>
-          <p:cNvPicPr>
-            <a:picLocks noChangeAspect="1" noChangeArrowheads="1"/>
-          </p:cNvPicPr>
-          <p:nvPr/>
-        </p:nvPicPr>
-        <p:blipFill>
-          <a:blip r:embed="rId3">
-            <a:extLst>
-              <a:ext uri="{28A0092B-C50C-407E-A947-70E740481C1C}">
-                <a14:useLocalDpi xmlns:a14="http://schemas.microsoft.com/office/drawing/2010/main" val="0"/>
-              </a:ext>
-            </a:extLst>
-          </a:blip>
-          <a:srcRect/>
-          <a:stretch>
-            <a:fillRect/>
-          </a:stretch>
-        </p:blipFill>
-        <p:spPr bwMode="auto">
-          <a:xfrm>
-            <a:off x="7100517" y="3485876"/>
-            <a:ext cx="3333750" cy="2105025"/>
-          </a:xfrm>
-          <a:prstGeom prst="rect">
-            <a:avLst/>
-          </a:prstGeom>
-          <a:noFill/>
-          <a:extLst>
-            <a:ext uri="{909E8E84-426E-40DD-AFC4-6F175D3DCCD1}">
-              <a14:hiddenFill xmlns:a14="http://schemas.microsoft.com/office/drawing/2010/main">
-                <a:solidFill>
-                  <a:srgbClr val="FFFFFF"/>
-                </a:solidFill>
-              </a14:hiddenFill>
-            </a:ext>
-          </a:extLst>
-        </p:spPr>
-      </p:pic>
-      <p:sp>
-        <p:nvSpPr>
-          <p:cNvPr id="18" name="TextBox 17">
-            <a:extLst>
-              <a:ext uri="{FF2B5EF4-FFF2-40B4-BE49-F238E27FC236}">
-                <a16:creationId xmlns:a16="http://schemas.microsoft.com/office/drawing/2014/main" id="{AC7A99A2-1C85-8024-F338-02A4172686E9}"/>
-              </a:ext>
-            </a:extLst>
-          </p:cNvPr>
-          <p:cNvSpPr txBox="1"/>
-          <p:nvPr/>
-        </p:nvSpPr>
-        <p:spPr>
-          <a:xfrm>
-            <a:off x="5343020" y="6397690"/>
-            <a:ext cx="5636479" cy="261610"/>
-          </a:xfrm>
-          <a:prstGeom prst="rect">
-            <a:avLst/>
-          </a:prstGeom>
-          <a:noFill/>
-        </p:spPr>
-        <p:txBody>
-          <a:bodyPr wrap="none" rtlCol="0">
-            <a:spAutoFit/>
-          </a:bodyPr>
-          <a:lstStyle/>
-          <a:p>
-            <a:r>
-              <a:rPr lang="fr-FR" sz="1100" i="1" dirty="0"/>
-              <a:t>https://citizenchoice.in/course/computer-networks-theory/Chapter%205/9-data-compression-1</a:t>
-            </a:r>
-            <a:endParaRPr lang="en-US" sz="1100" i="1" dirty="0"/>
-          </a:p>
-        </p:txBody>
-      </p:sp>
-    </p:spTree>
-    <p:extLst>
-      <p:ext uri="{BB962C8B-B14F-4D97-AF65-F5344CB8AC3E}">
-        <p14:creationId xmlns:p14="http://schemas.microsoft.com/office/powerpoint/2010/main" val="4239459898"/>
-      </p:ext>
-    </p:extLst>
-  </p:cSld>
-  <p:clrMapOvr>
-    <a:masterClrMapping/>
-  </p:clrMapOvr>
-</p:sld>
-</file>
-
-<file path=ppt/slides/slide28.xml><?xml version="1.0" encoding="utf-8"?>
-<p:sld xmlns:a="http://schemas.openxmlformats.org/drawingml/2006/main" xmlns:r="http://schemas.openxmlformats.org/officeDocument/2006/relationships" xmlns:p="http://schemas.openxmlformats.org/presentationml/2006/main">
-  <p:cSld>
-    <p:spTree>
-      <p:nvGrpSpPr>
-        <p:cNvPr id="1" name=""/>
-        <p:cNvGrpSpPr/>
-        <p:nvPr/>
-      </p:nvGrpSpPr>
-      <p:grpSpPr>
-        <a:xfrm>
-          <a:off x="0" y="0"/>
-          <a:ext cx="0" cy="0"/>
-          <a:chOff x="0" y="0"/>
-          <a:chExt cx="0" cy="0"/>
-        </a:xfrm>
-      </p:grpSpPr>
-      <p:sp>
-        <p:nvSpPr>
-          <p:cNvPr id="3" name="Slide Number Placeholder 5">
-            <a:extLst>
-              <a:ext uri="{FF2B5EF4-FFF2-40B4-BE49-F238E27FC236}">
-                <a16:creationId xmlns:a16="http://schemas.microsoft.com/office/drawing/2014/main" id="{484CE063-A5C7-AD71-EF36-6E7A0E87262A}"/>
-              </a:ext>
-            </a:extLst>
-          </p:cNvPr>
-          <p:cNvSpPr txBox="1">
-            <a:spLocks noGrp="1"/>
-          </p:cNvSpPr>
-          <p:nvPr>
-            <p:ph type="sldNum" sz="quarter" idx="8"/>
-          </p:nvPr>
-        </p:nvSpPr>
-        <p:spPr/>
-        <p:txBody>
-          <a:bodyPr/>
-          <a:lstStyle/>
-          <a:p>
-            <a:pPr lvl="0"/>
-            <a:fld id="{5E79FA7B-31D9-40A2-975B-A3A4545E369B}" type="slidenum">
-              <a:rPr lang="en-US">
-                <a:solidFill>
-                  <a:srgbClr val="243FFF"/>
-                </a:solidFill>
-              </a:rPr>
-              <a:t>28</a:t>
             </a:fld>
             <a:endParaRPr lang="en-US">
               <a:solidFill>
@@ -20668,7 +23157,7 @@
           <p:nvPr/>
         </p:nvPicPr>
         <p:blipFill>
-          <a:blip r:embed="rId2">
+          <a:blip r:embed="rId3">
             <a:extLst>
               <a:ext uri="{28A0092B-C50C-407E-A947-70E740481C1C}">
                 <a14:useLocalDpi xmlns:a14="http://schemas.microsoft.com/office/drawing/2010/main" val="0"/>
@@ -20715,7 +23204,7 @@
           <p:nvPr/>
         </p:nvPicPr>
         <p:blipFill>
-          <a:blip r:embed="rId3">
+          <a:blip r:embed="rId4">
             <a:extLst>
               <a:ext uri="{28A0092B-C50C-407E-A947-70E740481C1C}">
                 <a14:useLocalDpi xmlns:a14="http://schemas.microsoft.com/office/drawing/2010/main" val="0"/>
@@ -20832,7 +23321,7 @@
 </p:sld>
 </file>
 
-<file path=ppt/slides/slide29.xml><?xml version="1.0" encoding="utf-8"?>
+<file path=ppt/slides/slide28.xml><?xml version="1.0" encoding="utf-8"?>
 <p:sld xmlns:a="http://schemas.openxmlformats.org/drawingml/2006/main" xmlns:r="http://schemas.openxmlformats.org/officeDocument/2006/relationships" xmlns:p="http://schemas.openxmlformats.org/presentationml/2006/main">
   <p:cSld name="Slide68">
     <p:spTree>
@@ -20966,6 +23455,292 @@
           </a:p>
         </p:txBody>
       </p:sp>
+    </p:spTree>
+  </p:cSld>
+  <p:clrMapOvr>
+    <a:masterClrMapping/>
+  </p:clrMapOvr>
+</p:sld>
+</file>
+
+<file path=ppt/slides/slide29.xml><?xml version="1.0" encoding="utf-8"?>
+<p:sld xmlns:a="http://schemas.openxmlformats.org/drawingml/2006/main" xmlns:r="http://schemas.openxmlformats.org/officeDocument/2006/relationships" xmlns:p="http://schemas.openxmlformats.org/presentationml/2006/main">
+  <p:cSld name="Slide57">
+    <p:spTree>
+      <p:nvGrpSpPr>
+        <p:cNvPr id="1" name=""/>
+        <p:cNvGrpSpPr/>
+        <p:nvPr/>
+      </p:nvGrpSpPr>
+      <p:grpSpPr>
+        <a:xfrm>
+          <a:off x="0" y="0"/>
+          <a:ext cx="0" cy="0"/>
+          <a:chOff x="0" y="0"/>
+          <a:chExt cx="0" cy="0"/>
+        </a:xfrm>
+      </p:grpSpPr>
+      <p:sp>
+        <p:nvSpPr>
+          <p:cNvPr id="2" name="Slide Number Placeholder 23">
+            <a:extLst>
+              <a:ext uri="{FF2B5EF4-FFF2-40B4-BE49-F238E27FC236}">
+                <a16:creationId xmlns:a16="http://schemas.microsoft.com/office/drawing/2014/main" id="{20D3D642-E309-ECB9-04F3-B3172958C9F0}"/>
+              </a:ext>
+            </a:extLst>
+          </p:cNvPr>
+          <p:cNvSpPr txBox="1">
+            <a:spLocks noGrp="1"/>
+          </p:cNvSpPr>
+          <p:nvPr>
+            <p:ph type="sldNum" sz="quarter" idx="8"/>
+          </p:nvPr>
+        </p:nvSpPr>
+        <p:spPr/>
+        <p:txBody>
+          <a:bodyPr/>
+          <a:lstStyle/>
+          <a:p>
+            <a:pPr lvl="0"/>
+            <a:fld id="{B77CB55F-4392-44C7-951F-83B841565C77}" type="slidenum">
+              <a:rPr lang="en-US"/>
+              <a:t>29</a:t>
+            </a:fld>
+            <a:endParaRPr lang="en-US"/>
+          </a:p>
+        </p:txBody>
+      </p:sp>
+      <p:sp>
+        <p:nvSpPr>
+          <p:cNvPr id="3" name="Footer Placeholder 22">
+            <a:extLst>
+              <a:ext uri="{FF2B5EF4-FFF2-40B4-BE49-F238E27FC236}">
+                <a16:creationId xmlns:a16="http://schemas.microsoft.com/office/drawing/2014/main" id="{AE69B451-1B3D-2390-5556-A15C0C4714F2}"/>
+              </a:ext>
+            </a:extLst>
+          </p:cNvPr>
+          <p:cNvSpPr txBox="1">
+            <a:spLocks noGrp="1"/>
+          </p:cNvSpPr>
+          <p:nvPr>
+            <p:ph type="ftr" sz="quarter" idx="9"/>
+          </p:nvPr>
+        </p:nvSpPr>
+        <p:spPr/>
+        <p:txBody>
+          <a:bodyPr/>
+          <a:lstStyle/>
+          <a:p>
+            <a:pPr lvl="0"/>
+            <a:r>
+              <a:rPr lang="en-US"/>
+              <a:t>Splay Tree</a:t>
+            </a:r>
+          </a:p>
+        </p:txBody>
+      </p:sp>
+      <p:pic>
+        <p:nvPicPr>
+          <p:cNvPr id="4" name="Picture Placeholder 8" descr="mountains at sunset">
+            <a:extLst>
+              <a:ext uri="{FF2B5EF4-FFF2-40B4-BE49-F238E27FC236}">
+                <a16:creationId xmlns:a16="http://schemas.microsoft.com/office/drawing/2014/main" id="{29731F22-0214-0E67-9C51-477021AB51F9}"/>
+              </a:ext>
+            </a:extLst>
+          </p:cNvPr>
+          <p:cNvPicPr>
+            <a:picLocks noGrp="1" noChangeAspect="1"/>
+          </p:cNvPicPr>
+          <p:nvPr>
+            <p:ph type="pic" idx="4294967295"/>
+          </p:nvPr>
+        </p:nvPicPr>
+        <p:blipFill>
+          <a:blip r:embed="rId2"/>
+          <a:srcRect t="41" b="41"/>
+          <a:stretch>
+            <a:fillRect/>
+          </a:stretch>
+        </p:blipFill>
+        <p:spPr>
+          <a:xfrm>
+            <a:off x="1777108" y="407502"/>
+            <a:ext cx="1952280" cy="1952280"/>
+          </a:xfrm>
+        </p:spPr>
+      </p:pic>
+      <p:pic>
+        <p:nvPicPr>
+          <p:cNvPr id="5" name="Picture Placeholder 10" descr="mountains at sunset">
+            <a:extLst>
+              <a:ext uri="{FF2B5EF4-FFF2-40B4-BE49-F238E27FC236}">
+                <a16:creationId xmlns:a16="http://schemas.microsoft.com/office/drawing/2014/main" id="{F3F14FFE-FB82-A4F0-D1C6-373802C33E12}"/>
+              </a:ext>
+            </a:extLst>
+          </p:cNvPr>
+          <p:cNvPicPr>
+            <a:picLocks noGrp="1" noChangeAspect="1"/>
+          </p:cNvPicPr>
+          <p:nvPr>
+            <p:ph type="pic" idx="4294967295"/>
+          </p:nvPr>
+        </p:nvPicPr>
+        <p:blipFill>
+          <a:blip r:embed="rId3"/>
+          <a:srcRect t="347" b="347"/>
+          <a:stretch>
+            <a:fillRect/>
+          </a:stretch>
+        </p:blipFill>
+        <p:spPr>
+          <a:xfrm>
+            <a:off x="3528349" y="1972580"/>
+            <a:ext cx="2290069" cy="2273500"/>
+          </a:xfrm>
+        </p:spPr>
+      </p:pic>
+      <p:sp>
+        <p:nvSpPr>
+          <p:cNvPr id="6" name="Title 5">
+            <a:extLst>
+              <a:ext uri="{FF2B5EF4-FFF2-40B4-BE49-F238E27FC236}">
+                <a16:creationId xmlns:a16="http://schemas.microsoft.com/office/drawing/2014/main" id="{75AB9724-505A-DA47-D49A-5D2D01D14A35}"/>
+              </a:ext>
+            </a:extLst>
+          </p:cNvPr>
+          <p:cNvSpPr txBox="1">
+            <a:spLocks noGrp="1"/>
+          </p:cNvSpPr>
+          <p:nvPr>
+            <p:ph type="title"/>
+          </p:nvPr>
+        </p:nvSpPr>
+        <p:spPr/>
+        <p:txBody>
+          <a:bodyPr/>
+          <a:lstStyle/>
+          <a:p>
+            <a:pPr lvl="0"/>
+            <a:r>
+              <a:rPr lang="en-US"/>
+              <a:t>Thank you</a:t>
+            </a:r>
+          </a:p>
+        </p:txBody>
+      </p:sp>
+      <p:sp>
+        <p:nvSpPr>
+          <p:cNvPr id="7" name="Text Placeholder 6">
+            <a:extLst>
+              <a:ext uri="{FF2B5EF4-FFF2-40B4-BE49-F238E27FC236}">
+                <a16:creationId xmlns:a16="http://schemas.microsoft.com/office/drawing/2014/main" id="{97F735B0-D294-085B-0960-96FB124750AE}"/>
+              </a:ext>
+            </a:extLst>
+          </p:cNvPr>
+          <p:cNvSpPr txBox="1">
+            <a:spLocks noGrp="1"/>
+          </p:cNvSpPr>
+          <p:nvPr>
+            <p:ph type="body" idx="4294967295"/>
+          </p:nvPr>
+        </p:nvSpPr>
+        <p:spPr>
+          <a:xfrm>
+            <a:off x="5760720" y="3127248"/>
+            <a:ext cx="5276088" cy="1124712"/>
+          </a:xfrm>
+        </p:spPr>
+        <p:txBody>
+          <a:bodyPr/>
+          <a:lstStyle/>
+          <a:p>
+            <a:pPr marL="0" lvl="0" indent="0" algn="r">
+              <a:buNone/>
+            </a:pPr>
+            <a:r>
+              <a:rPr lang="en-US" sz="1800">
+                <a:solidFill>
+                  <a:srgbClr val="FFFFFF"/>
+                </a:solidFill>
+              </a:rPr>
+              <a:t>Cameron Castillo // Daniel Diaz</a:t>
+            </a:r>
+          </a:p>
+          <a:p>
+            <a:pPr marL="0" lvl="0" indent="0" algn="r">
+              <a:buNone/>
+            </a:pPr>
+            <a:r>
+              <a:rPr lang="en-US" sz="1800">
+                <a:solidFill>
+                  <a:srgbClr val="FFFFFF"/>
+                </a:solidFill>
+              </a:rPr>
+              <a:t>Vincent Zhuang // Carl Kakisis</a:t>
+            </a:r>
+          </a:p>
+        </p:txBody>
+      </p:sp>
+      <p:pic>
+        <p:nvPicPr>
+          <p:cNvPr id="8" name="Picture Placeholder 14" descr="mountains under near dusk sky">
+            <a:extLst>
+              <a:ext uri="{FF2B5EF4-FFF2-40B4-BE49-F238E27FC236}">
+                <a16:creationId xmlns:a16="http://schemas.microsoft.com/office/drawing/2014/main" id="{7DD1120F-630E-A067-E0FC-5DA91C81BC1B}"/>
+              </a:ext>
+            </a:extLst>
+          </p:cNvPr>
+          <p:cNvPicPr>
+            <a:picLocks noGrp="1" noChangeAspect="1"/>
+          </p:cNvPicPr>
+          <p:nvPr>
+            <p:ph type="pic" idx="4294967295"/>
+          </p:nvPr>
+        </p:nvPicPr>
+        <p:blipFill>
+          <a:blip r:embed="rId4"/>
+          <a:srcRect l="16" r="16"/>
+          <a:stretch>
+            <a:fillRect/>
+          </a:stretch>
+        </p:blipFill>
+        <p:spPr>
+          <a:xfrm>
+            <a:off x="1092909" y="4018980"/>
+            <a:ext cx="3854159" cy="2839019"/>
+          </a:xfrm>
+        </p:spPr>
+      </p:pic>
+      <p:pic>
+        <p:nvPicPr>
+          <p:cNvPr id="9" name="Picture Placeholder 12" descr="mountains under the night sky just before dawn">
+            <a:extLst>
+              <a:ext uri="{FF2B5EF4-FFF2-40B4-BE49-F238E27FC236}">
+                <a16:creationId xmlns:a16="http://schemas.microsoft.com/office/drawing/2014/main" id="{B1BCA5D8-BA87-B49F-F2EF-2016B727FD65}"/>
+              </a:ext>
+            </a:extLst>
+          </p:cNvPr>
+          <p:cNvPicPr>
+            <a:picLocks noGrp="1" noChangeAspect="1"/>
+          </p:cNvPicPr>
+          <p:nvPr>
+            <p:ph type="pic" idx="4294967295"/>
+          </p:nvPr>
+        </p:nvPicPr>
+        <p:blipFill>
+          <a:blip r:embed="rId5"/>
+          <a:srcRect t="108" b="108"/>
+          <a:stretch>
+            <a:fillRect/>
+          </a:stretch>
+        </p:blipFill>
+        <p:spPr>
+          <a:xfrm>
+            <a:off x="5579540" y="4386312"/>
+            <a:ext cx="3119292" cy="2462808"/>
+          </a:xfrm>
+        </p:spPr>
+      </p:pic>
     </p:spTree>
   </p:cSld>
   <p:clrMapOvr>
@@ -21036,7 +23811,7 @@
 
 <file path=ppt/slides/slide30.xml><?xml version="1.0" encoding="utf-8"?>
 <p:sld xmlns:a="http://schemas.openxmlformats.org/drawingml/2006/main" xmlns:r="http://schemas.openxmlformats.org/officeDocument/2006/relationships" xmlns:p="http://schemas.openxmlformats.org/presentationml/2006/main">
-  <p:cSld name="Slide57">
+  <p:cSld>
     <p:spTree>
       <p:nvGrpSpPr>
         <p:cNvPr id="1" name=""/>
@@ -21053,10 +23828,10 @@
       </p:grpSpPr>
       <p:sp>
         <p:nvSpPr>
-          <p:cNvPr id="2" name="Slide Number Placeholder 23">
-            <a:extLst>
-              <a:ext uri="{FF2B5EF4-FFF2-40B4-BE49-F238E27FC236}">
-                <a16:creationId xmlns:a16="http://schemas.microsoft.com/office/drawing/2014/main" id="{20D3D642-E309-ECB9-04F3-B3172958C9F0}"/>
+          <p:cNvPr id="2" name="Title 1">
+            <a:extLst>
+              <a:ext uri="{FF2B5EF4-FFF2-40B4-BE49-F238E27FC236}">
+                <a16:creationId xmlns:a16="http://schemas.microsoft.com/office/drawing/2014/main" id="{44282EF9-3737-3E1B-7E67-CF6C3298A2DB}"/>
               </a:ext>
             </a:extLst>
           </p:cNvPr>
@@ -21064,29 +23839,64 @@
             <a:spLocks noGrp="1"/>
           </p:cNvSpPr>
           <p:nvPr>
-            <p:ph type="sldNum" sz="quarter" idx="8"/>
+            <p:ph type="ctrTitle"/>
           </p:nvPr>
         </p:nvSpPr>
-        <p:spPr/>
+        <p:spPr>
+          <a:xfrm>
+            <a:off x="1524003" y="2603799"/>
+            <a:ext cx="9144000" cy="961381"/>
+          </a:xfrm>
+        </p:spPr>
         <p:txBody>
           <a:bodyPr/>
           <a:lstStyle/>
           <a:p>
             <a:pPr lvl="0"/>
-            <a:fld id="{B77CB55F-4392-44C7-951F-83B841565C77}" type="slidenum">
-              <a:rPr lang="en-US"/>
-              <a:t>30</a:t>
-            </a:fld>
-            <a:endParaRPr lang="en-US"/>
-          </a:p>
-        </p:txBody>
-      </p:sp>
-      <p:sp>
-        <p:nvSpPr>
-          <p:cNvPr id="3" name="Footer Placeholder 22">
-            <a:extLst>
-              <a:ext uri="{FF2B5EF4-FFF2-40B4-BE49-F238E27FC236}">
-                <a16:creationId xmlns:a16="http://schemas.microsoft.com/office/drawing/2014/main" id="{AE69B451-1B3D-2390-5556-A15C0C4714F2}"/>
+            <a:r>
+              <a:rPr lang="en-US" spc="400" dirty="0"/>
+              <a:t>Live Code</a:t>
+            </a:r>
+            <a:endParaRPr lang="en-US" dirty="0"/>
+          </a:p>
+        </p:txBody>
+      </p:sp>
+    </p:spTree>
+    <p:extLst>
+      <p:ext uri="{BB962C8B-B14F-4D97-AF65-F5344CB8AC3E}">
+        <p14:creationId xmlns:p14="http://schemas.microsoft.com/office/powerpoint/2010/main" val="1022790528"/>
+      </p:ext>
+    </p:extLst>
+  </p:cSld>
+  <p:clrMapOvr>
+    <a:masterClrMapping/>
+  </p:clrMapOvr>
+</p:sld>
+</file>
+
+<file path=ppt/slides/slide31.xml><?xml version="1.0" encoding="utf-8"?>
+<p:sld xmlns:a="http://schemas.openxmlformats.org/drawingml/2006/main" xmlns:r="http://schemas.openxmlformats.org/officeDocument/2006/relationships" xmlns:p="http://schemas.openxmlformats.org/presentationml/2006/main">
+  <p:cSld>
+    <p:spTree>
+      <p:nvGrpSpPr>
+        <p:cNvPr id="1" name=""/>
+        <p:cNvGrpSpPr/>
+        <p:nvPr/>
+      </p:nvGrpSpPr>
+      <p:grpSpPr>
+        <a:xfrm>
+          <a:off x="0" y="0"/>
+          <a:ext cx="0" cy="0"/>
+          <a:chOff x="0" y="0"/>
+          <a:chExt cx="0" cy="0"/>
+        </a:xfrm>
+      </p:grpSpPr>
+      <p:sp>
+        <p:nvSpPr>
+          <p:cNvPr id="2" name="Title 1">
+            <a:extLst>
+              <a:ext uri="{FF2B5EF4-FFF2-40B4-BE49-F238E27FC236}">
+                <a16:creationId xmlns:a16="http://schemas.microsoft.com/office/drawing/2014/main" id="{44282EF9-3737-3E1B-7E67-CF6C3298A2DB}"/>
               </a:ext>
             </a:extLst>
           </p:cNvPr>
@@ -21094,225 +23904,34 @@
             <a:spLocks noGrp="1"/>
           </p:cNvSpPr>
           <p:nvPr>
-            <p:ph type="ftr" sz="quarter" idx="9"/>
+            <p:ph type="ctrTitle"/>
           </p:nvPr>
         </p:nvSpPr>
-        <p:spPr/>
+        <p:spPr>
+          <a:xfrm>
+            <a:off x="1524003" y="2603799"/>
+            <a:ext cx="9144000" cy="961381"/>
+          </a:xfrm>
+        </p:spPr>
         <p:txBody>
           <a:bodyPr/>
           <a:lstStyle/>
           <a:p>
             <a:pPr lvl="0"/>
             <a:r>
-              <a:rPr lang="en-US"/>
-              <a:t>Splay Tree</a:t>
-            </a:r>
-          </a:p>
-        </p:txBody>
-      </p:sp>
-      <p:pic>
-        <p:nvPicPr>
-          <p:cNvPr id="4" name="Picture Placeholder 8" descr="mountains at sunset">
-            <a:extLst>
-              <a:ext uri="{FF2B5EF4-FFF2-40B4-BE49-F238E27FC236}">
-                <a16:creationId xmlns:a16="http://schemas.microsoft.com/office/drawing/2014/main" id="{29731F22-0214-0E67-9C51-477021AB51F9}"/>
-              </a:ext>
-            </a:extLst>
-          </p:cNvPr>
-          <p:cNvPicPr>
-            <a:picLocks noGrp="1" noChangeAspect="1"/>
-          </p:cNvPicPr>
-          <p:nvPr>
-            <p:ph type="pic" idx="4294967295"/>
-          </p:nvPr>
-        </p:nvPicPr>
-        <p:blipFill>
-          <a:blip r:embed="rId2"/>
-          <a:srcRect t="41" b="41"/>
-          <a:stretch>
-            <a:fillRect/>
-          </a:stretch>
-        </p:blipFill>
-        <p:spPr>
-          <a:xfrm>
-            <a:off x="1777108" y="407502"/>
-            <a:ext cx="1952280" cy="1952280"/>
-          </a:xfrm>
-        </p:spPr>
-      </p:pic>
-      <p:pic>
-        <p:nvPicPr>
-          <p:cNvPr id="5" name="Picture Placeholder 10" descr="mountains at sunset">
-            <a:extLst>
-              <a:ext uri="{FF2B5EF4-FFF2-40B4-BE49-F238E27FC236}">
-                <a16:creationId xmlns:a16="http://schemas.microsoft.com/office/drawing/2014/main" id="{F3F14FFE-FB82-A4F0-D1C6-373802C33E12}"/>
-              </a:ext>
-            </a:extLst>
-          </p:cNvPr>
-          <p:cNvPicPr>
-            <a:picLocks noGrp="1" noChangeAspect="1"/>
-          </p:cNvPicPr>
-          <p:nvPr>
-            <p:ph type="pic" idx="4294967295"/>
-          </p:nvPr>
-        </p:nvPicPr>
-        <p:blipFill>
-          <a:blip r:embed="rId3"/>
-          <a:srcRect t="347" b="347"/>
-          <a:stretch>
-            <a:fillRect/>
-          </a:stretch>
-        </p:blipFill>
-        <p:spPr>
-          <a:xfrm>
-            <a:off x="3528349" y="1972580"/>
-            <a:ext cx="2290069" cy="2273500"/>
-          </a:xfrm>
-        </p:spPr>
-      </p:pic>
-      <p:sp>
-        <p:nvSpPr>
-          <p:cNvPr id="6" name="Title 5">
-            <a:extLst>
-              <a:ext uri="{FF2B5EF4-FFF2-40B4-BE49-F238E27FC236}">
-                <a16:creationId xmlns:a16="http://schemas.microsoft.com/office/drawing/2014/main" id="{75AB9724-505A-DA47-D49A-5D2D01D14A35}"/>
-              </a:ext>
-            </a:extLst>
-          </p:cNvPr>
-          <p:cNvSpPr txBox="1">
-            <a:spLocks noGrp="1"/>
-          </p:cNvSpPr>
-          <p:nvPr>
-            <p:ph type="title"/>
-          </p:nvPr>
-        </p:nvSpPr>
-        <p:spPr/>
-        <p:txBody>
-          <a:bodyPr/>
-          <a:lstStyle/>
-          <a:p>
-            <a:pPr lvl="0"/>
-            <a:r>
-              <a:rPr lang="en-US"/>
-              <a:t>Thank you</a:t>
-            </a:r>
-          </a:p>
-        </p:txBody>
-      </p:sp>
-      <p:sp>
-        <p:nvSpPr>
-          <p:cNvPr id="7" name="Text Placeholder 6">
-            <a:extLst>
-              <a:ext uri="{FF2B5EF4-FFF2-40B4-BE49-F238E27FC236}">
-                <a16:creationId xmlns:a16="http://schemas.microsoft.com/office/drawing/2014/main" id="{97F735B0-D294-085B-0960-96FB124750AE}"/>
-              </a:ext>
-            </a:extLst>
-          </p:cNvPr>
-          <p:cNvSpPr txBox="1">
-            <a:spLocks noGrp="1"/>
-          </p:cNvSpPr>
-          <p:nvPr>
-            <p:ph type="body" idx="4294967295"/>
-          </p:nvPr>
-        </p:nvSpPr>
-        <p:spPr>
-          <a:xfrm>
-            <a:off x="5760720" y="3127248"/>
-            <a:ext cx="5276088" cy="1124712"/>
-          </a:xfrm>
-        </p:spPr>
-        <p:txBody>
-          <a:bodyPr/>
-          <a:lstStyle/>
-          <a:p>
-            <a:pPr marL="0" lvl="0" indent="0" algn="r">
-              <a:buNone/>
-            </a:pPr>
-            <a:r>
-              <a:rPr lang="en-US" sz="1800">
-                <a:solidFill>
-                  <a:srgbClr val="FFFFFF"/>
-                </a:solidFill>
-              </a:rPr>
-              <a:t>Cameron Castillo // Daniel Diaz</a:t>
-            </a:r>
-          </a:p>
-          <a:p>
-            <a:pPr marL="0" lvl="0" indent="0" algn="r">
-              <a:buNone/>
-            </a:pPr>
-            <a:r>
-              <a:rPr lang="en-US" sz="1800">
-                <a:solidFill>
-                  <a:srgbClr val="FFFFFF"/>
-                </a:solidFill>
-              </a:rPr>
-              <a:t>Vincent Zhuang // Carl Kakisis</a:t>
-            </a:r>
-          </a:p>
-        </p:txBody>
-      </p:sp>
-      <p:pic>
-        <p:nvPicPr>
-          <p:cNvPr id="8" name="Picture Placeholder 14" descr="mountains under near dusk sky">
-            <a:extLst>
-              <a:ext uri="{FF2B5EF4-FFF2-40B4-BE49-F238E27FC236}">
-                <a16:creationId xmlns:a16="http://schemas.microsoft.com/office/drawing/2014/main" id="{7DD1120F-630E-A067-E0FC-5DA91C81BC1B}"/>
-              </a:ext>
-            </a:extLst>
-          </p:cNvPr>
-          <p:cNvPicPr>
-            <a:picLocks noGrp="1" noChangeAspect="1"/>
-          </p:cNvPicPr>
-          <p:nvPr>
-            <p:ph type="pic" idx="4294967295"/>
-          </p:nvPr>
-        </p:nvPicPr>
-        <p:blipFill>
-          <a:blip r:embed="rId4"/>
-          <a:srcRect l="16" r="16"/>
-          <a:stretch>
-            <a:fillRect/>
-          </a:stretch>
-        </p:blipFill>
-        <p:spPr>
-          <a:xfrm>
-            <a:off x="1092909" y="4018980"/>
-            <a:ext cx="3854159" cy="2839019"/>
-          </a:xfrm>
-        </p:spPr>
-      </p:pic>
-      <p:pic>
-        <p:nvPicPr>
-          <p:cNvPr id="9" name="Picture Placeholder 12" descr="mountains under the night sky just before dawn">
-            <a:extLst>
-              <a:ext uri="{FF2B5EF4-FFF2-40B4-BE49-F238E27FC236}">
-                <a16:creationId xmlns:a16="http://schemas.microsoft.com/office/drawing/2014/main" id="{B1BCA5D8-BA87-B49F-F2EF-2016B727FD65}"/>
-              </a:ext>
-            </a:extLst>
-          </p:cNvPr>
-          <p:cNvPicPr>
-            <a:picLocks noGrp="1" noChangeAspect="1"/>
-          </p:cNvPicPr>
-          <p:nvPr>
-            <p:ph type="pic" idx="4294967295"/>
-          </p:nvPr>
-        </p:nvPicPr>
-        <p:blipFill>
-          <a:blip r:embed="rId5"/>
-          <a:srcRect t="108" b="108"/>
-          <a:stretch>
-            <a:fillRect/>
-          </a:stretch>
-        </p:blipFill>
-        <p:spPr>
-          <a:xfrm>
-            <a:off x="5579540" y="4386312"/>
-            <a:ext cx="3119292" cy="2462808"/>
-          </a:xfrm>
-        </p:spPr>
-      </p:pic>
+              <a:rPr lang="en-US" spc="400" dirty="0"/>
+              <a:t>QUESTIONS?</a:t>
+            </a:r>
+            <a:endParaRPr lang="en-US" dirty="0"/>
+          </a:p>
+        </p:txBody>
+      </p:sp>
     </p:spTree>
+    <p:extLst>
+      <p:ext uri="{BB962C8B-B14F-4D97-AF65-F5344CB8AC3E}">
+        <p14:creationId xmlns:p14="http://schemas.microsoft.com/office/powerpoint/2010/main" val="2004338799"/>
+      </p:ext>
+    </p:extLst>
   </p:cSld>
   <p:clrMapOvr>
     <a:masterClrMapping/>
@@ -21793,7 +24412,7 @@
           </p:nvPr>
         </p:nvPicPr>
         <p:blipFill>
-          <a:blip r:embed="rId2"/>
+          <a:blip r:embed="rId3"/>
           <a:stretch>
             <a:fillRect/>
           </a:stretch>
@@ -21980,7 +24599,7 @@
           <p:nvPr/>
         </p:nvPicPr>
         <p:blipFill>
-          <a:blip r:embed="rId2"/>
+          <a:blip r:embed="rId3"/>
           <a:stretch>
             <a:fillRect/>
           </a:stretch>
@@ -22014,7 +24633,7 @@
           <p:nvPr/>
         </p:nvPicPr>
         <p:blipFill>
-          <a:blip r:embed="rId3"/>
+          <a:blip r:embed="rId4"/>
           <a:stretch>
             <a:fillRect/>
           </a:stretch>
@@ -22590,7 +25209,7 @@
           <p:nvPr/>
         </p:nvPicPr>
         <p:blipFill>
-          <a:blip r:embed="rId2"/>
+          <a:blip r:embed="rId3"/>
           <a:stretch>
             <a:fillRect/>
           </a:stretch>
@@ -22856,7 +25475,7 @@
           <p:nvPr/>
         </p:nvPicPr>
         <p:blipFill>
-          <a:blip r:embed="rId3"/>
+          <a:blip r:embed="rId4"/>
           <a:stretch>
             <a:fillRect/>
           </a:stretch>
@@ -23356,7 +25975,7 @@
           <p:nvPr/>
         </p:nvPicPr>
         <p:blipFill>
-          <a:blip r:embed="rId2"/>
+          <a:blip r:embed="rId3"/>
           <a:stretch>
             <a:fillRect/>
           </a:stretch>
@@ -23381,6 +26000,40 @@
             <a:extLst>
               <a:ext uri="{FF2B5EF4-FFF2-40B4-BE49-F238E27FC236}">
                 <a16:creationId xmlns:a16="http://schemas.microsoft.com/office/drawing/2014/main" id="{1B3E5CD8-39F3-AAC4-2B3A-AED7128AEB2C}"/>
+              </a:ext>
+            </a:extLst>
+          </p:cNvPr>
+          <p:cNvPicPr>
+            <a:picLocks noChangeAspect="1"/>
+          </p:cNvPicPr>
+          <p:nvPr/>
+        </p:nvPicPr>
+        <p:blipFill>
+          <a:blip r:embed="rId4"/>
+          <a:stretch>
+            <a:fillRect/>
+          </a:stretch>
+        </p:blipFill>
+        <p:spPr>
+          <a:xfrm>
+            <a:off x="8694453" y="3839016"/>
+            <a:ext cx="2659349" cy="2000926"/>
+          </a:xfrm>
+          <a:prstGeom prst="rect">
+            <a:avLst/>
+          </a:prstGeom>
+          <a:noFill/>
+          <a:ln cap="flat">
+            <a:noFill/>
+          </a:ln>
+        </p:spPr>
+      </p:pic>
+      <p:pic>
+        <p:nvPicPr>
+          <p:cNvPr id="5" name="Picture 6" descr="A picture containing text, pool ball, sport, vector graphics&#10;&#10;Description automatically generated">
+            <a:extLst>
+              <a:ext uri="{FF2B5EF4-FFF2-40B4-BE49-F238E27FC236}">
+                <a16:creationId xmlns:a16="http://schemas.microsoft.com/office/drawing/2014/main" id="{F649A5A5-3EDE-74E2-A51B-1A5131861700}"/>
               </a:ext>
             </a:extLst>
           </p:cNvPr>
@@ -23397,8 +26050,8 @@
         </p:blipFill>
         <p:spPr>
           <a:xfrm>
-            <a:off x="8694453" y="3839016"/>
-            <a:ext cx="2659349" cy="2000926"/>
+            <a:off x="1083746" y="3713616"/>
+            <a:ext cx="1682084" cy="1026221"/>
           </a:xfrm>
           <a:prstGeom prst="rect">
             <a:avLst/>
@@ -23411,10 +26064,10 @@
       </p:pic>
       <p:pic>
         <p:nvPicPr>
-          <p:cNvPr id="5" name="Picture 6" descr="A picture containing text, pool ball, sport, vector graphics&#10;&#10;Description automatically generated">
-            <a:extLst>
-              <a:ext uri="{FF2B5EF4-FFF2-40B4-BE49-F238E27FC236}">
-                <a16:creationId xmlns:a16="http://schemas.microsoft.com/office/drawing/2014/main" id="{F649A5A5-3EDE-74E2-A51B-1A5131861700}"/>
+          <p:cNvPr id="6" name="Picture 7" descr="A picture containing text, pool ball&#10;&#10;Description automatically generated">
+            <a:extLst>
+              <a:ext uri="{FF2B5EF4-FFF2-40B4-BE49-F238E27FC236}">
+                <a16:creationId xmlns:a16="http://schemas.microsoft.com/office/drawing/2014/main" id="{E85315BC-3979-49CC-BB81-7E3A00B4B08F}"/>
               </a:ext>
             </a:extLst>
           </p:cNvPr>
@@ -23424,41 +26077,7 @@
           <p:nvPr/>
         </p:nvPicPr>
         <p:blipFill>
-          <a:blip r:embed="rId2"/>
-          <a:stretch>
-            <a:fillRect/>
-          </a:stretch>
-        </p:blipFill>
-        <p:spPr>
-          <a:xfrm>
-            <a:off x="1083746" y="3713616"/>
-            <a:ext cx="1682084" cy="1026221"/>
-          </a:xfrm>
-          <a:prstGeom prst="rect">
-            <a:avLst/>
-          </a:prstGeom>
-          <a:noFill/>
-          <a:ln cap="flat">
-            <a:noFill/>
-          </a:ln>
-        </p:spPr>
-      </p:pic>
-      <p:pic>
-        <p:nvPicPr>
-          <p:cNvPr id="6" name="Picture 7" descr="A picture containing text, pool ball&#10;&#10;Description automatically generated">
-            <a:extLst>
-              <a:ext uri="{FF2B5EF4-FFF2-40B4-BE49-F238E27FC236}">
-                <a16:creationId xmlns:a16="http://schemas.microsoft.com/office/drawing/2014/main" id="{E85315BC-3979-49CC-BB81-7E3A00B4B08F}"/>
-              </a:ext>
-            </a:extLst>
-          </p:cNvPr>
-          <p:cNvPicPr>
-            <a:picLocks noChangeAspect="1"/>
-          </p:cNvPicPr>
-          <p:nvPr/>
-        </p:nvPicPr>
-        <p:blipFill>
-          <a:blip r:embed="rId4"/>
+          <a:blip r:embed="rId5"/>
           <a:stretch>
             <a:fillRect/>
           </a:stretch>
@@ -25027,7 +27646,7 @@
           <p:nvPr/>
         </p:nvPicPr>
         <p:blipFill>
-          <a:blip r:embed="rId2">
+          <a:blip r:embed="rId3">
             <a:extLst>
               <a:ext uri="{28A0092B-C50C-407E-A947-70E740481C1C}">
                 <a14:useLocalDpi xmlns:a14="http://schemas.microsoft.com/office/drawing/2010/main" val="0"/>
